--- a/it.pptx
+++ b/it.pptx
@@ -5,24 +5,39 @@
     <p:sldMasterId id="2147483663" r:id="rId1"/>
   </p:sldMasterIdLst>
   <p:notesMasterIdLst>
-    <p:notesMasterId r:id="rId17"/>
+    <p:notesMasterId r:id="rId32"/>
   </p:notesMasterIdLst>
   <p:sldIdLst>
     <p:sldId id="363" r:id="rId2"/>
-    <p:sldId id="378" r:id="rId3"/>
-    <p:sldId id="364" r:id="rId4"/>
-    <p:sldId id="366" r:id="rId5"/>
-    <p:sldId id="368" r:id="rId6"/>
-    <p:sldId id="369" r:id="rId7"/>
-    <p:sldId id="370" r:id="rId8"/>
-    <p:sldId id="371" r:id="rId9"/>
-    <p:sldId id="372" r:id="rId10"/>
+    <p:sldId id="364" r:id="rId3"/>
+    <p:sldId id="366" r:id="rId4"/>
+    <p:sldId id="368" r:id="rId5"/>
+    <p:sldId id="369" r:id="rId6"/>
+    <p:sldId id="370" r:id="rId7"/>
+    <p:sldId id="371" r:id="rId8"/>
+    <p:sldId id="372" r:id="rId9"/>
+    <p:sldId id="384" r:id="rId10"/>
     <p:sldId id="374" r:id="rId11"/>
     <p:sldId id="375" r:id="rId12"/>
     <p:sldId id="376" r:id="rId13"/>
     <p:sldId id="377" r:id="rId14"/>
-    <p:sldId id="373" r:id="rId15"/>
-    <p:sldId id="367" r:id="rId16"/>
+    <p:sldId id="379" r:id="rId15"/>
+    <p:sldId id="373" r:id="rId16"/>
+    <p:sldId id="380" r:id="rId17"/>
+    <p:sldId id="381" r:id="rId18"/>
+    <p:sldId id="382" r:id="rId19"/>
+    <p:sldId id="383" r:id="rId20"/>
+    <p:sldId id="386" r:id="rId21"/>
+    <p:sldId id="385" r:id="rId22"/>
+    <p:sldId id="387" r:id="rId23"/>
+    <p:sldId id="391" r:id="rId24"/>
+    <p:sldId id="392" r:id="rId25"/>
+    <p:sldId id="388" r:id="rId26"/>
+    <p:sldId id="389" r:id="rId27"/>
+    <p:sldId id="393" r:id="rId28"/>
+    <p:sldId id="394" r:id="rId29"/>
+    <p:sldId id="390" r:id="rId30"/>
+    <p:sldId id="367" r:id="rId31"/>
   </p:sldIdLst>
   <p:sldSz cx="9144000" cy="6858000" type="screen4x3"/>
   <p:notesSz cx="6858000" cy="9144000"/>
@@ -662,6 +677,628 @@
           <a:bodyPr/>
           <a:lstStyle/>
           <a:p>
+            <a:r>
+              <a:rPr lang="en-US" dirty="0" smtClean="0"/>
+              <a:t>Increased</a:t>
+            </a:r>
+            <a:r>
+              <a:rPr lang="en-US" baseline="0" dirty="0" smtClean="0"/>
+              <a:t> benefits: It comes down to the same principle that you application code. There is lower overhead in understanding the code is doing because you don’t have to be concerned about learning (or relearning) another style or organization pattern.</a:t>
+            </a:r>
+            <a:endParaRPr lang="en-US" dirty="0"/>
+          </a:p>
+        </p:txBody>
+      </p:sp>
+    </p:spTree>
+    <p:extLst>
+      <p:ext uri="{BB962C8B-B14F-4D97-AF65-F5344CB8AC3E}">
+        <p14:creationId xmlns:p14="http://schemas.microsoft.com/office/powerpoint/2010/main" val="2483061746"/>
+      </p:ext>
+    </p:extLst>
+  </p:cSld>
+  <p:clrMapOvr>
+    <a:masterClrMapping/>
+  </p:clrMapOvr>
+</p:notes>
+</file>
+
+<file path=ppt/notesSlides/notesSlide11.xml><?xml version="1.0" encoding="utf-8"?>
+<p:notes xmlns:a="http://schemas.openxmlformats.org/drawingml/2006/main" xmlns:r="http://schemas.openxmlformats.org/officeDocument/2006/relationships" xmlns:p="http://schemas.openxmlformats.org/presentationml/2006/main">
+  <p:cSld>
+    <p:spTree>
+      <p:nvGrpSpPr>
+        <p:cNvPr id="1" name=""/>
+        <p:cNvGrpSpPr/>
+        <p:nvPr/>
+      </p:nvGrpSpPr>
+      <p:grpSpPr>
+        <a:xfrm>
+          <a:off x="0" y="0"/>
+          <a:ext cx="0" cy="0"/>
+          <a:chOff x="0" y="0"/>
+          <a:chExt cx="0" cy="0"/>
+        </a:xfrm>
+      </p:grpSpPr>
+      <p:sp>
+        <p:nvSpPr>
+          <p:cNvPr id="2" name="Slide Image Placeholder 1"/>
+          <p:cNvSpPr>
+            <a:spLocks noGrp="1" noRot="1" noChangeAspect="1"/>
+          </p:cNvSpPr>
+          <p:nvPr>
+            <p:ph type="sldImg"/>
+          </p:nvPr>
+        </p:nvSpPr>
+        <p:spPr>
+          <a:xfrm>
+            <a:off x="1143000" y="685800"/>
+            <a:ext cx="4572000" cy="3429000"/>
+          </a:xfrm>
+        </p:spPr>
+      </p:sp>
+      <p:sp>
+        <p:nvSpPr>
+          <p:cNvPr id="3" name="Notes Placeholder 2"/>
+          <p:cNvSpPr>
+            <a:spLocks noGrp="1"/>
+          </p:cNvSpPr>
+          <p:nvPr>
+            <p:ph type="body" idx="1"/>
+          </p:nvPr>
+        </p:nvSpPr>
+        <p:spPr/>
+        <p:txBody>
+          <a:bodyPr/>
+          <a:lstStyle/>
+          <a:p>
+            <a:r>
+              <a:rPr lang="en-US" dirty="0" smtClean="0"/>
+              <a:t>Increased</a:t>
+            </a:r>
+            <a:r>
+              <a:rPr lang="en-US" baseline="0" dirty="0" smtClean="0"/>
+              <a:t> benefits: It comes down to the same principle that you application code. There is lower overhead in understanding the code </a:t>
+            </a:r>
+            <a:r>
+              <a:rPr lang="en-US" baseline="0" smtClean="0"/>
+              <a:t>is doing </a:t>
+            </a:r>
+            <a:r>
+              <a:rPr lang="en-US" baseline="0" dirty="0" smtClean="0"/>
+              <a:t>because you don’t have to be concerned about learning (or relearning) another style or </a:t>
+            </a:r>
+            <a:r>
+              <a:rPr lang="en-US" baseline="0" smtClean="0"/>
+              <a:t>organization pattern.</a:t>
+            </a:r>
+            <a:endParaRPr lang="en-US" dirty="0"/>
+          </a:p>
+        </p:txBody>
+      </p:sp>
+    </p:spTree>
+    <p:extLst>
+      <p:ext uri="{BB962C8B-B14F-4D97-AF65-F5344CB8AC3E}">
+        <p14:creationId xmlns:p14="http://schemas.microsoft.com/office/powerpoint/2010/main" val="2483061746"/>
+      </p:ext>
+    </p:extLst>
+  </p:cSld>
+  <p:clrMapOvr>
+    <a:masterClrMapping/>
+  </p:clrMapOvr>
+</p:notes>
+</file>
+
+<file path=ppt/notesSlides/notesSlide12.xml><?xml version="1.0" encoding="utf-8"?>
+<p:notes xmlns:a="http://schemas.openxmlformats.org/drawingml/2006/main" xmlns:r="http://schemas.openxmlformats.org/officeDocument/2006/relationships" xmlns:p="http://schemas.openxmlformats.org/presentationml/2006/main">
+  <p:cSld>
+    <p:spTree>
+      <p:nvGrpSpPr>
+        <p:cNvPr id="1" name=""/>
+        <p:cNvGrpSpPr/>
+        <p:nvPr/>
+      </p:nvGrpSpPr>
+      <p:grpSpPr>
+        <a:xfrm>
+          <a:off x="0" y="0"/>
+          <a:ext cx="0" cy="0"/>
+          <a:chOff x="0" y="0"/>
+          <a:chExt cx="0" cy="0"/>
+        </a:xfrm>
+      </p:grpSpPr>
+      <p:sp>
+        <p:nvSpPr>
+          <p:cNvPr id="2" name="Slide Image Placeholder 1"/>
+          <p:cNvSpPr>
+            <a:spLocks noGrp="1" noRot="1" noChangeAspect="1"/>
+          </p:cNvSpPr>
+          <p:nvPr>
+            <p:ph type="sldImg"/>
+          </p:nvPr>
+        </p:nvSpPr>
+        <p:spPr>
+          <a:xfrm>
+            <a:off x="1143000" y="685800"/>
+            <a:ext cx="4572000" cy="3429000"/>
+          </a:xfrm>
+        </p:spPr>
+      </p:sp>
+      <p:sp>
+        <p:nvSpPr>
+          <p:cNvPr id="3" name="Notes Placeholder 2"/>
+          <p:cNvSpPr>
+            <a:spLocks noGrp="1"/>
+          </p:cNvSpPr>
+          <p:nvPr>
+            <p:ph type="body" idx="1"/>
+          </p:nvPr>
+        </p:nvSpPr>
+        <p:spPr/>
+        <p:txBody>
+          <a:bodyPr/>
+          <a:lstStyle/>
+          <a:p>
+            <a:endParaRPr lang="en-US" dirty="0"/>
+          </a:p>
+        </p:txBody>
+      </p:sp>
+    </p:spTree>
+    <p:extLst>
+      <p:ext uri="{BB962C8B-B14F-4D97-AF65-F5344CB8AC3E}">
+        <p14:creationId xmlns:p14="http://schemas.microsoft.com/office/powerpoint/2010/main" val="2483061746"/>
+      </p:ext>
+    </p:extLst>
+  </p:cSld>
+  <p:clrMapOvr>
+    <a:masterClrMapping/>
+  </p:clrMapOvr>
+</p:notes>
+</file>
+
+<file path=ppt/notesSlides/notesSlide13.xml><?xml version="1.0" encoding="utf-8"?>
+<p:notes xmlns:a="http://schemas.openxmlformats.org/drawingml/2006/main" xmlns:r="http://schemas.openxmlformats.org/officeDocument/2006/relationships" xmlns:p="http://schemas.openxmlformats.org/presentationml/2006/main">
+  <p:cSld>
+    <p:spTree>
+      <p:nvGrpSpPr>
+        <p:cNvPr id="1" name=""/>
+        <p:cNvGrpSpPr/>
+        <p:nvPr/>
+      </p:nvGrpSpPr>
+      <p:grpSpPr>
+        <a:xfrm>
+          <a:off x="0" y="0"/>
+          <a:ext cx="0" cy="0"/>
+          <a:chOff x="0" y="0"/>
+          <a:chExt cx="0" cy="0"/>
+        </a:xfrm>
+      </p:grpSpPr>
+      <p:sp>
+        <p:nvSpPr>
+          <p:cNvPr id="2" name="Slide Image Placeholder 1"/>
+          <p:cNvSpPr>
+            <a:spLocks noGrp="1" noRot="1" noChangeAspect="1"/>
+          </p:cNvSpPr>
+          <p:nvPr>
+            <p:ph type="sldImg"/>
+          </p:nvPr>
+        </p:nvSpPr>
+        <p:spPr>
+          <a:xfrm>
+            <a:off x="1143000" y="685800"/>
+            <a:ext cx="4572000" cy="3429000"/>
+          </a:xfrm>
+        </p:spPr>
+      </p:sp>
+      <p:sp>
+        <p:nvSpPr>
+          <p:cNvPr id="3" name="Notes Placeholder 2"/>
+          <p:cNvSpPr>
+            <a:spLocks noGrp="1"/>
+          </p:cNvSpPr>
+          <p:nvPr>
+            <p:ph type="body" idx="1"/>
+          </p:nvPr>
+        </p:nvSpPr>
+        <p:spPr/>
+        <p:txBody>
+          <a:bodyPr/>
+          <a:lstStyle/>
+          <a:p>
+            <a:endParaRPr lang="en-US" dirty="0"/>
+          </a:p>
+        </p:txBody>
+      </p:sp>
+    </p:spTree>
+    <p:extLst>
+      <p:ext uri="{BB962C8B-B14F-4D97-AF65-F5344CB8AC3E}">
+        <p14:creationId xmlns:p14="http://schemas.microsoft.com/office/powerpoint/2010/main" val="2483061746"/>
+      </p:ext>
+    </p:extLst>
+  </p:cSld>
+  <p:clrMapOvr>
+    <a:masterClrMapping/>
+  </p:clrMapOvr>
+</p:notes>
+</file>
+
+<file path=ppt/notesSlides/notesSlide14.xml><?xml version="1.0" encoding="utf-8"?>
+<p:notes xmlns:a="http://schemas.openxmlformats.org/drawingml/2006/main" xmlns:r="http://schemas.openxmlformats.org/officeDocument/2006/relationships" xmlns:p="http://schemas.openxmlformats.org/presentationml/2006/main">
+  <p:cSld>
+    <p:spTree>
+      <p:nvGrpSpPr>
+        <p:cNvPr id="1" name=""/>
+        <p:cNvGrpSpPr/>
+        <p:nvPr/>
+      </p:nvGrpSpPr>
+      <p:grpSpPr>
+        <a:xfrm>
+          <a:off x="0" y="0"/>
+          <a:ext cx="0" cy="0"/>
+          <a:chOff x="0" y="0"/>
+          <a:chExt cx="0" cy="0"/>
+        </a:xfrm>
+      </p:grpSpPr>
+      <p:sp>
+        <p:nvSpPr>
+          <p:cNvPr id="2" name="Slide Image Placeholder 1"/>
+          <p:cNvSpPr>
+            <a:spLocks noGrp="1" noRot="1" noChangeAspect="1"/>
+          </p:cNvSpPr>
+          <p:nvPr>
+            <p:ph type="sldImg"/>
+          </p:nvPr>
+        </p:nvSpPr>
+        <p:spPr>
+          <a:xfrm>
+            <a:off x="1143000" y="685800"/>
+            <a:ext cx="4572000" cy="3429000"/>
+          </a:xfrm>
+        </p:spPr>
+      </p:sp>
+      <p:sp>
+        <p:nvSpPr>
+          <p:cNvPr id="3" name="Notes Placeholder 2"/>
+          <p:cNvSpPr>
+            <a:spLocks noGrp="1"/>
+          </p:cNvSpPr>
+          <p:nvPr>
+            <p:ph type="body" idx="1"/>
+          </p:nvPr>
+        </p:nvSpPr>
+        <p:spPr/>
+        <p:txBody>
+          <a:bodyPr/>
+          <a:lstStyle/>
+          <a:p>
+            <a:endParaRPr lang="en-US" dirty="0"/>
+          </a:p>
+        </p:txBody>
+      </p:sp>
+    </p:spTree>
+    <p:extLst>
+      <p:ext uri="{BB962C8B-B14F-4D97-AF65-F5344CB8AC3E}">
+        <p14:creationId xmlns:p14="http://schemas.microsoft.com/office/powerpoint/2010/main" val="2483061746"/>
+      </p:ext>
+    </p:extLst>
+  </p:cSld>
+  <p:clrMapOvr>
+    <a:masterClrMapping/>
+  </p:clrMapOvr>
+</p:notes>
+</file>
+
+<file path=ppt/notesSlides/notesSlide15.xml><?xml version="1.0" encoding="utf-8"?>
+<p:notes xmlns:a="http://schemas.openxmlformats.org/drawingml/2006/main" xmlns:r="http://schemas.openxmlformats.org/officeDocument/2006/relationships" xmlns:p="http://schemas.openxmlformats.org/presentationml/2006/main">
+  <p:cSld>
+    <p:spTree>
+      <p:nvGrpSpPr>
+        <p:cNvPr id="1" name=""/>
+        <p:cNvGrpSpPr/>
+        <p:nvPr/>
+      </p:nvGrpSpPr>
+      <p:grpSpPr>
+        <a:xfrm>
+          <a:off x="0" y="0"/>
+          <a:ext cx="0" cy="0"/>
+          <a:chOff x="0" y="0"/>
+          <a:chExt cx="0" cy="0"/>
+        </a:xfrm>
+      </p:grpSpPr>
+      <p:sp>
+        <p:nvSpPr>
+          <p:cNvPr id="2" name="Slide Image Placeholder 1"/>
+          <p:cNvSpPr>
+            <a:spLocks noGrp="1" noRot="1" noChangeAspect="1"/>
+          </p:cNvSpPr>
+          <p:nvPr>
+            <p:ph type="sldImg"/>
+          </p:nvPr>
+        </p:nvSpPr>
+        <p:spPr>
+          <a:xfrm>
+            <a:off x="1143000" y="685800"/>
+            <a:ext cx="4572000" cy="3429000"/>
+          </a:xfrm>
+        </p:spPr>
+      </p:sp>
+      <p:sp>
+        <p:nvSpPr>
+          <p:cNvPr id="3" name="Notes Placeholder 2"/>
+          <p:cNvSpPr>
+            <a:spLocks noGrp="1"/>
+          </p:cNvSpPr>
+          <p:nvPr>
+            <p:ph type="body" idx="1"/>
+          </p:nvPr>
+        </p:nvSpPr>
+        <p:spPr/>
+        <p:txBody>
+          <a:bodyPr/>
+          <a:lstStyle/>
+          <a:p>
+            <a:endParaRPr lang="en-US" dirty="0"/>
+          </a:p>
+        </p:txBody>
+      </p:sp>
+    </p:spTree>
+    <p:extLst>
+      <p:ext uri="{BB962C8B-B14F-4D97-AF65-F5344CB8AC3E}">
+        <p14:creationId xmlns:p14="http://schemas.microsoft.com/office/powerpoint/2010/main" val="2483061746"/>
+      </p:ext>
+    </p:extLst>
+  </p:cSld>
+  <p:clrMapOvr>
+    <a:masterClrMapping/>
+  </p:clrMapOvr>
+</p:notes>
+</file>
+
+<file path=ppt/notesSlides/notesSlide16.xml><?xml version="1.0" encoding="utf-8"?>
+<p:notes xmlns:a="http://schemas.openxmlformats.org/drawingml/2006/main" xmlns:r="http://schemas.openxmlformats.org/officeDocument/2006/relationships" xmlns:p="http://schemas.openxmlformats.org/presentationml/2006/main">
+  <p:cSld>
+    <p:spTree>
+      <p:nvGrpSpPr>
+        <p:cNvPr id="1" name=""/>
+        <p:cNvGrpSpPr/>
+        <p:nvPr/>
+      </p:nvGrpSpPr>
+      <p:grpSpPr>
+        <a:xfrm>
+          <a:off x="0" y="0"/>
+          <a:ext cx="0" cy="0"/>
+          <a:chOff x="0" y="0"/>
+          <a:chExt cx="0" cy="0"/>
+        </a:xfrm>
+      </p:grpSpPr>
+      <p:sp>
+        <p:nvSpPr>
+          <p:cNvPr id="2" name="Slide Image Placeholder 1"/>
+          <p:cNvSpPr>
+            <a:spLocks noGrp="1" noRot="1" noChangeAspect="1"/>
+          </p:cNvSpPr>
+          <p:nvPr>
+            <p:ph type="sldImg"/>
+          </p:nvPr>
+        </p:nvSpPr>
+        <p:spPr>
+          <a:xfrm>
+            <a:off x="1143000" y="685800"/>
+            <a:ext cx="4572000" cy="3429000"/>
+          </a:xfrm>
+        </p:spPr>
+      </p:sp>
+      <p:sp>
+        <p:nvSpPr>
+          <p:cNvPr id="3" name="Notes Placeholder 2"/>
+          <p:cNvSpPr>
+            <a:spLocks noGrp="1"/>
+          </p:cNvSpPr>
+          <p:nvPr>
+            <p:ph type="body" idx="1"/>
+          </p:nvPr>
+        </p:nvSpPr>
+        <p:spPr/>
+        <p:txBody>
+          <a:bodyPr/>
+          <a:lstStyle/>
+          <a:p>
+            <a:endParaRPr lang="en-US" dirty="0"/>
+          </a:p>
+        </p:txBody>
+      </p:sp>
+    </p:spTree>
+    <p:extLst>
+      <p:ext uri="{BB962C8B-B14F-4D97-AF65-F5344CB8AC3E}">
+        <p14:creationId xmlns:p14="http://schemas.microsoft.com/office/powerpoint/2010/main" val="2483061746"/>
+      </p:ext>
+    </p:extLst>
+  </p:cSld>
+  <p:clrMapOvr>
+    <a:masterClrMapping/>
+  </p:clrMapOvr>
+</p:notes>
+</file>
+
+<file path=ppt/notesSlides/notesSlide17.xml><?xml version="1.0" encoding="utf-8"?>
+<p:notes xmlns:a="http://schemas.openxmlformats.org/drawingml/2006/main" xmlns:r="http://schemas.openxmlformats.org/officeDocument/2006/relationships" xmlns:p="http://schemas.openxmlformats.org/presentationml/2006/main">
+  <p:cSld>
+    <p:spTree>
+      <p:nvGrpSpPr>
+        <p:cNvPr id="1" name=""/>
+        <p:cNvGrpSpPr/>
+        <p:nvPr/>
+      </p:nvGrpSpPr>
+      <p:grpSpPr>
+        <a:xfrm>
+          <a:off x="0" y="0"/>
+          <a:ext cx="0" cy="0"/>
+          <a:chOff x="0" y="0"/>
+          <a:chExt cx="0" cy="0"/>
+        </a:xfrm>
+      </p:grpSpPr>
+      <p:sp>
+        <p:nvSpPr>
+          <p:cNvPr id="2" name="Slide Image Placeholder 1"/>
+          <p:cNvSpPr>
+            <a:spLocks noGrp="1" noRot="1" noChangeAspect="1"/>
+          </p:cNvSpPr>
+          <p:nvPr>
+            <p:ph type="sldImg"/>
+          </p:nvPr>
+        </p:nvSpPr>
+        <p:spPr>
+          <a:xfrm>
+            <a:off x="1143000" y="685800"/>
+            <a:ext cx="4572000" cy="3429000"/>
+          </a:xfrm>
+        </p:spPr>
+      </p:sp>
+      <p:sp>
+        <p:nvSpPr>
+          <p:cNvPr id="3" name="Notes Placeholder 2"/>
+          <p:cNvSpPr>
+            <a:spLocks noGrp="1"/>
+          </p:cNvSpPr>
+          <p:nvPr>
+            <p:ph type="body" idx="1"/>
+          </p:nvPr>
+        </p:nvSpPr>
+        <p:spPr/>
+        <p:txBody>
+          <a:bodyPr/>
+          <a:lstStyle/>
+          <a:p>
+            <a:endParaRPr lang="en-US" dirty="0"/>
+          </a:p>
+        </p:txBody>
+      </p:sp>
+    </p:spTree>
+    <p:extLst>
+      <p:ext uri="{BB962C8B-B14F-4D97-AF65-F5344CB8AC3E}">
+        <p14:creationId xmlns:p14="http://schemas.microsoft.com/office/powerpoint/2010/main" val="2483061746"/>
+      </p:ext>
+    </p:extLst>
+  </p:cSld>
+  <p:clrMapOvr>
+    <a:masterClrMapping/>
+  </p:clrMapOvr>
+</p:notes>
+</file>
+
+<file path=ppt/notesSlides/notesSlide18.xml><?xml version="1.0" encoding="utf-8"?>
+<p:notes xmlns:a="http://schemas.openxmlformats.org/drawingml/2006/main" xmlns:r="http://schemas.openxmlformats.org/officeDocument/2006/relationships" xmlns:p="http://schemas.openxmlformats.org/presentationml/2006/main">
+  <p:cSld>
+    <p:spTree>
+      <p:nvGrpSpPr>
+        <p:cNvPr id="1" name=""/>
+        <p:cNvGrpSpPr/>
+        <p:nvPr/>
+      </p:nvGrpSpPr>
+      <p:grpSpPr>
+        <a:xfrm>
+          <a:off x="0" y="0"/>
+          <a:ext cx="0" cy="0"/>
+          <a:chOff x="0" y="0"/>
+          <a:chExt cx="0" cy="0"/>
+        </a:xfrm>
+      </p:grpSpPr>
+      <p:sp>
+        <p:nvSpPr>
+          <p:cNvPr id="2" name="Slide Image Placeholder 1"/>
+          <p:cNvSpPr>
+            <a:spLocks noGrp="1" noRot="1" noChangeAspect="1"/>
+          </p:cNvSpPr>
+          <p:nvPr>
+            <p:ph type="sldImg"/>
+          </p:nvPr>
+        </p:nvSpPr>
+        <p:spPr>
+          <a:xfrm>
+            <a:off x="1143000" y="685800"/>
+            <a:ext cx="4572000" cy="3429000"/>
+          </a:xfrm>
+        </p:spPr>
+      </p:sp>
+      <p:sp>
+        <p:nvSpPr>
+          <p:cNvPr id="3" name="Notes Placeholder 2"/>
+          <p:cNvSpPr>
+            <a:spLocks noGrp="1"/>
+          </p:cNvSpPr>
+          <p:nvPr>
+            <p:ph type="body" idx="1"/>
+          </p:nvPr>
+        </p:nvSpPr>
+        <p:spPr/>
+        <p:txBody>
+          <a:bodyPr/>
+          <a:lstStyle/>
+          <a:p>
+            <a:endParaRPr lang="en-US" dirty="0"/>
+          </a:p>
+        </p:txBody>
+      </p:sp>
+    </p:spTree>
+    <p:extLst>
+      <p:ext uri="{BB962C8B-B14F-4D97-AF65-F5344CB8AC3E}">
+        <p14:creationId xmlns:p14="http://schemas.microsoft.com/office/powerpoint/2010/main" val="2483061746"/>
+      </p:ext>
+    </p:extLst>
+  </p:cSld>
+  <p:clrMapOvr>
+    <a:masterClrMapping/>
+  </p:clrMapOvr>
+</p:notes>
+</file>
+
+<file path=ppt/notesSlides/notesSlide19.xml><?xml version="1.0" encoding="utf-8"?>
+<p:notes xmlns:a="http://schemas.openxmlformats.org/drawingml/2006/main" xmlns:r="http://schemas.openxmlformats.org/officeDocument/2006/relationships" xmlns:p="http://schemas.openxmlformats.org/presentationml/2006/main">
+  <p:cSld>
+    <p:spTree>
+      <p:nvGrpSpPr>
+        <p:cNvPr id="1" name=""/>
+        <p:cNvGrpSpPr/>
+        <p:nvPr/>
+      </p:nvGrpSpPr>
+      <p:grpSpPr>
+        <a:xfrm>
+          <a:off x="0" y="0"/>
+          <a:ext cx="0" cy="0"/>
+          <a:chOff x="0" y="0"/>
+          <a:chExt cx="0" cy="0"/>
+        </a:xfrm>
+      </p:grpSpPr>
+      <p:sp>
+        <p:nvSpPr>
+          <p:cNvPr id="2" name="Slide Image Placeholder 1"/>
+          <p:cNvSpPr>
+            <a:spLocks noGrp="1" noRot="1" noChangeAspect="1"/>
+          </p:cNvSpPr>
+          <p:nvPr>
+            <p:ph type="sldImg"/>
+          </p:nvPr>
+        </p:nvSpPr>
+        <p:spPr>
+          <a:xfrm>
+            <a:off x="1143000" y="685800"/>
+            <a:ext cx="4572000" cy="3429000"/>
+          </a:xfrm>
+        </p:spPr>
+      </p:sp>
+      <p:sp>
+        <p:nvSpPr>
+          <p:cNvPr id="3" name="Notes Placeholder 2"/>
+          <p:cNvSpPr>
+            <a:spLocks noGrp="1"/>
+          </p:cNvSpPr>
+          <p:nvPr>
+            <p:ph type="body" idx="1"/>
+          </p:nvPr>
+        </p:nvSpPr>
+        <p:spPr/>
+        <p:txBody>
+          <a:bodyPr/>
+          <a:lstStyle/>
+          <a:p>
             <a:endParaRPr lang="en-US" dirty="0"/>
           </a:p>
         </p:txBody>
@@ -790,6 +1427,468 @@
 </p:notes>
 </file>
 
+<file path=ppt/notesSlides/notesSlide20.xml><?xml version="1.0" encoding="utf-8"?>
+<p:notes xmlns:a="http://schemas.openxmlformats.org/drawingml/2006/main" xmlns:r="http://schemas.openxmlformats.org/officeDocument/2006/relationships" xmlns:p="http://schemas.openxmlformats.org/presentationml/2006/main">
+  <p:cSld>
+    <p:spTree>
+      <p:nvGrpSpPr>
+        <p:cNvPr id="1" name=""/>
+        <p:cNvGrpSpPr/>
+        <p:nvPr/>
+      </p:nvGrpSpPr>
+      <p:grpSpPr>
+        <a:xfrm>
+          <a:off x="0" y="0"/>
+          <a:ext cx="0" cy="0"/>
+          <a:chOff x="0" y="0"/>
+          <a:chExt cx="0" cy="0"/>
+        </a:xfrm>
+      </p:grpSpPr>
+      <p:sp>
+        <p:nvSpPr>
+          <p:cNvPr id="2" name="Slide Image Placeholder 1"/>
+          <p:cNvSpPr>
+            <a:spLocks noGrp="1" noRot="1" noChangeAspect="1"/>
+          </p:cNvSpPr>
+          <p:nvPr>
+            <p:ph type="sldImg"/>
+          </p:nvPr>
+        </p:nvSpPr>
+        <p:spPr>
+          <a:xfrm>
+            <a:off x="1143000" y="685800"/>
+            <a:ext cx="4572000" cy="3429000"/>
+          </a:xfrm>
+        </p:spPr>
+      </p:sp>
+      <p:sp>
+        <p:nvSpPr>
+          <p:cNvPr id="3" name="Notes Placeholder 2"/>
+          <p:cNvSpPr>
+            <a:spLocks noGrp="1"/>
+          </p:cNvSpPr>
+          <p:nvPr>
+            <p:ph type="body" idx="1"/>
+          </p:nvPr>
+        </p:nvSpPr>
+        <p:spPr/>
+        <p:txBody>
+          <a:bodyPr/>
+          <a:lstStyle/>
+          <a:p>
+            <a:endParaRPr lang="en-US" dirty="0"/>
+          </a:p>
+        </p:txBody>
+      </p:sp>
+    </p:spTree>
+    <p:extLst>
+      <p:ext uri="{BB962C8B-B14F-4D97-AF65-F5344CB8AC3E}">
+        <p14:creationId xmlns:p14="http://schemas.microsoft.com/office/powerpoint/2010/main" val="2483061746"/>
+      </p:ext>
+    </p:extLst>
+  </p:cSld>
+  <p:clrMapOvr>
+    <a:masterClrMapping/>
+  </p:clrMapOvr>
+</p:notes>
+</file>
+
+<file path=ppt/notesSlides/notesSlide21.xml><?xml version="1.0" encoding="utf-8"?>
+<p:notes xmlns:a="http://schemas.openxmlformats.org/drawingml/2006/main" xmlns:r="http://schemas.openxmlformats.org/officeDocument/2006/relationships" xmlns:p="http://schemas.openxmlformats.org/presentationml/2006/main">
+  <p:cSld>
+    <p:spTree>
+      <p:nvGrpSpPr>
+        <p:cNvPr id="1" name=""/>
+        <p:cNvGrpSpPr/>
+        <p:nvPr/>
+      </p:nvGrpSpPr>
+      <p:grpSpPr>
+        <a:xfrm>
+          <a:off x="0" y="0"/>
+          <a:ext cx="0" cy="0"/>
+          <a:chOff x="0" y="0"/>
+          <a:chExt cx="0" cy="0"/>
+        </a:xfrm>
+      </p:grpSpPr>
+      <p:sp>
+        <p:nvSpPr>
+          <p:cNvPr id="2" name="Slide Image Placeholder 1"/>
+          <p:cNvSpPr>
+            <a:spLocks noGrp="1" noRot="1" noChangeAspect="1"/>
+          </p:cNvSpPr>
+          <p:nvPr>
+            <p:ph type="sldImg"/>
+          </p:nvPr>
+        </p:nvSpPr>
+        <p:spPr>
+          <a:xfrm>
+            <a:off x="1143000" y="685800"/>
+            <a:ext cx="4572000" cy="3429000"/>
+          </a:xfrm>
+        </p:spPr>
+      </p:sp>
+      <p:sp>
+        <p:nvSpPr>
+          <p:cNvPr id="3" name="Notes Placeholder 2"/>
+          <p:cNvSpPr>
+            <a:spLocks noGrp="1"/>
+          </p:cNvSpPr>
+          <p:nvPr>
+            <p:ph type="body" idx="1"/>
+          </p:nvPr>
+        </p:nvSpPr>
+        <p:spPr/>
+        <p:txBody>
+          <a:bodyPr/>
+          <a:lstStyle/>
+          <a:p>
+            <a:endParaRPr lang="en-US" dirty="0"/>
+          </a:p>
+        </p:txBody>
+      </p:sp>
+    </p:spTree>
+    <p:extLst>
+      <p:ext uri="{BB962C8B-B14F-4D97-AF65-F5344CB8AC3E}">
+        <p14:creationId xmlns:p14="http://schemas.microsoft.com/office/powerpoint/2010/main" val="2483061746"/>
+      </p:ext>
+    </p:extLst>
+  </p:cSld>
+  <p:clrMapOvr>
+    <a:masterClrMapping/>
+  </p:clrMapOvr>
+</p:notes>
+</file>
+
+<file path=ppt/notesSlides/notesSlide22.xml><?xml version="1.0" encoding="utf-8"?>
+<p:notes xmlns:a="http://schemas.openxmlformats.org/drawingml/2006/main" xmlns:r="http://schemas.openxmlformats.org/officeDocument/2006/relationships" xmlns:p="http://schemas.openxmlformats.org/presentationml/2006/main">
+  <p:cSld>
+    <p:spTree>
+      <p:nvGrpSpPr>
+        <p:cNvPr id="1" name=""/>
+        <p:cNvGrpSpPr/>
+        <p:nvPr/>
+      </p:nvGrpSpPr>
+      <p:grpSpPr>
+        <a:xfrm>
+          <a:off x="0" y="0"/>
+          <a:ext cx="0" cy="0"/>
+          <a:chOff x="0" y="0"/>
+          <a:chExt cx="0" cy="0"/>
+        </a:xfrm>
+      </p:grpSpPr>
+      <p:sp>
+        <p:nvSpPr>
+          <p:cNvPr id="2" name="Slide Image Placeholder 1"/>
+          <p:cNvSpPr>
+            <a:spLocks noGrp="1" noRot="1" noChangeAspect="1"/>
+          </p:cNvSpPr>
+          <p:nvPr>
+            <p:ph type="sldImg"/>
+          </p:nvPr>
+        </p:nvSpPr>
+        <p:spPr>
+          <a:xfrm>
+            <a:off x="1143000" y="685800"/>
+            <a:ext cx="4572000" cy="3429000"/>
+          </a:xfrm>
+        </p:spPr>
+      </p:sp>
+      <p:sp>
+        <p:nvSpPr>
+          <p:cNvPr id="3" name="Notes Placeholder 2"/>
+          <p:cNvSpPr>
+            <a:spLocks noGrp="1"/>
+          </p:cNvSpPr>
+          <p:nvPr>
+            <p:ph type="body" idx="1"/>
+          </p:nvPr>
+        </p:nvSpPr>
+        <p:spPr/>
+        <p:txBody>
+          <a:bodyPr/>
+          <a:lstStyle/>
+          <a:p>
+            <a:endParaRPr lang="en-US" dirty="0"/>
+          </a:p>
+        </p:txBody>
+      </p:sp>
+    </p:spTree>
+    <p:extLst>
+      <p:ext uri="{BB962C8B-B14F-4D97-AF65-F5344CB8AC3E}">
+        <p14:creationId xmlns:p14="http://schemas.microsoft.com/office/powerpoint/2010/main" val="2483061746"/>
+      </p:ext>
+    </p:extLst>
+  </p:cSld>
+  <p:clrMapOvr>
+    <a:masterClrMapping/>
+  </p:clrMapOvr>
+</p:notes>
+</file>
+
+<file path=ppt/notesSlides/notesSlide23.xml><?xml version="1.0" encoding="utf-8"?>
+<p:notes xmlns:a="http://schemas.openxmlformats.org/drawingml/2006/main" xmlns:r="http://schemas.openxmlformats.org/officeDocument/2006/relationships" xmlns:p="http://schemas.openxmlformats.org/presentationml/2006/main">
+  <p:cSld>
+    <p:spTree>
+      <p:nvGrpSpPr>
+        <p:cNvPr id="1" name=""/>
+        <p:cNvGrpSpPr/>
+        <p:nvPr/>
+      </p:nvGrpSpPr>
+      <p:grpSpPr>
+        <a:xfrm>
+          <a:off x="0" y="0"/>
+          <a:ext cx="0" cy="0"/>
+          <a:chOff x="0" y="0"/>
+          <a:chExt cx="0" cy="0"/>
+        </a:xfrm>
+      </p:grpSpPr>
+      <p:sp>
+        <p:nvSpPr>
+          <p:cNvPr id="2" name="Slide Image Placeholder 1"/>
+          <p:cNvSpPr>
+            <a:spLocks noGrp="1" noRot="1" noChangeAspect="1"/>
+          </p:cNvSpPr>
+          <p:nvPr>
+            <p:ph type="sldImg"/>
+          </p:nvPr>
+        </p:nvSpPr>
+        <p:spPr>
+          <a:xfrm>
+            <a:off x="1143000" y="685800"/>
+            <a:ext cx="4572000" cy="3429000"/>
+          </a:xfrm>
+        </p:spPr>
+      </p:sp>
+      <p:sp>
+        <p:nvSpPr>
+          <p:cNvPr id="3" name="Notes Placeholder 2"/>
+          <p:cNvSpPr>
+            <a:spLocks noGrp="1"/>
+          </p:cNvSpPr>
+          <p:nvPr>
+            <p:ph type="body" idx="1"/>
+          </p:nvPr>
+        </p:nvSpPr>
+        <p:spPr/>
+        <p:txBody>
+          <a:bodyPr/>
+          <a:lstStyle/>
+          <a:p>
+            <a:endParaRPr lang="en-US" dirty="0"/>
+          </a:p>
+        </p:txBody>
+      </p:sp>
+    </p:spTree>
+    <p:extLst>
+      <p:ext uri="{BB962C8B-B14F-4D97-AF65-F5344CB8AC3E}">
+        <p14:creationId xmlns:p14="http://schemas.microsoft.com/office/powerpoint/2010/main" val="2483061746"/>
+      </p:ext>
+    </p:extLst>
+  </p:cSld>
+  <p:clrMapOvr>
+    <a:masterClrMapping/>
+  </p:clrMapOvr>
+</p:notes>
+</file>
+
+<file path=ppt/notesSlides/notesSlide24.xml><?xml version="1.0" encoding="utf-8"?>
+<p:notes xmlns:a="http://schemas.openxmlformats.org/drawingml/2006/main" xmlns:r="http://schemas.openxmlformats.org/officeDocument/2006/relationships" xmlns:p="http://schemas.openxmlformats.org/presentationml/2006/main">
+  <p:cSld>
+    <p:spTree>
+      <p:nvGrpSpPr>
+        <p:cNvPr id="1" name=""/>
+        <p:cNvGrpSpPr/>
+        <p:nvPr/>
+      </p:nvGrpSpPr>
+      <p:grpSpPr>
+        <a:xfrm>
+          <a:off x="0" y="0"/>
+          <a:ext cx="0" cy="0"/>
+          <a:chOff x="0" y="0"/>
+          <a:chExt cx="0" cy="0"/>
+        </a:xfrm>
+      </p:grpSpPr>
+      <p:sp>
+        <p:nvSpPr>
+          <p:cNvPr id="2" name="Slide Image Placeholder 1"/>
+          <p:cNvSpPr>
+            <a:spLocks noGrp="1" noRot="1" noChangeAspect="1"/>
+          </p:cNvSpPr>
+          <p:nvPr>
+            <p:ph type="sldImg"/>
+          </p:nvPr>
+        </p:nvSpPr>
+        <p:spPr>
+          <a:xfrm>
+            <a:off x="1143000" y="685800"/>
+            <a:ext cx="4572000" cy="3429000"/>
+          </a:xfrm>
+        </p:spPr>
+      </p:sp>
+      <p:sp>
+        <p:nvSpPr>
+          <p:cNvPr id="3" name="Notes Placeholder 2"/>
+          <p:cNvSpPr>
+            <a:spLocks noGrp="1"/>
+          </p:cNvSpPr>
+          <p:nvPr>
+            <p:ph type="body" idx="1"/>
+          </p:nvPr>
+        </p:nvSpPr>
+        <p:spPr/>
+        <p:txBody>
+          <a:bodyPr/>
+          <a:lstStyle/>
+          <a:p>
+            <a:endParaRPr lang="en-US" dirty="0"/>
+          </a:p>
+        </p:txBody>
+      </p:sp>
+    </p:spTree>
+    <p:extLst>
+      <p:ext uri="{BB962C8B-B14F-4D97-AF65-F5344CB8AC3E}">
+        <p14:creationId xmlns:p14="http://schemas.microsoft.com/office/powerpoint/2010/main" val="2483061746"/>
+      </p:ext>
+    </p:extLst>
+  </p:cSld>
+  <p:clrMapOvr>
+    <a:masterClrMapping/>
+  </p:clrMapOvr>
+</p:notes>
+</file>
+
+<file path=ppt/notesSlides/notesSlide25.xml><?xml version="1.0" encoding="utf-8"?>
+<p:notes xmlns:a="http://schemas.openxmlformats.org/drawingml/2006/main" xmlns:r="http://schemas.openxmlformats.org/officeDocument/2006/relationships" xmlns:p="http://schemas.openxmlformats.org/presentationml/2006/main">
+  <p:cSld>
+    <p:spTree>
+      <p:nvGrpSpPr>
+        <p:cNvPr id="1" name=""/>
+        <p:cNvGrpSpPr/>
+        <p:nvPr/>
+      </p:nvGrpSpPr>
+      <p:grpSpPr>
+        <a:xfrm>
+          <a:off x="0" y="0"/>
+          <a:ext cx="0" cy="0"/>
+          <a:chOff x="0" y="0"/>
+          <a:chExt cx="0" cy="0"/>
+        </a:xfrm>
+      </p:grpSpPr>
+      <p:sp>
+        <p:nvSpPr>
+          <p:cNvPr id="2" name="Slide Image Placeholder 1"/>
+          <p:cNvSpPr>
+            <a:spLocks noGrp="1" noRot="1" noChangeAspect="1"/>
+          </p:cNvSpPr>
+          <p:nvPr>
+            <p:ph type="sldImg"/>
+          </p:nvPr>
+        </p:nvSpPr>
+        <p:spPr>
+          <a:xfrm>
+            <a:off x="1143000" y="685800"/>
+            <a:ext cx="4572000" cy="3429000"/>
+          </a:xfrm>
+        </p:spPr>
+      </p:sp>
+      <p:sp>
+        <p:nvSpPr>
+          <p:cNvPr id="3" name="Notes Placeholder 2"/>
+          <p:cNvSpPr>
+            <a:spLocks noGrp="1"/>
+          </p:cNvSpPr>
+          <p:nvPr>
+            <p:ph type="body" idx="1"/>
+          </p:nvPr>
+        </p:nvSpPr>
+        <p:spPr/>
+        <p:txBody>
+          <a:bodyPr/>
+          <a:lstStyle/>
+          <a:p>
+            <a:endParaRPr lang="en-US" dirty="0"/>
+          </a:p>
+        </p:txBody>
+      </p:sp>
+    </p:spTree>
+    <p:extLst>
+      <p:ext uri="{BB962C8B-B14F-4D97-AF65-F5344CB8AC3E}">
+        <p14:creationId xmlns:p14="http://schemas.microsoft.com/office/powerpoint/2010/main" val="2483061746"/>
+      </p:ext>
+    </p:extLst>
+  </p:cSld>
+  <p:clrMapOvr>
+    <a:masterClrMapping/>
+  </p:clrMapOvr>
+</p:notes>
+</file>
+
+<file path=ppt/notesSlides/notesSlide26.xml><?xml version="1.0" encoding="utf-8"?>
+<p:notes xmlns:a="http://schemas.openxmlformats.org/drawingml/2006/main" xmlns:r="http://schemas.openxmlformats.org/officeDocument/2006/relationships" xmlns:p="http://schemas.openxmlformats.org/presentationml/2006/main">
+  <p:cSld>
+    <p:spTree>
+      <p:nvGrpSpPr>
+        <p:cNvPr id="1" name=""/>
+        <p:cNvGrpSpPr/>
+        <p:nvPr/>
+      </p:nvGrpSpPr>
+      <p:grpSpPr>
+        <a:xfrm>
+          <a:off x="0" y="0"/>
+          <a:ext cx="0" cy="0"/>
+          <a:chOff x="0" y="0"/>
+          <a:chExt cx="0" cy="0"/>
+        </a:xfrm>
+      </p:grpSpPr>
+      <p:sp>
+        <p:nvSpPr>
+          <p:cNvPr id="2" name="Slide Image Placeholder 1"/>
+          <p:cNvSpPr>
+            <a:spLocks noGrp="1" noRot="1" noChangeAspect="1"/>
+          </p:cNvSpPr>
+          <p:nvPr>
+            <p:ph type="sldImg"/>
+          </p:nvPr>
+        </p:nvSpPr>
+        <p:spPr>
+          <a:xfrm>
+            <a:off x="1143000" y="685800"/>
+            <a:ext cx="4572000" cy="3429000"/>
+          </a:xfrm>
+        </p:spPr>
+      </p:sp>
+      <p:sp>
+        <p:nvSpPr>
+          <p:cNvPr id="3" name="Notes Placeholder 2"/>
+          <p:cNvSpPr>
+            <a:spLocks noGrp="1"/>
+          </p:cNvSpPr>
+          <p:nvPr>
+            <p:ph type="body" idx="1"/>
+          </p:nvPr>
+        </p:nvSpPr>
+        <p:spPr/>
+        <p:txBody>
+          <a:bodyPr/>
+          <a:lstStyle/>
+          <a:p>
+            <a:endParaRPr lang="en-US" dirty="0"/>
+          </a:p>
+        </p:txBody>
+      </p:sp>
+    </p:spTree>
+    <p:extLst>
+      <p:ext uri="{BB962C8B-B14F-4D97-AF65-F5344CB8AC3E}">
+        <p14:creationId xmlns:p14="http://schemas.microsoft.com/office/powerpoint/2010/main" val="2483061746"/>
+      </p:ext>
+    </p:extLst>
+  </p:cSld>
+  <p:clrMapOvr>
+    <a:masterClrMapping/>
+  </p:clrMapOvr>
+</p:notes>
+</file>
+
 <file path=ppt/notesSlides/notesSlide3.xml><?xml version="1.0" encoding="utf-8"?>
 <p:notes xmlns:a="http://schemas.openxmlformats.org/drawingml/2006/main" xmlns:r="http://schemas.openxmlformats.org/officeDocument/2006/relationships" xmlns:p="http://schemas.openxmlformats.org/presentationml/2006/main">
   <p:cSld>
@@ -1088,11 +2187,11 @@
           <a:p>
             <a:r>
               <a:rPr lang="en-US" dirty="0" smtClean="0"/>
-              <a:t>Talk about</a:t>
-            </a:r>
-            <a:r>
-              <a:rPr lang="en-US" baseline="0" dirty="0" smtClean="0"/>
-              <a:t> how Bower will likely fall away as people move to NPM as the package manager of the front end modules as well.</a:t>
+              <a:t>Other server</a:t>
+            </a:r>
+            <a:r>
+              <a:rPr lang="en-US" baseline="0" smtClean="0"/>
+              <a:t>-side JS</a:t>
             </a:r>
             <a:endParaRPr lang="en-US" dirty="0"/>
           </a:p>
@@ -1162,73 +2261,12 @@
           <a:p>
             <a:r>
               <a:rPr lang="en-US" dirty="0" smtClean="0"/>
-              <a:t>In node and ES6</a:t>
+              <a:t>Talk about</a:t>
             </a:r>
             <a:r>
               <a:rPr lang="en-US" baseline="0" dirty="0" smtClean="0"/>
-              <a:t> it is possible to make entire immutable objects or specific immutable object properties.</a:t>
-            </a:r>
-          </a:p>
-          <a:p>
-            <a:endParaRPr lang="en-US" baseline="0" dirty="0" smtClean="0"/>
-          </a:p>
-          <a:p>
-            <a:r>
-              <a:rPr lang="en-US" baseline="0" dirty="0" smtClean="0"/>
-              <a:t>Many approaches: function declaration order, anonymous or inline function, function signatures, </a:t>
-            </a:r>
-            <a:r>
-              <a:rPr lang="en-US" baseline="0" dirty="0" err="1" smtClean="0"/>
-              <a:t>var</a:t>
-            </a:r>
-            <a:r>
-              <a:rPr lang="en-US" baseline="0" dirty="0" smtClean="0"/>
-              <a:t> declaration</a:t>
-            </a:r>
-          </a:p>
-          <a:p>
-            <a:endParaRPr lang="en-US" baseline="0" dirty="0" smtClean="0"/>
-          </a:p>
-          <a:p>
-            <a:r>
-              <a:rPr lang="en-US" baseline="0" dirty="0" smtClean="0"/>
-              <a:t>Problems: accidental shadowing of outer variables, accidently declaring </a:t>
-            </a:r>
-            <a:r>
-              <a:rPr lang="en-US" baseline="0" dirty="0" err="1" smtClean="0"/>
-              <a:t>vars</a:t>
-            </a:r>
-            <a:r>
-              <a:rPr lang="en-US" baseline="0" dirty="0" smtClean="0"/>
-              <a:t> in global scope, deeply nested function and wide scopes are hard to reason about and just ugly to look at</a:t>
-            </a:r>
-          </a:p>
-          <a:p>
-            <a:endParaRPr lang="en-US" baseline="0" dirty="0" smtClean="0"/>
-          </a:p>
-          <a:p>
-            <a:r>
-              <a:rPr lang="en-US" baseline="0" dirty="0" smtClean="0"/>
-              <a:t>Callbacks for a sync management is fine for simple tasks. But once your </a:t>
-            </a:r>
-            <a:r>
-              <a:rPr lang="en-US" baseline="0" dirty="0" err="1" smtClean="0"/>
-              <a:t>async</a:t>
-            </a:r>
-            <a:r>
-              <a:rPr lang="en-US" baseline="0" dirty="0" smtClean="0"/>
-              <a:t> workflow reaches any sort of complexity then the pattern becomes almost impossible to map from one to the other. This can be solved with Promises (which we will discuss soon), generators and the </a:t>
-            </a:r>
-            <a:r>
-              <a:rPr lang="en-US" baseline="0" dirty="0" err="1" smtClean="0"/>
-              <a:t>async</a:t>
-            </a:r>
-            <a:r>
-              <a:rPr lang="en-US" baseline="0" dirty="0" smtClean="0"/>
-              <a:t> keywords.</a:t>
-            </a:r>
-          </a:p>
-          <a:p>
+              <a:t> how Bower will likely fall away as people move to NPM as the package manager of the front end modules as well.</a:t>
+            </a:r>
             <a:endParaRPr lang="en-US" dirty="0"/>
           </a:p>
         </p:txBody>
@@ -1295,6 +2333,75 @@
           <a:bodyPr/>
           <a:lstStyle/>
           <a:p>
+            <a:r>
+              <a:rPr lang="en-US" dirty="0" smtClean="0"/>
+              <a:t>In node and ES6</a:t>
+            </a:r>
+            <a:r>
+              <a:rPr lang="en-US" baseline="0" dirty="0" smtClean="0"/>
+              <a:t> it is possible to make entire immutable objects or specific immutable object properties.</a:t>
+            </a:r>
+          </a:p>
+          <a:p>
+            <a:endParaRPr lang="en-US" baseline="0" dirty="0" smtClean="0"/>
+          </a:p>
+          <a:p>
+            <a:r>
+              <a:rPr lang="en-US" baseline="0" dirty="0" smtClean="0"/>
+              <a:t>Many approaches: function declaration order, anonymous or inline function, function signatures, </a:t>
+            </a:r>
+            <a:r>
+              <a:rPr lang="en-US" baseline="0" dirty="0" err="1" smtClean="0"/>
+              <a:t>var</a:t>
+            </a:r>
+            <a:r>
+              <a:rPr lang="en-US" baseline="0" dirty="0" smtClean="0"/>
+              <a:t> declaration</a:t>
+            </a:r>
+          </a:p>
+          <a:p>
+            <a:endParaRPr lang="en-US" baseline="0" dirty="0" smtClean="0"/>
+          </a:p>
+          <a:p>
+            <a:r>
+              <a:rPr lang="en-US" baseline="0" dirty="0" smtClean="0"/>
+              <a:t>Problems: accidental shadowing of outer variables, accidently declaring </a:t>
+            </a:r>
+            <a:r>
+              <a:rPr lang="en-US" baseline="0" dirty="0" err="1" smtClean="0"/>
+              <a:t>vars</a:t>
+            </a:r>
+            <a:r>
+              <a:rPr lang="en-US" baseline="0" dirty="0" smtClean="0"/>
+              <a:t> in global scope, deeply nested function and wide scopes are hard to reason about and just ugly to look at</a:t>
+            </a:r>
+          </a:p>
+          <a:p>
+            <a:endParaRPr lang="en-US" baseline="0" dirty="0" smtClean="0"/>
+          </a:p>
+          <a:p>
+            <a:r>
+              <a:rPr lang="en-US" baseline="0" dirty="0" smtClean="0"/>
+              <a:t>Callbacks for a sync management is fine for simple tasks. But once your </a:t>
+            </a:r>
+            <a:r>
+              <a:rPr lang="en-US" baseline="0" dirty="0" err="1" smtClean="0"/>
+              <a:t>async</a:t>
+            </a:r>
+            <a:r>
+              <a:rPr lang="en-US" baseline="0" dirty="0" smtClean="0"/>
+              <a:t> workflow reaches any sort of complexity then the pattern becomes almost impossible to map from one to the other. This can be solved with Promises (which we will discuss soon), generators and the </a:t>
+            </a:r>
+            <a:r>
+              <a:rPr lang="en-US" baseline="0" dirty="0" err="1" smtClean="0"/>
+              <a:t>async</a:t>
+            </a:r>
+            <a:r>
+              <a:rPr lang="en-US" baseline="0" dirty="0" smtClean="0"/>
+              <a:t> keywords.</a:t>
+            </a:r>
+          </a:p>
+          <a:p>
             <a:endParaRPr lang="en-US" dirty="0"/>
           </a:p>
         </p:txBody>
@@ -1361,22 +2468,6 @@
           <a:bodyPr/>
           <a:lstStyle/>
           <a:p>
-            <a:r>
-              <a:rPr lang="en-US" dirty="0" smtClean="0"/>
-              <a:t>Increased</a:t>
-            </a:r>
-            <a:r>
-              <a:rPr lang="en-US" baseline="0" dirty="0" smtClean="0"/>
-              <a:t> benefits: It comes down to the same principle to your </a:t>
-            </a:r>
-            <a:r>
-              <a:rPr lang="en-US" baseline="0" dirty="0" err="1" smtClean="0"/>
-              <a:t>appication</a:t>
-            </a:r>
-            <a:r>
-              <a:rPr lang="en-US" baseline="0" dirty="0" smtClean="0"/>
-              <a:t> code. There is lower overhead in what in understanding the code because you don’t have to be concerned about learning (or relearning) another style or organization pattern</a:t>
-            </a:r>
             <a:endParaRPr lang="en-US" dirty="0"/>
           </a:p>
         </p:txBody>
@@ -4338,16 +5429,36 @@
             <p:ph type="ctrTitle"/>
           </p:nvPr>
         </p:nvSpPr>
-        <p:spPr/>
+        <p:spPr>
+          <a:xfrm>
+            <a:off x="685800" y="2177963"/>
+            <a:ext cx="7772400" cy="1546500"/>
+          </a:xfrm>
+        </p:spPr>
         <p:txBody>
           <a:bodyPr/>
           <a:lstStyle/>
           <a:p>
             <a:r>
+              <a:rPr lang="en-US" sz="4000" dirty="0" err="1" smtClean="0"/>
+              <a:t>Javascript</a:t>
+            </a:r>
+            <a:r>
+              <a:rPr lang="en-US" sz="4000" dirty="0" smtClean="0"/>
+              <a:t> and Node Tooling </a:t>
+            </a:r>
+            <a:r>
               <a:rPr lang="en-US" dirty="0" smtClean="0"/>
-              <a:t>[insert title]</a:t>
-            </a:r>
-            <a:endParaRPr lang="en-US" dirty="0"/>
+              <a:t/>
+            </a:r>
+            <a:br>
+              <a:rPr lang="en-US" dirty="0" smtClean="0"/>
+            </a:br>
+            <a:r>
+              <a:rPr lang="en-US" sz="2000" dirty="0" smtClean="0"/>
+              <a:t>(plus more)</a:t>
+            </a:r>
+            <a:endParaRPr lang="en-US" sz="2000" dirty="0"/>
           </a:p>
         </p:txBody>
       </p:sp>
@@ -4530,18 +5641,24 @@
           <a:p>
             <a:r>
               <a:rPr lang="en-US" sz="2800" dirty="0" smtClean="0"/>
-              <a:t> JS is very dynamic!</a:t>
-            </a:r>
-          </a:p>
-          <a:p>
+              <a:t> JS is very </a:t>
+            </a:r>
             <a:r>
               <a:rPr lang="en-US" sz="2800" dirty="0" smtClean="0"/>
-              <a:t> SRP violations kill JS app maintainability</a:t>
-            </a:r>
-          </a:p>
-          <a:p>
+              <a:t>dynamic</a:t>
+            </a:r>
             <a:r>
               <a:rPr lang="en-US" sz="2800" dirty="0"/>
+              <a:t> </a:t>
+            </a:r>
+            <a:r>
+              <a:rPr lang="en-US" sz="2800" dirty="0" smtClean="0"/>
+              <a:t>and flexible</a:t>
+            </a:r>
+          </a:p>
+          <a:p>
+            <a:r>
+              <a:rPr lang="en-US" sz="2800" dirty="0" smtClean="0"/>
               <a:t> </a:t>
             </a:r>
             <a:r>
@@ -4827,7 +5944,7 @@
           <a:p>
             <a:r>
               <a:rPr lang="en-US" sz="2200" dirty="0" smtClean="0"/>
-              <a:t> Your testing needs love too</a:t>
+              <a:t> Your tests need love too!</a:t>
             </a:r>
           </a:p>
           <a:p>
@@ -4920,8 +6037,12 @@
           <a:lstStyle/>
           <a:p>
             <a:r>
+              <a:rPr lang="en-US" dirty="0"/>
+              <a:t>Style </a:t>
+            </a:r>
+            <a:r>
               <a:rPr lang="en-US" dirty="0" smtClean="0"/>
-              <a:t>Revealing Module Pattern</a:t>
+              <a:t>Guides: Should be</a:t>
             </a:r>
             <a:endParaRPr lang="en-US" dirty="0"/>
           </a:p>
@@ -4939,8 +6060,8 @@
         </p:nvSpPr>
         <p:spPr>
           <a:xfrm>
-            <a:off x="628650" y="1417377"/>
-            <a:ext cx="7886700" cy="4351199"/>
+            <a:off x="628650" y="1417378"/>
+            <a:ext cx="7886700" cy="2592202"/>
           </a:xfrm>
         </p:spPr>
         <p:txBody>
@@ -4948,66 +6069,65 @@
           <a:lstStyle/>
           <a:p>
             <a:r>
-              <a:rPr lang="en-US" sz="2800" dirty="0"/>
-              <a:t> </a:t>
-            </a:r>
-            <a:r>
-              <a:rPr lang="en-US" sz="2800" dirty="0" smtClean="0"/>
-              <a:t>Coding pattern to:</a:t>
-            </a:r>
-          </a:p>
-          <a:p>
-            <a:pPr lvl="1"/>
+              <a:rPr lang="en-US" sz="2200" dirty="0" smtClean="0"/>
+              <a:t> An important part of code review</a:t>
+            </a:r>
+          </a:p>
+          <a:p>
             <a:r>
               <a:rPr lang="en-US" sz="2200" dirty="0"/>
               <a:t> </a:t>
             </a:r>
             <a:r>
               <a:rPr lang="en-US" sz="2200" dirty="0" smtClean="0"/>
-              <a:t>Encapsulate private state and function</a:t>
-            </a:r>
-          </a:p>
-          <a:p>
-            <a:pPr lvl="1"/>
+              <a:t>Agreed upon and respected</a:t>
+            </a:r>
+          </a:p>
+          <a:p>
+            <a:r>
+              <a:rPr lang="en-US" sz="2200" dirty="0" smtClean="0"/>
+              <a:t> Mainly a means to ensure consistency</a:t>
+            </a:r>
+          </a:p>
+          <a:p>
             <a:r>
               <a:rPr lang="en-US" sz="2200" dirty="0"/>
               <a:t> </a:t>
             </a:r>
             <a:r>
               <a:rPr lang="en-US" sz="2200" dirty="0" smtClean="0"/>
-              <a:t>Expose an interface to module’s core functionality</a:t>
-            </a:r>
-          </a:p>
-          <a:p>
-            <a:r>
-              <a:rPr lang="en-US" sz="2800" dirty="0"/>
-              <a:t> </a:t>
-            </a:r>
-            <a:r>
-              <a:rPr lang="en-US" sz="2800" dirty="0" smtClean="0"/>
-              <a:t>Example</a:t>
-            </a:r>
-          </a:p>
-          <a:p>
-            <a:pPr lvl="1"/>
+              <a:t>Based on good solid reasoning</a:t>
+            </a:r>
+          </a:p>
+          <a:p>
             <a:r>
               <a:rPr lang="en-US" sz="2200" dirty="0"/>
               <a:t> </a:t>
             </a:r>
             <a:r>
-              <a:rPr lang="en-US" sz="2200" smtClean="0">
-                <a:hlinkClick r:id="rId3"/>
-              </a:rPr>
-              <a:t>codepen</a:t>
-            </a:r>
-            <a:endParaRPr lang="en-US" sz="2200" dirty="0"/>
+              <a:rPr lang="en-US" sz="2200" dirty="0" smtClean="0"/>
+              <a:t>Designed for readability</a:t>
+            </a:r>
+            <a:endParaRPr lang="en-US" sz="1600" dirty="0" smtClean="0"/>
+          </a:p>
+          <a:p>
+            <a:endParaRPr lang="en-US" sz="1600" dirty="0"/>
+          </a:p>
+          <a:p>
+            <a:endParaRPr lang="en-US" sz="1600" dirty="0" smtClean="0"/>
+          </a:p>
+          <a:p>
+            <a:pPr marL="177800" indent="0">
+              <a:buNone/>
+            </a:pPr>
+            <a:endParaRPr lang="en-US" sz="2200" dirty="0" smtClean="0"/>
           </a:p>
         </p:txBody>
       </p:sp>
     </p:spTree>
     <p:extLst>
       <p:ext uri="{BB962C8B-B14F-4D97-AF65-F5344CB8AC3E}">
-        <p14:creationId xmlns:p14="http://schemas.microsoft.com/office/powerpoint/2010/main" val="3827354587"/>
+        <p14:creationId xmlns:p14="http://schemas.microsoft.com/office/powerpoint/2010/main" val="3525976698"/>
       </p:ext>
     </p:extLst>
   </p:cSld>
@@ -5063,7 +6183,7 @@
           <a:p>
             <a:r>
               <a:rPr lang="en-US" dirty="0" smtClean="0"/>
-              <a:t>Resources and References</a:t>
+              <a:t>Modules</a:t>
             </a:r>
             <a:endParaRPr lang="en-US" dirty="0"/>
           </a:p>
@@ -5086,136 +6206,659 @@
           </a:xfrm>
         </p:spPr>
         <p:txBody>
-          <a:bodyPr numCol="1"/>
+          <a:bodyPr/>
           <a:lstStyle/>
           <a:p>
-            <a:pPr marL="594360">
-              <a:lnSpc>
-                <a:spcPct val="100000"/>
-              </a:lnSpc>
-              <a:spcBef>
-                <a:spcPts val="0"/>
-              </a:spcBef>
-              <a:buFont typeface="Arial"/>
-              <a:buChar char="•"/>
-            </a:pPr>
-            <a:r>
-              <a:rPr lang="en-US" sz="2000" dirty="0" smtClean="0"/>
+            <a:r>
+              <a:rPr lang="en-US" sz="2800" dirty="0"/>
               <a:t> </a:t>
             </a:r>
             <a:r>
-              <a:rPr lang="en-US" sz="2000" dirty="0" smtClean="0">
-                <a:hlinkClick r:id="rId2"/>
-              </a:rPr>
-              <a:t>http</a:t>
-            </a:r>
-            <a:r>
-              <a:rPr lang="en-US" sz="2000" dirty="0">
-                <a:hlinkClick r:id="rId2"/>
-              </a:rPr>
-              <a:t>://dailyjs.com/history-of</a:t>
-            </a:r>
-            <a:r>
-              <a:rPr lang="en-US" sz="2000" dirty="0" smtClean="0">
-                <a:hlinkClick r:id="rId2"/>
-              </a:rPr>
-              <a:t>-</a:t>
-            </a:r>
-            <a:r>
-              <a:rPr lang="en-US" sz="2000" dirty="0" smtClean="0">
-                <a:hlinkClick r:id="rId2"/>
-              </a:rPr>
-              <a:t>javascript.html</a:t>
-            </a:r>
-            <a:endParaRPr lang="en-US" sz="2000" dirty="0"/>
-          </a:p>
-          <a:p>
-            <a:pPr marL="594360">
-              <a:lnSpc>
-                <a:spcPct val="100000"/>
-              </a:lnSpc>
-              <a:spcBef>
-                <a:spcPts val="0"/>
-              </a:spcBef>
-              <a:buFont typeface="Arial"/>
-              <a:buChar char="•"/>
-            </a:pPr>
-            <a:r>
-              <a:rPr lang="en-US" sz="2000" dirty="0" smtClean="0"/>
-              <a:t> https://</a:t>
-            </a:r>
-            <a:r>
-              <a:rPr lang="en-US" sz="2000" dirty="0" err="1" smtClean="0"/>
-              <a:t>courses.cs.washington.edu</a:t>
-            </a:r>
-            <a:r>
-              <a:rPr lang="en-US" sz="2000" dirty="0" smtClean="0"/>
-              <a:t>/courses/cse490h/07sp/readings/</a:t>
-            </a:r>
-            <a:r>
-              <a:rPr lang="en-US" sz="2000" dirty="0" err="1" smtClean="0"/>
-              <a:t>ajax_adaptive_path.pdf</a:t>
-            </a:r>
-            <a:endParaRPr lang="en-US" sz="2000" dirty="0"/>
-          </a:p>
-          <a:p>
-            <a:pPr marL="594360">
-              <a:lnSpc>
-                <a:spcPct val="100000"/>
-              </a:lnSpc>
-              <a:spcBef>
-                <a:spcPts val="0"/>
-              </a:spcBef>
-              <a:buFont typeface="Arial"/>
-              <a:buChar char="•"/>
-            </a:pPr>
-            <a:endParaRPr lang="en-US" sz="2000" dirty="0" smtClean="0"/>
-          </a:p>
-          <a:p>
-            <a:pPr marL="594360">
-              <a:lnSpc>
-                <a:spcPct val="100000"/>
-              </a:lnSpc>
-              <a:spcBef>
-                <a:spcPts val="0"/>
-              </a:spcBef>
-              <a:buFont typeface="Arial"/>
-              <a:buChar char="•"/>
-            </a:pPr>
-            <a:endParaRPr lang="en-US" sz="2000" dirty="0"/>
-          </a:p>
-          <a:p>
-            <a:pPr marL="594360">
-              <a:lnSpc>
-                <a:spcPct val="100000"/>
-              </a:lnSpc>
-              <a:spcBef>
-                <a:spcPts val="0"/>
-              </a:spcBef>
-              <a:buFont typeface="Arial"/>
-              <a:buChar char="•"/>
-            </a:pPr>
-            <a:endParaRPr lang="en-US" sz="2000" dirty="0" smtClean="0"/>
-          </a:p>
-          <a:p>
-            <a:pPr marL="594360">
-              <a:lnSpc>
-                <a:spcPct val="100000"/>
-              </a:lnSpc>
-              <a:spcBef>
-                <a:spcPts val="0"/>
-              </a:spcBef>
-              <a:buFont typeface="Arial"/>
-              <a:buChar char="•"/>
-            </a:pPr>
-            <a:endParaRPr lang="en-US" sz="2000" dirty="0" smtClean="0"/>
+              <a:rPr lang="en-US" sz="2800" dirty="0" smtClean="0"/>
+              <a:t>Code organizational</a:t>
+            </a:r>
+          </a:p>
+          <a:p>
+            <a:pPr lvl="1"/>
+            <a:r>
+              <a:rPr lang="en-US" sz="2200" dirty="0"/>
+              <a:t> </a:t>
+            </a:r>
+            <a:r>
+              <a:rPr lang="en-US" sz="2200" dirty="0" smtClean="0"/>
+              <a:t>Revealing module</a:t>
+            </a:r>
+          </a:p>
+          <a:p>
+            <a:pPr lvl="1"/>
+            <a:endParaRPr lang="en-US" sz="2200" dirty="0"/>
+          </a:p>
+          <a:p>
+            <a:r>
+              <a:rPr lang="en-US" sz="2800" dirty="0" smtClean="0"/>
+              <a:t> Definition and dependency management</a:t>
+            </a:r>
+          </a:p>
+          <a:p>
+            <a:pPr lvl="1"/>
+            <a:r>
+              <a:rPr lang="en-US" sz="2200" dirty="0"/>
+              <a:t> </a:t>
+            </a:r>
+            <a:r>
+              <a:rPr lang="en-US" sz="2200" dirty="0" smtClean="0"/>
+              <a:t>Node</a:t>
+            </a:r>
+          </a:p>
+          <a:p>
+            <a:pPr lvl="1"/>
+            <a:r>
+              <a:rPr lang="en-US" sz="2200" dirty="0"/>
+              <a:t> </a:t>
+            </a:r>
+            <a:r>
+              <a:rPr lang="en-US" sz="2200" dirty="0" smtClean="0"/>
+              <a:t>Browser</a:t>
+            </a:r>
+          </a:p>
+          <a:p>
+            <a:pPr lvl="1"/>
+            <a:r>
+              <a:rPr lang="en-US" sz="2200" dirty="0"/>
+              <a:t> </a:t>
+            </a:r>
+            <a:r>
+              <a:rPr lang="en-US" sz="2200" dirty="0" smtClean="0"/>
+              <a:t>ES6</a:t>
+            </a:r>
           </a:p>
         </p:txBody>
       </p:sp>
     </p:spTree>
     <p:extLst>
       <p:ext uri="{BB962C8B-B14F-4D97-AF65-F5344CB8AC3E}">
-        <p14:creationId xmlns:p14="http://schemas.microsoft.com/office/powerpoint/2010/main" val="1063860040"/>
+        <p14:creationId xmlns:p14="http://schemas.microsoft.com/office/powerpoint/2010/main" val="3827354587"/>
+      </p:ext>
+    </p:extLst>
+  </p:cSld>
+  <p:clrMapOvr>
+    <a:masterClrMapping/>
+  </p:clrMapOvr>
+  <p:timing>
+    <p:tnLst>
+      <p:par>
+        <p:cTn xmlns:p14="http://schemas.microsoft.com/office/powerpoint/2010/main" id="1" dur="indefinite" restart="never" nodeType="tmRoot"/>
+      </p:par>
+    </p:tnLst>
+  </p:timing>
+</p:sld>
+</file>
+
+<file path=ppt/slides/slide16.xml><?xml version="1.0" encoding="utf-8"?>
+<p:sld xmlns:a="http://schemas.openxmlformats.org/drawingml/2006/main" xmlns:r="http://schemas.openxmlformats.org/officeDocument/2006/relationships" xmlns:p="http://schemas.openxmlformats.org/presentationml/2006/main">
+  <p:cSld>
+    <p:spTree>
+      <p:nvGrpSpPr>
+        <p:cNvPr id="1" name=""/>
+        <p:cNvGrpSpPr/>
+        <p:nvPr/>
+      </p:nvGrpSpPr>
+      <p:grpSpPr>
+        <a:xfrm>
+          <a:off x="0" y="0"/>
+          <a:ext cx="0" cy="0"/>
+          <a:chOff x="0" y="0"/>
+          <a:chExt cx="0" cy="0"/>
+        </a:xfrm>
+      </p:grpSpPr>
+      <p:sp>
+        <p:nvSpPr>
+          <p:cNvPr id="2" name="Title 1"/>
+          <p:cNvSpPr>
+            <a:spLocks noGrp="1"/>
+          </p:cNvSpPr>
+          <p:nvPr>
+            <p:ph type="title"/>
+          </p:nvPr>
+        </p:nvSpPr>
+        <p:spPr>
+          <a:xfrm>
+            <a:off x="628650" y="229045"/>
+            <a:ext cx="7886700" cy="1325700"/>
+          </a:xfrm>
+        </p:spPr>
+        <p:txBody>
+          <a:bodyPr/>
+          <a:lstStyle/>
+          <a:p>
+            <a:r>
+              <a:rPr lang="en-US" dirty="0" smtClean="0"/>
+              <a:t>Revealing Module Pattern</a:t>
+            </a:r>
+            <a:endParaRPr lang="en-US" dirty="0"/>
+          </a:p>
+        </p:txBody>
+      </p:sp>
+      <p:sp>
+        <p:nvSpPr>
+          <p:cNvPr id="3" name="Text Placeholder 2"/>
+          <p:cNvSpPr>
+            <a:spLocks noGrp="1"/>
+          </p:cNvSpPr>
+          <p:nvPr>
+            <p:ph type="body" idx="1"/>
+          </p:nvPr>
+        </p:nvSpPr>
+        <p:spPr>
+          <a:xfrm>
+            <a:off x="628650" y="1417377"/>
+            <a:ext cx="7886700" cy="4351199"/>
+          </a:xfrm>
+        </p:spPr>
+        <p:txBody>
+          <a:bodyPr/>
+          <a:lstStyle/>
+          <a:p>
+            <a:r>
+              <a:rPr lang="en-US" sz="2800" dirty="0"/>
+              <a:t> </a:t>
+            </a:r>
+            <a:r>
+              <a:rPr lang="en-US" sz="2800" dirty="0" smtClean="0"/>
+              <a:t>Coding pattern to:</a:t>
+            </a:r>
+          </a:p>
+          <a:p>
+            <a:pPr lvl="1"/>
+            <a:r>
+              <a:rPr lang="en-US" sz="2200" dirty="0"/>
+              <a:t> </a:t>
+            </a:r>
+            <a:r>
+              <a:rPr lang="en-US" sz="2200" dirty="0" smtClean="0"/>
+              <a:t>Encapsulate private state and </a:t>
+            </a:r>
+            <a:r>
+              <a:rPr lang="en-US" sz="2200" dirty="0" smtClean="0"/>
+              <a:t>functionality</a:t>
+            </a:r>
+            <a:endParaRPr lang="en-US" sz="2200" dirty="0" smtClean="0"/>
+          </a:p>
+          <a:p>
+            <a:pPr lvl="1"/>
+            <a:r>
+              <a:rPr lang="en-US" sz="2200" dirty="0"/>
+              <a:t> </a:t>
+            </a:r>
+            <a:r>
+              <a:rPr lang="en-US" sz="2200" dirty="0" smtClean="0"/>
+              <a:t>Expose an interface to module’s core functionality</a:t>
+            </a:r>
+          </a:p>
+          <a:p>
+            <a:r>
+              <a:rPr lang="en-US" sz="2800" dirty="0"/>
+              <a:t> </a:t>
+            </a:r>
+            <a:r>
+              <a:rPr lang="en-US" sz="2800" dirty="0" smtClean="0"/>
+              <a:t>Example</a:t>
+            </a:r>
+          </a:p>
+          <a:p>
+            <a:pPr lvl="1"/>
+            <a:r>
+              <a:rPr lang="en-US" sz="2200" dirty="0"/>
+              <a:t> </a:t>
+            </a:r>
+            <a:r>
+              <a:rPr lang="en-US" sz="2200" dirty="0" smtClean="0">
+                <a:hlinkClick r:id="rId3"/>
+              </a:rPr>
+              <a:t>codepen</a:t>
+            </a:r>
+            <a:endParaRPr lang="en-US" sz="2200" dirty="0"/>
+          </a:p>
+        </p:txBody>
+      </p:sp>
+    </p:spTree>
+    <p:extLst>
+      <p:ext uri="{BB962C8B-B14F-4D97-AF65-F5344CB8AC3E}">
+        <p14:creationId xmlns:p14="http://schemas.microsoft.com/office/powerpoint/2010/main" val="731074451"/>
+      </p:ext>
+    </p:extLst>
+  </p:cSld>
+  <p:clrMapOvr>
+    <a:masterClrMapping/>
+  </p:clrMapOvr>
+  <p:timing>
+    <p:tnLst>
+      <p:par>
+        <p:cTn xmlns:p14="http://schemas.microsoft.com/office/powerpoint/2010/main" id="1" dur="indefinite" restart="never" nodeType="tmRoot"/>
+      </p:par>
+    </p:tnLst>
+  </p:timing>
+</p:sld>
+</file>
+
+<file path=ppt/slides/slide17.xml><?xml version="1.0" encoding="utf-8"?>
+<p:sld xmlns:a="http://schemas.openxmlformats.org/drawingml/2006/main" xmlns:r="http://schemas.openxmlformats.org/officeDocument/2006/relationships" xmlns:p="http://schemas.openxmlformats.org/presentationml/2006/main">
+  <p:cSld>
+    <p:spTree>
+      <p:nvGrpSpPr>
+        <p:cNvPr id="1" name=""/>
+        <p:cNvGrpSpPr/>
+        <p:nvPr/>
+      </p:nvGrpSpPr>
+      <p:grpSpPr>
+        <a:xfrm>
+          <a:off x="0" y="0"/>
+          <a:ext cx="0" cy="0"/>
+          <a:chOff x="0" y="0"/>
+          <a:chExt cx="0" cy="0"/>
+        </a:xfrm>
+      </p:grpSpPr>
+      <p:sp>
+        <p:nvSpPr>
+          <p:cNvPr id="2" name="Title 1"/>
+          <p:cNvSpPr>
+            <a:spLocks noGrp="1"/>
+          </p:cNvSpPr>
+          <p:nvPr>
+            <p:ph type="title"/>
+          </p:nvPr>
+        </p:nvSpPr>
+        <p:spPr>
+          <a:xfrm>
+            <a:off x="628650" y="229045"/>
+            <a:ext cx="7886700" cy="1325700"/>
+          </a:xfrm>
+        </p:spPr>
+        <p:txBody>
+          <a:bodyPr/>
+          <a:lstStyle/>
+          <a:p>
+            <a:r>
+              <a:rPr lang="en-US" dirty="0" smtClean="0"/>
+              <a:t>Modules: </a:t>
+            </a:r>
+            <a:r>
+              <a:rPr lang="en-US" dirty="0" err="1" smtClean="0"/>
+              <a:t>CommonJS</a:t>
+            </a:r>
+            <a:r>
+              <a:rPr lang="en-US" dirty="0" smtClean="0"/>
+              <a:t> / Node</a:t>
+            </a:r>
+            <a:endParaRPr lang="en-US" dirty="0"/>
+          </a:p>
+        </p:txBody>
+      </p:sp>
+      <p:sp>
+        <p:nvSpPr>
+          <p:cNvPr id="3" name="Text Placeholder 2"/>
+          <p:cNvSpPr>
+            <a:spLocks noGrp="1"/>
+          </p:cNvSpPr>
+          <p:nvPr>
+            <p:ph type="body" idx="1"/>
+          </p:nvPr>
+        </p:nvSpPr>
+        <p:spPr>
+          <a:xfrm>
+            <a:off x="628650" y="1417377"/>
+            <a:ext cx="7886700" cy="4351199"/>
+          </a:xfrm>
+        </p:spPr>
+        <p:txBody>
+          <a:bodyPr/>
+          <a:lstStyle/>
+          <a:p>
+            <a:r>
+              <a:rPr lang="en-US" sz="2200" dirty="0" smtClean="0"/>
+              <a:t> First module definition syntax for JS</a:t>
+            </a:r>
+          </a:p>
+          <a:p>
+            <a:r>
+              <a:rPr lang="en-US" sz="2200" dirty="0"/>
+              <a:t> </a:t>
+            </a:r>
+            <a:r>
+              <a:rPr lang="en-US" sz="2200" dirty="0" smtClean="0"/>
+              <a:t>Adopted by Node</a:t>
+            </a:r>
+          </a:p>
+          <a:p>
+            <a:r>
+              <a:rPr lang="en-US" sz="2200" dirty="0"/>
+              <a:t> </a:t>
+            </a:r>
+            <a:r>
+              <a:rPr lang="en-US" sz="2200" dirty="0" smtClean="0"/>
+              <a:t>S</a:t>
+            </a:r>
+            <a:r>
+              <a:rPr lang="en-US" sz="2200" dirty="0" smtClean="0"/>
+              <a:t>yntaxes for defining single- vs. multi-valued modules</a:t>
+            </a:r>
+          </a:p>
+          <a:p>
+            <a:r>
+              <a:rPr lang="en-US" sz="2200" dirty="0"/>
+              <a:t> </a:t>
+            </a:r>
+            <a:r>
+              <a:rPr lang="en-US" sz="2200" dirty="0" smtClean="0"/>
+              <a:t>Synchronous module loading</a:t>
+            </a:r>
+          </a:p>
+          <a:p>
+            <a:r>
+              <a:rPr lang="en-US" sz="2200" dirty="0"/>
+              <a:t> </a:t>
+            </a:r>
+            <a:r>
+              <a:rPr lang="en-US" sz="2200" dirty="0" smtClean="0"/>
+              <a:t>Used in the browser (via </a:t>
+            </a:r>
+            <a:r>
+              <a:rPr lang="en-US" sz="2200" dirty="0" err="1" smtClean="0"/>
+              <a:t>Browserify</a:t>
+            </a:r>
+            <a:r>
+              <a:rPr lang="en-US" sz="2200" dirty="0" smtClean="0"/>
+              <a:t>)</a:t>
+            </a:r>
+            <a:endParaRPr lang="en-US" sz="2200" dirty="0"/>
+          </a:p>
+        </p:txBody>
+      </p:sp>
+    </p:spTree>
+    <p:extLst>
+      <p:ext uri="{BB962C8B-B14F-4D97-AF65-F5344CB8AC3E}">
+        <p14:creationId xmlns:p14="http://schemas.microsoft.com/office/powerpoint/2010/main" val="1836212090"/>
+      </p:ext>
+    </p:extLst>
+  </p:cSld>
+  <p:clrMapOvr>
+    <a:masterClrMapping/>
+  </p:clrMapOvr>
+  <p:timing>
+    <p:tnLst>
+      <p:par>
+        <p:cTn xmlns:p14="http://schemas.microsoft.com/office/powerpoint/2010/main" id="1" dur="indefinite" restart="never" nodeType="tmRoot"/>
+      </p:par>
+    </p:tnLst>
+  </p:timing>
+</p:sld>
+</file>
+
+<file path=ppt/slides/slide18.xml><?xml version="1.0" encoding="utf-8"?>
+<p:sld xmlns:a="http://schemas.openxmlformats.org/drawingml/2006/main" xmlns:r="http://schemas.openxmlformats.org/officeDocument/2006/relationships" xmlns:p="http://schemas.openxmlformats.org/presentationml/2006/main">
+  <p:cSld>
+    <p:spTree>
+      <p:nvGrpSpPr>
+        <p:cNvPr id="1" name=""/>
+        <p:cNvGrpSpPr/>
+        <p:nvPr/>
+      </p:nvGrpSpPr>
+      <p:grpSpPr>
+        <a:xfrm>
+          <a:off x="0" y="0"/>
+          <a:ext cx="0" cy="0"/>
+          <a:chOff x="0" y="0"/>
+          <a:chExt cx="0" cy="0"/>
+        </a:xfrm>
+      </p:grpSpPr>
+      <p:sp>
+        <p:nvSpPr>
+          <p:cNvPr id="2" name="Title 1"/>
+          <p:cNvSpPr>
+            <a:spLocks noGrp="1"/>
+          </p:cNvSpPr>
+          <p:nvPr>
+            <p:ph type="title"/>
+          </p:nvPr>
+        </p:nvSpPr>
+        <p:spPr>
+          <a:xfrm>
+            <a:off x="628650" y="229045"/>
+            <a:ext cx="7886700" cy="1325700"/>
+          </a:xfrm>
+        </p:spPr>
+        <p:txBody>
+          <a:bodyPr/>
+          <a:lstStyle/>
+          <a:p>
+            <a:r>
+              <a:rPr lang="en-US" dirty="0" smtClean="0"/>
+              <a:t>Modules: AMD / </a:t>
+            </a:r>
+            <a:r>
+              <a:rPr lang="en-US" dirty="0" err="1" smtClean="0"/>
+              <a:t>RequireJS</a:t>
+            </a:r>
+            <a:endParaRPr lang="en-US" dirty="0"/>
+          </a:p>
+        </p:txBody>
+      </p:sp>
+      <p:sp>
+        <p:nvSpPr>
+          <p:cNvPr id="3" name="Text Placeholder 2"/>
+          <p:cNvSpPr>
+            <a:spLocks noGrp="1"/>
+          </p:cNvSpPr>
+          <p:nvPr>
+            <p:ph type="body" idx="1"/>
+          </p:nvPr>
+        </p:nvSpPr>
+        <p:spPr>
+          <a:xfrm>
+            <a:off x="628650" y="1417377"/>
+            <a:ext cx="7886700" cy="4351199"/>
+          </a:xfrm>
+        </p:spPr>
+        <p:txBody>
+          <a:bodyPr/>
+          <a:lstStyle/>
+          <a:p>
+            <a:r>
+              <a:rPr lang="en-US" sz="2200" dirty="0" smtClean="0"/>
+              <a:t> Asynchronous Module Definition</a:t>
+            </a:r>
+          </a:p>
+          <a:p>
+            <a:r>
+              <a:rPr lang="en-US" sz="2200" dirty="0"/>
+              <a:t> </a:t>
+            </a:r>
+            <a:r>
+              <a:rPr lang="en-US" sz="2200" dirty="0" err="1" smtClean="0"/>
+              <a:t>Require.js</a:t>
+            </a:r>
+            <a:r>
+              <a:rPr lang="en-US" sz="2200" dirty="0" smtClean="0"/>
+              <a:t> (most popular implementation of spec)</a:t>
+            </a:r>
+          </a:p>
+          <a:p>
+            <a:r>
+              <a:rPr lang="en-US" sz="2200" dirty="0"/>
+              <a:t> </a:t>
+            </a:r>
+            <a:r>
+              <a:rPr lang="en-US" sz="2200" dirty="0" smtClean="0"/>
+              <a:t>Mainly used in the browser</a:t>
+            </a:r>
+          </a:p>
+          <a:p>
+            <a:r>
+              <a:rPr lang="en-US" sz="2200" dirty="0"/>
+              <a:t> </a:t>
+            </a:r>
+            <a:r>
+              <a:rPr lang="en-US" sz="2200" dirty="0" smtClean="0"/>
+              <a:t>Requires some to a lot of configuration</a:t>
+            </a:r>
+          </a:p>
+          <a:p>
+            <a:r>
+              <a:rPr lang="en-US" sz="2200" dirty="0"/>
+              <a:t> </a:t>
+            </a:r>
+            <a:r>
+              <a:rPr lang="en-US" sz="2200" dirty="0" smtClean="0"/>
+              <a:t>Allows for JIT loading of modules</a:t>
+            </a:r>
+          </a:p>
+          <a:p>
+            <a:r>
+              <a:rPr lang="en-US" sz="2200" dirty="0"/>
+              <a:t> </a:t>
+            </a:r>
+            <a:r>
+              <a:rPr lang="en-US" sz="2200" dirty="0" err="1" smtClean="0"/>
+              <a:t>r.js</a:t>
+            </a:r>
+            <a:r>
+              <a:rPr lang="en-US" sz="2200" dirty="0" smtClean="0"/>
+              <a:t> for server side optimization</a:t>
+            </a:r>
+            <a:endParaRPr lang="en-US" sz="2200" dirty="0"/>
+          </a:p>
+        </p:txBody>
+      </p:sp>
+    </p:spTree>
+    <p:extLst>
+      <p:ext uri="{BB962C8B-B14F-4D97-AF65-F5344CB8AC3E}">
+        <p14:creationId xmlns:p14="http://schemas.microsoft.com/office/powerpoint/2010/main" val="1812830038"/>
+      </p:ext>
+    </p:extLst>
+  </p:cSld>
+  <p:clrMapOvr>
+    <a:masterClrMapping/>
+  </p:clrMapOvr>
+  <p:timing>
+    <p:tnLst>
+      <p:par>
+        <p:cTn xmlns:p14="http://schemas.microsoft.com/office/powerpoint/2010/main" id="1" dur="indefinite" restart="never" nodeType="tmRoot"/>
+      </p:par>
+    </p:tnLst>
+  </p:timing>
+</p:sld>
+</file>
+
+<file path=ppt/slides/slide19.xml><?xml version="1.0" encoding="utf-8"?>
+<p:sld xmlns:a="http://schemas.openxmlformats.org/drawingml/2006/main" xmlns:r="http://schemas.openxmlformats.org/officeDocument/2006/relationships" xmlns:p="http://schemas.openxmlformats.org/presentationml/2006/main">
+  <p:cSld>
+    <p:spTree>
+      <p:nvGrpSpPr>
+        <p:cNvPr id="1" name=""/>
+        <p:cNvGrpSpPr/>
+        <p:nvPr/>
+      </p:nvGrpSpPr>
+      <p:grpSpPr>
+        <a:xfrm>
+          <a:off x="0" y="0"/>
+          <a:ext cx="0" cy="0"/>
+          <a:chOff x="0" y="0"/>
+          <a:chExt cx="0" cy="0"/>
+        </a:xfrm>
+      </p:grpSpPr>
+      <p:sp>
+        <p:nvSpPr>
+          <p:cNvPr id="2" name="Title 1"/>
+          <p:cNvSpPr>
+            <a:spLocks noGrp="1"/>
+          </p:cNvSpPr>
+          <p:nvPr>
+            <p:ph type="title"/>
+          </p:nvPr>
+        </p:nvSpPr>
+        <p:spPr>
+          <a:xfrm>
+            <a:off x="628650" y="229045"/>
+            <a:ext cx="7886700" cy="1325700"/>
+          </a:xfrm>
+        </p:spPr>
+        <p:txBody>
+          <a:bodyPr/>
+          <a:lstStyle/>
+          <a:p>
+            <a:r>
+              <a:rPr lang="en-US" dirty="0" smtClean="0"/>
+              <a:t>Modules: ES6</a:t>
+            </a:r>
+            <a:endParaRPr lang="en-US" dirty="0"/>
+          </a:p>
+        </p:txBody>
+      </p:sp>
+      <p:sp>
+        <p:nvSpPr>
+          <p:cNvPr id="3" name="Text Placeholder 2"/>
+          <p:cNvSpPr>
+            <a:spLocks noGrp="1"/>
+          </p:cNvSpPr>
+          <p:nvPr>
+            <p:ph type="body" idx="1"/>
+          </p:nvPr>
+        </p:nvSpPr>
+        <p:spPr>
+          <a:xfrm>
+            <a:off x="628650" y="1417377"/>
+            <a:ext cx="7886700" cy="4351199"/>
+          </a:xfrm>
+        </p:spPr>
+        <p:txBody>
+          <a:bodyPr/>
+          <a:lstStyle/>
+          <a:p>
+            <a:r>
+              <a:rPr lang="en-US" sz="2200" dirty="0" smtClean="0"/>
+              <a:t> First natively-supported module definition pattern</a:t>
+            </a:r>
+          </a:p>
+          <a:p>
+            <a:r>
+              <a:rPr lang="en-US" sz="2200" dirty="0"/>
+              <a:t> </a:t>
+            </a:r>
+            <a:r>
+              <a:rPr lang="en-US" sz="2200" dirty="0" smtClean="0"/>
+              <a:t>Syntax similar to </a:t>
+            </a:r>
+            <a:r>
+              <a:rPr lang="en-US" sz="2200" dirty="0" err="1" smtClean="0"/>
+              <a:t>commonJS</a:t>
+            </a:r>
+            <a:endParaRPr lang="en-US" sz="2200" dirty="0" smtClean="0"/>
+          </a:p>
+          <a:p>
+            <a:r>
+              <a:rPr lang="en-US" sz="2200" dirty="0"/>
+              <a:t> </a:t>
+            </a:r>
+            <a:r>
+              <a:rPr lang="en-US" sz="2200" dirty="0" smtClean="0"/>
+              <a:t>Support for sync and </a:t>
+            </a:r>
+            <a:r>
+              <a:rPr lang="en-US" sz="2200" dirty="0" err="1" smtClean="0"/>
+              <a:t>async</a:t>
+            </a:r>
+            <a:r>
+              <a:rPr lang="en-US" sz="2200" dirty="0" smtClean="0"/>
+              <a:t> loading (reference?)</a:t>
+            </a:r>
+            <a:endParaRPr lang="en-US" sz="2200" dirty="0"/>
+          </a:p>
+        </p:txBody>
+      </p:sp>
+    </p:spTree>
+    <p:extLst>
+      <p:ext uri="{BB962C8B-B14F-4D97-AF65-F5344CB8AC3E}">
+        <p14:creationId xmlns:p14="http://schemas.microsoft.com/office/powerpoint/2010/main" val="1824734423"/>
       </p:ext>
     </p:extLst>
   </p:cSld>
@@ -5251,18 +6894,18 @@
       </p:grpSpPr>
       <p:sp>
         <p:nvSpPr>
-          <p:cNvPr id="2" name="Subtitle 1"/>
-          <p:cNvSpPr>
-            <a:spLocks noGrp="1"/>
-          </p:cNvSpPr>
-          <p:nvPr>
-            <p:ph type="subTitle" idx="1"/>
-          </p:nvPr>
-        </p:nvSpPr>
-        <p:spPr>
-          <a:xfrm>
-            <a:off x="685800" y="1499085"/>
-            <a:ext cx="7772400" cy="2714092"/>
+          <p:cNvPr id="2" name="Title 1"/>
+          <p:cNvSpPr>
+            <a:spLocks noGrp="1"/>
+          </p:cNvSpPr>
+          <p:nvPr>
+            <p:ph type="title"/>
+          </p:nvPr>
+        </p:nvSpPr>
+        <p:spPr>
+          <a:xfrm>
+            <a:off x="628650" y="229045"/>
+            <a:ext cx="7886700" cy="1325700"/>
           </a:xfrm>
         </p:spPr>
         <p:txBody>
@@ -5270,8 +6913,74 @@
           <a:lstStyle/>
           <a:p>
             <a:r>
+              <a:rPr lang="en-US" dirty="0" smtClean="0"/>
+              <a:t>Lesson Plan	</a:t>
+            </a:r>
+            <a:endParaRPr lang="en-US" dirty="0"/>
+          </a:p>
+        </p:txBody>
+      </p:sp>
+      <p:sp>
+        <p:nvSpPr>
+          <p:cNvPr id="3" name="Text Placeholder 2"/>
+          <p:cNvSpPr>
+            <a:spLocks noGrp="1"/>
+          </p:cNvSpPr>
+          <p:nvPr>
+            <p:ph type="body" idx="1"/>
+          </p:nvPr>
+        </p:nvSpPr>
+        <p:spPr>
+          <a:xfrm>
+            <a:off x="628650" y="1417377"/>
+            <a:ext cx="7886700" cy="4351199"/>
+          </a:xfrm>
+        </p:spPr>
+        <p:txBody>
+          <a:bodyPr/>
+          <a:lstStyle/>
+          <a:p>
+            <a:r>
+              <a:rPr lang="en-US" dirty="0" smtClean="0"/>
+              <a:t> Brief history and intro</a:t>
+            </a:r>
+          </a:p>
+          <a:p>
+            <a:r>
               <a:rPr lang="en-US" dirty="0"/>
-              <a:t>When I was a child, I talked like a child, I thought like a child, I reasoned like a child. When I became a man, I put the ways of childhood behind me.</a:t>
+              <a:t> </a:t>
+            </a:r>
+            <a:r>
+              <a:rPr lang="en-US" dirty="0" smtClean="0"/>
+              <a:t>Node, NPM, Bower</a:t>
+            </a:r>
+          </a:p>
+          <a:p>
+            <a:r>
+              <a:rPr lang="en-US" dirty="0" smtClean="0"/>
+              <a:t> Code style guides</a:t>
+            </a:r>
+          </a:p>
+          <a:p>
+            <a:r>
+              <a:rPr lang="en-US" dirty="0" smtClean="0"/>
+              <a:t> Modules and module loaders</a:t>
+            </a:r>
+          </a:p>
+          <a:p>
+            <a:r>
+              <a:rPr lang="en-US" dirty="0" smtClean="0"/>
+              <a:t> </a:t>
+            </a:r>
+            <a:r>
+              <a:rPr lang="en-US" dirty="0" smtClean="0"/>
+              <a:t>ES6</a:t>
+            </a:r>
+          </a:p>
+          <a:p>
+            <a:r>
+              <a:rPr lang="en-US" dirty="0" smtClean="0"/>
+              <a:t> Utility libraries</a:t>
             </a:r>
             <a:endParaRPr lang="en-US" dirty="0"/>
           </a:p>
@@ -5280,7 +6989,1321 @@
     </p:spTree>
     <p:extLst>
       <p:ext uri="{BB962C8B-B14F-4D97-AF65-F5344CB8AC3E}">
-        <p14:creationId xmlns:p14="http://schemas.microsoft.com/office/powerpoint/2010/main" val="3263563964"/>
+        <p14:creationId xmlns:p14="http://schemas.microsoft.com/office/powerpoint/2010/main" val="2046316681"/>
+      </p:ext>
+    </p:extLst>
+  </p:cSld>
+  <p:clrMapOvr>
+    <a:masterClrMapping/>
+  </p:clrMapOvr>
+  <p:timing>
+    <p:tnLst>
+      <p:par>
+        <p:cTn xmlns:p14="http://schemas.microsoft.com/office/powerpoint/2010/main" id="1" dur="indefinite" restart="never" nodeType="tmRoot"/>
+      </p:par>
+    </p:tnLst>
+  </p:timing>
+</p:sld>
+</file>
+
+<file path=ppt/slides/slide20.xml><?xml version="1.0" encoding="utf-8"?>
+<p:sld xmlns:a="http://schemas.openxmlformats.org/drawingml/2006/main" xmlns:r="http://schemas.openxmlformats.org/officeDocument/2006/relationships" xmlns:p="http://schemas.openxmlformats.org/presentationml/2006/main">
+  <p:cSld>
+    <p:spTree>
+      <p:nvGrpSpPr>
+        <p:cNvPr id="1" name=""/>
+        <p:cNvGrpSpPr/>
+        <p:nvPr/>
+      </p:nvGrpSpPr>
+      <p:grpSpPr>
+        <a:xfrm>
+          <a:off x="0" y="0"/>
+          <a:ext cx="0" cy="0"/>
+          <a:chOff x="0" y="0"/>
+          <a:chExt cx="0" cy="0"/>
+        </a:xfrm>
+      </p:grpSpPr>
+      <p:sp>
+        <p:nvSpPr>
+          <p:cNvPr id="2" name="Title 1"/>
+          <p:cNvSpPr>
+            <a:spLocks noGrp="1"/>
+          </p:cNvSpPr>
+          <p:nvPr>
+            <p:ph type="title"/>
+          </p:nvPr>
+        </p:nvSpPr>
+        <p:spPr>
+          <a:xfrm>
+            <a:off x="628650" y="229045"/>
+            <a:ext cx="7886700" cy="1325700"/>
+          </a:xfrm>
+        </p:spPr>
+        <p:txBody>
+          <a:bodyPr/>
+          <a:lstStyle/>
+          <a:p>
+            <a:r>
+              <a:rPr lang="en-US" dirty="0" smtClean="0"/>
+              <a:t>UMD: Universal Module Definition</a:t>
+            </a:r>
+            <a:endParaRPr lang="en-US" dirty="0"/>
+          </a:p>
+        </p:txBody>
+      </p:sp>
+      <p:sp>
+        <p:nvSpPr>
+          <p:cNvPr id="3" name="Text Placeholder 2"/>
+          <p:cNvSpPr>
+            <a:spLocks noGrp="1"/>
+          </p:cNvSpPr>
+          <p:nvPr>
+            <p:ph type="body" idx="1"/>
+          </p:nvPr>
+        </p:nvSpPr>
+        <p:spPr>
+          <a:xfrm>
+            <a:off x="628650" y="1417377"/>
+            <a:ext cx="7886700" cy="4351199"/>
+          </a:xfrm>
+        </p:spPr>
+        <p:txBody>
+          <a:bodyPr/>
+          <a:lstStyle/>
+          <a:p>
+            <a:r>
+              <a:rPr lang="en-US" sz="2600" dirty="0" smtClean="0"/>
+              <a:t> https://</a:t>
+            </a:r>
+            <a:r>
+              <a:rPr lang="en-US" sz="2600" dirty="0" err="1" smtClean="0"/>
+              <a:t>github.com</a:t>
+            </a:r>
+            <a:r>
+              <a:rPr lang="en-US" sz="2600" dirty="0" smtClean="0"/>
+              <a:t>/</a:t>
+            </a:r>
+            <a:r>
+              <a:rPr lang="en-US" sz="2600" dirty="0" err="1" smtClean="0"/>
+              <a:t>umdjs</a:t>
+            </a:r>
+            <a:r>
+              <a:rPr lang="en-US" sz="2600" dirty="0" smtClean="0"/>
+              <a:t>/</a:t>
+            </a:r>
+            <a:r>
+              <a:rPr lang="en-US" sz="2600" dirty="0" err="1" smtClean="0"/>
+              <a:t>umd</a:t>
+            </a:r>
+            <a:endParaRPr lang="en-US" sz="2600" dirty="0"/>
+          </a:p>
+        </p:txBody>
+      </p:sp>
+    </p:spTree>
+    <p:extLst>
+      <p:ext uri="{BB962C8B-B14F-4D97-AF65-F5344CB8AC3E}">
+        <p14:creationId xmlns:p14="http://schemas.microsoft.com/office/powerpoint/2010/main" val="1971842232"/>
+      </p:ext>
+    </p:extLst>
+  </p:cSld>
+  <p:clrMapOvr>
+    <a:masterClrMapping/>
+  </p:clrMapOvr>
+  <p:timing>
+    <p:tnLst>
+      <p:par>
+        <p:cTn xmlns:p14="http://schemas.microsoft.com/office/powerpoint/2010/main" id="1" dur="indefinite" restart="never" nodeType="tmRoot"/>
+      </p:par>
+    </p:tnLst>
+  </p:timing>
+</p:sld>
+</file>
+
+<file path=ppt/slides/slide21.xml><?xml version="1.0" encoding="utf-8"?>
+<p:sld xmlns:a="http://schemas.openxmlformats.org/drawingml/2006/main" xmlns:r="http://schemas.openxmlformats.org/officeDocument/2006/relationships" xmlns:p="http://schemas.openxmlformats.org/presentationml/2006/main">
+  <p:cSld>
+    <p:spTree>
+      <p:nvGrpSpPr>
+        <p:cNvPr id="1" name=""/>
+        <p:cNvGrpSpPr/>
+        <p:nvPr/>
+      </p:nvGrpSpPr>
+      <p:grpSpPr>
+        <a:xfrm>
+          <a:off x="0" y="0"/>
+          <a:ext cx="0" cy="0"/>
+          <a:chOff x="0" y="0"/>
+          <a:chExt cx="0" cy="0"/>
+        </a:xfrm>
+      </p:grpSpPr>
+      <p:sp>
+        <p:nvSpPr>
+          <p:cNvPr id="2" name="Title 1"/>
+          <p:cNvSpPr>
+            <a:spLocks noGrp="1"/>
+          </p:cNvSpPr>
+          <p:nvPr>
+            <p:ph type="title"/>
+          </p:nvPr>
+        </p:nvSpPr>
+        <p:spPr>
+          <a:xfrm>
+            <a:off x="628650" y="229045"/>
+            <a:ext cx="7886700" cy="1325700"/>
+          </a:xfrm>
+        </p:spPr>
+        <p:txBody>
+          <a:bodyPr/>
+          <a:lstStyle/>
+          <a:p>
+            <a:r>
+              <a:rPr lang="en-US" dirty="0" smtClean="0"/>
+              <a:t>Utility Libraries</a:t>
+            </a:r>
+            <a:endParaRPr lang="en-US" dirty="0"/>
+          </a:p>
+        </p:txBody>
+      </p:sp>
+      <p:sp>
+        <p:nvSpPr>
+          <p:cNvPr id="3" name="Text Placeholder 2"/>
+          <p:cNvSpPr>
+            <a:spLocks noGrp="1"/>
+          </p:cNvSpPr>
+          <p:nvPr>
+            <p:ph type="body" idx="1"/>
+          </p:nvPr>
+        </p:nvSpPr>
+        <p:spPr>
+          <a:xfrm>
+            <a:off x="628650" y="1417377"/>
+            <a:ext cx="7886700" cy="4351199"/>
+          </a:xfrm>
+        </p:spPr>
+        <p:txBody>
+          <a:bodyPr/>
+          <a:lstStyle/>
+          <a:p>
+            <a:r>
+              <a:rPr lang="en-US" sz="2200" dirty="0" smtClean="0"/>
+              <a:t> </a:t>
+            </a:r>
+            <a:r>
+              <a:rPr lang="en-US" sz="2200" dirty="0" err="1" smtClean="0"/>
+              <a:t>Lodash</a:t>
+            </a:r>
+            <a:r>
+              <a:rPr lang="en-US" sz="2200" dirty="0" smtClean="0"/>
+              <a:t> / Underscore</a:t>
+            </a:r>
+          </a:p>
+          <a:p>
+            <a:r>
+              <a:rPr lang="en-US" sz="2200" dirty="0" smtClean="0"/>
+              <a:t> </a:t>
+            </a:r>
+            <a:r>
+              <a:rPr lang="en-US" sz="2200" dirty="0" err="1" smtClean="0"/>
+              <a:t>Lazy.js</a:t>
+            </a:r>
+            <a:endParaRPr lang="en-US" sz="2200" dirty="0"/>
+          </a:p>
+          <a:p>
+            <a:r>
+              <a:rPr lang="en-US" sz="2200" dirty="0" smtClean="0"/>
+              <a:t> Bluebird (Promise/A+ implementation)</a:t>
+            </a:r>
+          </a:p>
+          <a:p>
+            <a:r>
+              <a:rPr lang="en-US" sz="2200" dirty="0"/>
+              <a:t> </a:t>
+            </a:r>
+            <a:r>
+              <a:rPr lang="en-US" sz="2200" dirty="0" err="1" smtClean="0"/>
+              <a:t>httpster</a:t>
+            </a:r>
+            <a:endParaRPr lang="en-US" sz="2200" dirty="0" smtClean="0"/>
+          </a:p>
+          <a:p>
+            <a:r>
+              <a:rPr lang="en-US" sz="2200" dirty="0"/>
+              <a:t> </a:t>
+            </a:r>
+            <a:r>
+              <a:rPr lang="en-US" sz="2200" dirty="0" err="1" smtClean="0"/>
+              <a:t>ngrok</a:t>
+            </a:r>
+            <a:endParaRPr lang="en-US" sz="2200" dirty="0" smtClean="0"/>
+          </a:p>
+        </p:txBody>
+      </p:sp>
+    </p:spTree>
+    <p:extLst>
+      <p:ext uri="{BB962C8B-B14F-4D97-AF65-F5344CB8AC3E}">
+        <p14:creationId xmlns:p14="http://schemas.microsoft.com/office/powerpoint/2010/main" val="3841288195"/>
+      </p:ext>
+    </p:extLst>
+  </p:cSld>
+  <p:clrMapOvr>
+    <a:masterClrMapping/>
+  </p:clrMapOvr>
+  <p:timing>
+    <p:tnLst>
+      <p:par>
+        <p:cTn xmlns:p14="http://schemas.microsoft.com/office/powerpoint/2010/main" id="1" dur="indefinite" restart="never" nodeType="tmRoot"/>
+      </p:par>
+    </p:tnLst>
+  </p:timing>
+</p:sld>
+</file>
+
+<file path=ppt/slides/slide22.xml><?xml version="1.0" encoding="utf-8"?>
+<p:sld xmlns:a="http://schemas.openxmlformats.org/drawingml/2006/main" xmlns:r="http://schemas.openxmlformats.org/officeDocument/2006/relationships" xmlns:p="http://schemas.openxmlformats.org/presentationml/2006/main">
+  <p:cSld>
+    <p:spTree>
+      <p:nvGrpSpPr>
+        <p:cNvPr id="1" name=""/>
+        <p:cNvGrpSpPr/>
+        <p:nvPr/>
+      </p:nvGrpSpPr>
+      <p:grpSpPr>
+        <a:xfrm>
+          <a:off x="0" y="0"/>
+          <a:ext cx="0" cy="0"/>
+          <a:chOff x="0" y="0"/>
+          <a:chExt cx="0" cy="0"/>
+        </a:xfrm>
+      </p:grpSpPr>
+      <p:sp>
+        <p:nvSpPr>
+          <p:cNvPr id="2" name="Title 1"/>
+          <p:cNvSpPr>
+            <a:spLocks noGrp="1"/>
+          </p:cNvSpPr>
+          <p:nvPr>
+            <p:ph type="title"/>
+          </p:nvPr>
+        </p:nvSpPr>
+        <p:spPr>
+          <a:xfrm>
+            <a:off x="628650" y="229045"/>
+            <a:ext cx="7886700" cy="1325700"/>
+          </a:xfrm>
+        </p:spPr>
+        <p:txBody>
+          <a:bodyPr/>
+          <a:lstStyle/>
+          <a:p>
+            <a:r>
+              <a:rPr lang="en-US" sz="3400" dirty="0" err="1" smtClean="0"/>
+              <a:t>Asyn</a:t>
+            </a:r>
+            <a:r>
+              <a:rPr lang="en-US" sz="3400" dirty="0" err="1" smtClean="0"/>
+              <a:t>c</a:t>
+            </a:r>
+            <a:r>
+              <a:rPr lang="en-US" sz="3400" dirty="0" smtClean="0"/>
+              <a:t> </a:t>
+            </a:r>
+            <a:r>
+              <a:rPr lang="en-US" sz="3400" dirty="0" smtClean="0"/>
+              <a:t>Flow Management</a:t>
+            </a:r>
+            <a:endParaRPr lang="en-US" sz="3400" dirty="0"/>
+          </a:p>
+        </p:txBody>
+      </p:sp>
+      <p:sp>
+        <p:nvSpPr>
+          <p:cNvPr id="3" name="Text Placeholder 2"/>
+          <p:cNvSpPr>
+            <a:spLocks noGrp="1"/>
+          </p:cNvSpPr>
+          <p:nvPr>
+            <p:ph type="body" idx="1"/>
+          </p:nvPr>
+        </p:nvSpPr>
+        <p:spPr>
+          <a:xfrm>
+            <a:off x="628650" y="1417377"/>
+            <a:ext cx="7886700" cy="4351199"/>
+          </a:xfrm>
+        </p:spPr>
+        <p:txBody>
+          <a:bodyPr/>
+          <a:lstStyle/>
+          <a:p>
+            <a:r>
+              <a:rPr lang="en-US" sz="2200" dirty="0" smtClean="0"/>
+              <a:t> Callbacks</a:t>
+            </a:r>
+          </a:p>
+          <a:p>
+            <a:r>
+              <a:rPr lang="en-US" sz="2200" dirty="0"/>
+              <a:t> </a:t>
+            </a:r>
+            <a:r>
+              <a:rPr lang="en-US" sz="2200" dirty="0" smtClean="0"/>
+              <a:t>Promises</a:t>
+            </a:r>
+          </a:p>
+          <a:p>
+            <a:r>
+              <a:rPr lang="en-US" sz="2200" dirty="0"/>
+              <a:t> </a:t>
+            </a:r>
+            <a:r>
+              <a:rPr lang="en-US" sz="2200" dirty="0" smtClean="0"/>
+              <a:t>Generators and </a:t>
+            </a:r>
+            <a:r>
+              <a:rPr lang="en-US" sz="2200" dirty="0" err="1" smtClean="0"/>
+              <a:t>Async</a:t>
+            </a:r>
+            <a:r>
+              <a:rPr lang="en-US" sz="2200" dirty="0" smtClean="0"/>
+              <a:t> functions</a:t>
+            </a:r>
+            <a:endParaRPr lang="en-US" sz="2200" dirty="0" smtClean="0"/>
+          </a:p>
+        </p:txBody>
+      </p:sp>
+    </p:spTree>
+    <p:extLst>
+      <p:ext uri="{BB962C8B-B14F-4D97-AF65-F5344CB8AC3E}">
+        <p14:creationId xmlns:p14="http://schemas.microsoft.com/office/powerpoint/2010/main" val="2399971386"/>
+      </p:ext>
+    </p:extLst>
+  </p:cSld>
+  <p:clrMapOvr>
+    <a:masterClrMapping/>
+  </p:clrMapOvr>
+  <p:timing>
+    <p:tnLst>
+      <p:par>
+        <p:cTn xmlns:p14="http://schemas.microsoft.com/office/powerpoint/2010/main" id="1" dur="indefinite" restart="never" nodeType="tmRoot"/>
+      </p:par>
+    </p:tnLst>
+  </p:timing>
+</p:sld>
+</file>
+
+<file path=ppt/slides/slide23.xml><?xml version="1.0" encoding="utf-8"?>
+<p:sld xmlns:a="http://schemas.openxmlformats.org/drawingml/2006/main" xmlns:r="http://schemas.openxmlformats.org/officeDocument/2006/relationships" xmlns:p="http://schemas.openxmlformats.org/presentationml/2006/main">
+  <p:cSld>
+    <p:spTree>
+      <p:nvGrpSpPr>
+        <p:cNvPr id="1" name=""/>
+        <p:cNvGrpSpPr/>
+        <p:nvPr/>
+      </p:nvGrpSpPr>
+      <p:grpSpPr>
+        <a:xfrm>
+          <a:off x="0" y="0"/>
+          <a:ext cx="0" cy="0"/>
+          <a:chOff x="0" y="0"/>
+          <a:chExt cx="0" cy="0"/>
+        </a:xfrm>
+      </p:grpSpPr>
+      <p:sp>
+        <p:nvSpPr>
+          <p:cNvPr id="2" name="Title 1"/>
+          <p:cNvSpPr>
+            <a:spLocks noGrp="1"/>
+          </p:cNvSpPr>
+          <p:nvPr>
+            <p:ph type="title"/>
+          </p:nvPr>
+        </p:nvSpPr>
+        <p:spPr>
+          <a:xfrm>
+            <a:off x="628650" y="229045"/>
+            <a:ext cx="7886700" cy="1325700"/>
+          </a:xfrm>
+        </p:spPr>
+        <p:txBody>
+          <a:bodyPr/>
+          <a:lstStyle/>
+          <a:p>
+            <a:r>
+              <a:rPr lang="en-US" sz="3400" dirty="0" err="1" smtClean="0"/>
+              <a:t>Async</a:t>
+            </a:r>
+            <a:r>
+              <a:rPr lang="en-US" sz="3400" dirty="0" smtClean="0"/>
+              <a:t> Flow Management: Callbacks</a:t>
+            </a:r>
+            <a:endParaRPr lang="en-US" sz="3400" dirty="0"/>
+          </a:p>
+        </p:txBody>
+      </p:sp>
+      <p:sp>
+        <p:nvSpPr>
+          <p:cNvPr id="3" name="Text Placeholder 2"/>
+          <p:cNvSpPr>
+            <a:spLocks noGrp="1"/>
+          </p:cNvSpPr>
+          <p:nvPr>
+            <p:ph type="body" idx="1"/>
+          </p:nvPr>
+        </p:nvSpPr>
+        <p:spPr>
+          <a:xfrm>
+            <a:off x="628650" y="1417377"/>
+            <a:ext cx="7886700" cy="4351199"/>
+          </a:xfrm>
+        </p:spPr>
+        <p:txBody>
+          <a:bodyPr/>
+          <a:lstStyle/>
+          <a:p>
+            <a:r>
+              <a:rPr lang="en-US" sz="2200" dirty="0" smtClean="0"/>
+              <a:t> Event handling – specify event name and </a:t>
+            </a:r>
+            <a:r>
+              <a:rPr lang="en-US" sz="2200" dirty="0" err="1" smtClean="0"/>
+              <a:t>fn</a:t>
+            </a:r>
+            <a:r>
+              <a:rPr lang="en-US" sz="2200" dirty="0" smtClean="0"/>
+              <a:t> to handle it</a:t>
+            </a:r>
+          </a:p>
+          <a:p>
+            <a:pPr lvl="1"/>
+            <a:r>
+              <a:rPr lang="en-US" sz="1600" dirty="0"/>
+              <a:t> </a:t>
+            </a:r>
+            <a:r>
+              <a:rPr lang="en-US" sz="1600" dirty="0" smtClean="0"/>
+              <a:t>$(‘#</a:t>
+            </a:r>
+            <a:r>
+              <a:rPr lang="en-US" sz="1600" dirty="0" err="1" smtClean="0"/>
+              <a:t>someElem</a:t>
+            </a:r>
+            <a:r>
+              <a:rPr lang="en-US" sz="1600" dirty="0" smtClean="0"/>
+              <a:t>’).on(‘click’, </a:t>
+            </a:r>
+            <a:r>
+              <a:rPr lang="en-US" sz="1600" dirty="0" err="1" smtClean="0"/>
+              <a:t>fn</a:t>
+            </a:r>
+            <a:r>
+              <a:rPr lang="en-US" sz="1600" dirty="0" smtClean="0"/>
+              <a:t>);</a:t>
+            </a:r>
+          </a:p>
+          <a:p>
+            <a:r>
+              <a:rPr lang="en-US" sz="2200" dirty="0"/>
+              <a:t> </a:t>
+            </a:r>
+            <a:r>
+              <a:rPr lang="en-US" sz="2200" dirty="0" smtClean="0"/>
+              <a:t>“Node style”</a:t>
+            </a:r>
+            <a:r>
+              <a:rPr lang="en-US" sz="2200" dirty="0"/>
+              <a:t> </a:t>
+            </a:r>
+            <a:r>
+              <a:rPr lang="en-US" sz="2200" dirty="0" smtClean="0"/>
+              <a:t>– err as first parameter, results as second</a:t>
+            </a:r>
+          </a:p>
+          <a:p>
+            <a:pPr lvl="1"/>
+            <a:r>
+              <a:rPr lang="en-US" sz="1600" dirty="0"/>
+              <a:t> </a:t>
+            </a:r>
+            <a:r>
+              <a:rPr lang="en-US" sz="1600" dirty="0" err="1" smtClean="0"/>
+              <a:t>fs.readFile</a:t>
+            </a:r>
+            <a:r>
+              <a:rPr lang="en-US" sz="1600" dirty="0" smtClean="0"/>
+              <a:t>(‘</a:t>
+            </a:r>
+            <a:r>
+              <a:rPr lang="en-US" sz="1600" dirty="0" err="1" smtClean="0"/>
+              <a:t>somefile.txt</a:t>
+            </a:r>
+            <a:r>
+              <a:rPr lang="en-US" sz="1600" dirty="0" smtClean="0"/>
+              <a:t>’, function(err, </a:t>
+            </a:r>
+            <a:r>
+              <a:rPr lang="en-US" sz="1600" dirty="0" err="1" smtClean="0"/>
+              <a:t>fileContent</a:t>
+            </a:r>
+            <a:r>
+              <a:rPr lang="en-US" sz="1600" dirty="0" smtClean="0"/>
+              <a:t>) {…})</a:t>
+            </a:r>
+            <a:endParaRPr lang="en-US" sz="2200" dirty="0" smtClean="0"/>
+          </a:p>
+          <a:p>
+            <a:r>
+              <a:rPr lang="en-US" sz="2200" dirty="0"/>
+              <a:t> </a:t>
+            </a:r>
+            <a:r>
+              <a:rPr lang="en-US" sz="2200" dirty="0" smtClean="0"/>
+              <a:t>OK when flow is simple</a:t>
+            </a:r>
+          </a:p>
+          <a:p>
+            <a:r>
+              <a:rPr lang="en-US" sz="2200" dirty="0"/>
+              <a:t> </a:t>
+            </a:r>
+            <a:r>
+              <a:rPr lang="en-US" sz="2200" dirty="0" smtClean="0"/>
+              <a:t>Deeply nested callbacks: bad!</a:t>
+            </a:r>
+          </a:p>
+          <a:p>
+            <a:r>
+              <a:rPr lang="en-US" sz="2200" dirty="0"/>
+              <a:t> </a:t>
+            </a:r>
+            <a:r>
+              <a:rPr lang="en-US" sz="2200" dirty="0" smtClean="0"/>
+              <a:t>No spec around callbacks other than function signature</a:t>
+            </a:r>
+            <a:endParaRPr lang="en-US" sz="1600" dirty="0" smtClean="0"/>
+          </a:p>
+        </p:txBody>
+      </p:sp>
+    </p:spTree>
+    <p:extLst>
+      <p:ext uri="{BB962C8B-B14F-4D97-AF65-F5344CB8AC3E}">
+        <p14:creationId xmlns:p14="http://schemas.microsoft.com/office/powerpoint/2010/main" val="64435875"/>
+      </p:ext>
+    </p:extLst>
+  </p:cSld>
+  <p:clrMapOvr>
+    <a:masterClrMapping/>
+  </p:clrMapOvr>
+  <p:timing>
+    <p:tnLst>
+      <p:par>
+        <p:cTn xmlns:p14="http://schemas.microsoft.com/office/powerpoint/2010/main" id="1" dur="indefinite" restart="never" nodeType="tmRoot"/>
+      </p:par>
+    </p:tnLst>
+  </p:timing>
+</p:sld>
+</file>
+
+<file path=ppt/slides/slide24.xml><?xml version="1.0" encoding="utf-8"?>
+<p:sld xmlns:a="http://schemas.openxmlformats.org/drawingml/2006/main" xmlns:r="http://schemas.openxmlformats.org/officeDocument/2006/relationships" xmlns:p="http://schemas.openxmlformats.org/presentationml/2006/main">
+  <p:cSld>
+    <p:spTree>
+      <p:nvGrpSpPr>
+        <p:cNvPr id="1" name=""/>
+        <p:cNvGrpSpPr/>
+        <p:nvPr/>
+      </p:nvGrpSpPr>
+      <p:grpSpPr>
+        <a:xfrm>
+          <a:off x="0" y="0"/>
+          <a:ext cx="0" cy="0"/>
+          <a:chOff x="0" y="0"/>
+          <a:chExt cx="0" cy="0"/>
+        </a:xfrm>
+      </p:grpSpPr>
+      <p:sp>
+        <p:nvSpPr>
+          <p:cNvPr id="2" name="Title 1"/>
+          <p:cNvSpPr>
+            <a:spLocks noGrp="1"/>
+          </p:cNvSpPr>
+          <p:nvPr>
+            <p:ph type="title"/>
+          </p:nvPr>
+        </p:nvSpPr>
+        <p:spPr>
+          <a:xfrm>
+            <a:off x="628650" y="229045"/>
+            <a:ext cx="7886700" cy="1325700"/>
+          </a:xfrm>
+        </p:spPr>
+        <p:txBody>
+          <a:bodyPr/>
+          <a:lstStyle/>
+          <a:p>
+            <a:r>
+              <a:rPr lang="en-US" sz="3400" dirty="0" err="1" smtClean="0"/>
+              <a:t>Async</a:t>
+            </a:r>
+            <a:r>
+              <a:rPr lang="en-US" sz="3400" dirty="0" smtClean="0"/>
+              <a:t> Flow Management: Promises</a:t>
+            </a:r>
+            <a:endParaRPr lang="en-US" sz="3400" dirty="0"/>
+          </a:p>
+        </p:txBody>
+      </p:sp>
+      <p:sp>
+        <p:nvSpPr>
+          <p:cNvPr id="3" name="Text Placeholder 2"/>
+          <p:cNvSpPr>
+            <a:spLocks noGrp="1"/>
+          </p:cNvSpPr>
+          <p:nvPr>
+            <p:ph type="body" idx="1"/>
+          </p:nvPr>
+        </p:nvSpPr>
+        <p:spPr>
+          <a:xfrm>
+            <a:off x="628650" y="1417377"/>
+            <a:ext cx="7886700" cy="4351199"/>
+          </a:xfrm>
+        </p:spPr>
+        <p:txBody>
+          <a:bodyPr/>
+          <a:lstStyle/>
+          <a:p>
+            <a:r>
+              <a:rPr lang="en-US" sz="2600" dirty="0" smtClean="0"/>
+              <a:t> Better flow readability</a:t>
+            </a:r>
+          </a:p>
+          <a:p>
+            <a:r>
+              <a:rPr lang="en-US" sz="2600" dirty="0"/>
+              <a:t> </a:t>
+            </a:r>
+            <a:r>
+              <a:rPr lang="en-US" sz="2600" dirty="0" smtClean="0"/>
+              <a:t>Better error management</a:t>
+            </a:r>
+          </a:p>
+          <a:p>
+            <a:r>
+              <a:rPr lang="en-US" sz="2600" dirty="0"/>
+              <a:t> </a:t>
+            </a:r>
+            <a:r>
+              <a:rPr lang="en-US" sz="2600" dirty="0" smtClean="0"/>
+              <a:t>A+ spec</a:t>
+            </a:r>
+          </a:p>
+          <a:p>
+            <a:r>
+              <a:rPr lang="en-US" sz="2600" dirty="0"/>
+              <a:t> </a:t>
+            </a:r>
+            <a:r>
+              <a:rPr lang="en-US" sz="2600" dirty="0" smtClean="0"/>
+              <a:t>Extensive API for </a:t>
+            </a:r>
+            <a:r>
+              <a:rPr lang="en-US" sz="2600" dirty="0" err="1" smtClean="0"/>
+              <a:t>async</a:t>
+            </a:r>
+            <a:r>
+              <a:rPr lang="en-US" sz="2600" dirty="0" smtClean="0"/>
+              <a:t> task management</a:t>
+            </a:r>
+          </a:p>
+          <a:p>
+            <a:r>
+              <a:rPr lang="en-US" sz="2600" dirty="0" smtClean="0"/>
+              <a:t> Part of the ES6 language</a:t>
+            </a:r>
+          </a:p>
+        </p:txBody>
+      </p:sp>
+    </p:spTree>
+    <p:extLst>
+      <p:ext uri="{BB962C8B-B14F-4D97-AF65-F5344CB8AC3E}">
+        <p14:creationId xmlns:p14="http://schemas.microsoft.com/office/powerpoint/2010/main" val="4201370819"/>
+      </p:ext>
+    </p:extLst>
+  </p:cSld>
+  <p:clrMapOvr>
+    <a:masterClrMapping/>
+  </p:clrMapOvr>
+  <p:timing>
+    <p:tnLst>
+      <p:par>
+        <p:cTn xmlns:p14="http://schemas.microsoft.com/office/powerpoint/2010/main" id="1" dur="indefinite" restart="never" nodeType="tmRoot"/>
+      </p:par>
+    </p:tnLst>
+  </p:timing>
+</p:sld>
+</file>
+
+<file path=ppt/slides/slide25.xml><?xml version="1.0" encoding="utf-8"?>
+<p:sld xmlns:a="http://schemas.openxmlformats.org/drawingml/2006/main" xmlns:r="http://schemas.openxmlformats.org/officeDocument/2006/relationships" xmlns:p="http://schemas.openxmlformats.org/presentationml/2006/main">
+  <p:cSld>
+    <p:spTree>
+      <p:nvGrpSpPr>
+        <p:cNvPr id="1" name=""/>
+        <p:cNvGrpSpPr/>
+        <p:nvPr/>
+      </p:nvGrpSpPr>
+      <p:grpSpPr>
+        <a:xfrm>
+          <a:off x="0" y="0"/>
+          <a:ext cx="0" cy="0"/>
+          <a:chOff x="0" y="0"/>
+          <a:chExt cx="0" cy="0"/>
+        </a:xfrm>
+      </p:grpSpPr>
+      <p:sp>
+        <p:nvSpPr>
+          <p:cNvPr id="2" name="Title 1"/>
+          <p:cNvSpPr>
+            <a:spLocks noGrp="1"/>
+          </p:cNvSpPr>
+          <p:nvPr>
+            <p:ph type="title"/>
+          </p:nvPr>
+        </p:nvSpPr>
+        <p:spPr>
+          <a:xfrm>
+            <a:off x="628650" y="229045"/>
+            <a:ext cx="7886700" cy="1325700"/>
+          </a:xfrm>
+        </p:spPr>
+        <p:txBody>
+          <a:bodyPr/>
+          <a:lstStyle/>
+          <a:p>
+            <a:r>
+              <a:rPr lang="en-US" dirty="0" smtClean="0"/>
+              <a:t>Testing</a:t>
+            </a:r>
+            <a:endParaRPr lang="en-US" dirty="0"/>
+          </a:p>
+        </p:txBody>
+      </p:sp>
+      <p:sp>
+        <p:nvSpPr>
+          <p:cNvPr id="3" name="Text Placeholder 2"/>
+          <p:cNvSpPr>
+            <a:spLocks noGrp="1"/>
+          </p:cNvSpPr>
+          <p:nvPr>
+            <p:ph type="body" idx="1"/>
+          </p:nvPr>
+        </p:nvSpPr>
+        <p:spPr>
+          <a:xfrm>
+            <a:off x="628650" y="1417377"/>
+            <a:ext cx="7886700" cy="4351199"/>
+          </a:xfrm>
+        </p:spPr>
+        <p:txBody>
+          <a:bodyPr/>
+          <a:lstStyle/>
+          <a:p>
+            <a:r>
+              <a:rPr lang="en-US" sz="2200" dirty="0" smtClean="0"/>
+              <a:t> Easier to harder</a:t>
+            </a:r>
+          </a:p>
+          <a:p>
+            <a:r>
+              <a:rPr lang="en-US" sz="2200" dirty="0"/>
+              <a:t> </a:t>
+            </a:r>
+            <a:r>
+              <a:rPr lang="en-US" sz="2200" dirty="0" smtClean="0"/>
+              <a:t>Testing framework (Jasmine)</a:t>
+            </a:r>
+          </a:p>
+          <a:p>
+            <a:r>
+              <a:rPr lang="en-US" sz="2200" dirty="0"/>
+              <a:t> </a:t>
+            </a:r>
+            <a:r>
+              <a:rPr lang="en-US" sz="2200" dirty="0" smtClean="0"/>
+              <a:t>Mocks / stubs / spies</a:t>
+            </a:r>
+          </a:p>
+          <a:p>
+            <a:r>
+              <a:rPr lang="en-US" sz="2200" dirty="0"/>
+              <a:t> </a:t>
+            </a:r>
+            <a:r>
+              <a:rPr lang="en-US" sz="2200" dirty="0" smtClean="0"/>
+              <a:t>Test runners</a:t>
+            </a:r>
+          </a:p>
+        </p:txBody>
+      </p:sp>
+    </p:spTree>
+    <p:extLst>
+      <p:ext uri="{BB962C8B-B14F-4D97-AF65-F5344CB8AC3E}">
+        <p14:creationId xmlns:p14="http://schemas.microsoft.com/office/powerpoint/2010/main" val="1649413236"/>
+      </p:ext>
+    </p:extLst>
+  </p:cSld>
+  <p:clrMapOvr>
+    <a:masterClrMapping/>
+  </p:clrMapOvr>
+  <p:timing>
+    <p:tnLst>
+      <p:par>
+        <p:cTn xmlns:p14="http://schemas.microsoft.com/office/powerpoint/2010/main" id="1" dur="indefinite" restart="never" nodeType="tmRoot"/>
+      </p:par>
+    </p:tnLst>
+  </p:timing>
+</p:sld>
+</file>
+
+<file path=ppt/slides/slide26.xml><?xml version="1.0" encoding="utf-8"?>
+<p:sld xmlns:a="http://schemas.openxmlformats.org/drawingml/2006/main" xmlns:r="http://schemas.openxmlformats.org/officeDocument/2006/relationships" xmlns:p="http://schemas.openxmlformats.org/presentationml/2006/main">
+  <p:cSld>
+    <p:spTree>
+      <p:nvGrpSpPr>
+        <p:cNvPr id="1" name=""/>
+        <p:cNvGrpSpPr/>
+        <p:nvPr/>
+      </p:nvGrpSpPr>
+      <p:grpSpPr>
+        <a:xfrm>
+          <a:off x="0" y="0"/>
+          <a:ext cx="0" cy="0"/>
+          <a:chOff x="0" y="0"/>
+          <a:chExt cx="0" cy="0"/>
+        </a:xfrm>
+      </p:grpSpPr>
+      <p:sp>
+        <p:nvSpPr>
+          <p:cNvPr id="2" name="Title 1"/>
+          <p:cNvSpPr>
+            <a:spLocks noGrp="1"/>
+          </p:cNvSpPr>
+          <p:nvPr>
+            <p:ph type="title"/>
+          </p:nvPr>
+        </p:nvSpPr>
+        <p:spPr>
+          <a:xfrm>
+            <a:off x="628650" y="229045"/>
+            <a:ext cx="7886700" cy="1325700"/>
+          </a:xfrm>
+        </p:spPr>
+        <p:txBody>
+          <a:bodyPr/>
+          <a:lstStyle/>
+          <a:p>
+            <a:r>
+              <a:rPr lang="en-US" dirty="0" smtClean="0"/>
+              <a:t>Task Management</a:t>
+            </a:r>
+            <a:endParaRPr lang="en-US" dirty="0"/>
+          </a:p>
+        </p:txBody>
+      </p:sp>
+      <p:sp>
+        <p:nvSpPr>
+          <p:cNvPr id="3" name="Text Placeholder 2"/>
+          <p:cNvSpPr>
+            <a:spLocks noGrp="1"/>
+          </p:cNvSpPr>
+          <p:nvPr>
+            <p:ph type="body" idx="1"/>
+          </p:nvPr>
+        </p:nvSpPr>
+        <p:spPr>
+          <a:xfrm>
+            <a:off x="628650" y="1417377"/>
+            <a:ext cx="7886700" cy="4351199"/>
+          </a:xfrm>
+        </p:spPr>
+        <p:txBody>
+          <a:bodyPr/>
+          <a:lstStyle/>
+          <a:p>
+            <a:r>
+              <a:rPr lang="en-US" sz="2200" dirty="0" smtClean="0"/>
+              <a:t> So many modules</a:t>
+            </a:r>
+          </a:p>
+          <a:p>
+            <a:r>
+              <a:rPr lang="en-US" sz="2200" dirty="0"/>
+              <a:t> </a:t>
+            </a:r>
+            <a:r>
+              <a:rPr lang="en-US" sz="2200" dirty="0" smtClean="0"/>
+              <a:t>Repeatable processes</a:t>
+            </a:r>
+          </a:p>
+          <a:p>
+            <a:r>
+              <a:rPr lang="en-US" sz="2200" dirty="0"/>
+              <a:t> </a:t>
+            </a:r>
+            <a:r>
+              <a:rPr lang="en-US" sz="2200" dirty="0" smtClean="0"/>
+              <a:t>Source-controllable</a:t>
+            </a:r>
+          </a:p>
+          <a:p>
+            <a:r>
+              <a:rPr lang="en-US" sz="2200" dirty="0"/>
+              <a:t> </a:t>
+            </a:r>
+            <a:r>
+              <a:rPr lang="en-US" sz="2200" dirty="0" smtClean="0"/>
+              <a:t>Tooling written in and for JS</a:t>
+            </a:r>
+          </a:p>
+          <a:p>
+            <a:r>
+              <a:rPr lang="en-US" sz="2200" dirty="0"/>
+              <a:t> </a:t>
+            </a:r>
+            <a:r>
+              <a:rPr lang="en-US" sz="2200" dirty="0" smtClean="0"/>
+              <a:t>Options</a:t>
+            </a:r>
+          </a:p>
+          <a:p>
+            <a:pPr lvl="1"/>
+            <a:r>
+              <a:rPr lang="en-US" sz="1600" dirty="0"/>
+              <a:t> </a:t>
+            </a:r>
+            <a:r>
+              <a:rPr lang="en-US" sz="1600" dirty="0" smtClean="0"/>
+              <a:t>Grunt</a:t>
+            </a:r>
+          </a:p>
+          <a:p>
+            <a:pPr lvl="1"/>
+            <a:r>
+              <a:rPr lang="en-US" sz="1600" dirty="0"/>
+              <a:t> </a:t>
+            </a:r>
+            <a:r>
+              <a:rPr lang="en-US" sz="1600" dirty="0" smtClean="0"/>
+              <a:t>Gulp</a:t>
+            </a:r>
+          </a:p>
+          <a:p>
+            <a:pPr lvl="1"/>
+            <a:r>
+              <a:rPr lang="en-US" sz="1600" dirty="0"/>
+              <a:t> </a:t>
+            </a:r>
+            <a:r>
+              <a:rPr lang="en-US" sz="1600" dirty="0" smtClean="0"/>
+              <a:t>Broccoli</a:t>
+            </a:r>
+          </a:p>
+          <a:p>
+            <a:pPr lvl="1"/>
+            <a:r>
+              <a:rPr lang="en-US" sz="1600" dirty="0"/>
+              <a:t> </a:t>
+            </a:r>
+            <a:r>
+              <a:rPr lang="en-US" sz="1600" dirty="0" err="1" smtClean="0"/>
+              <a:t>Webpack</a:t>
+            </a:r>
+            <a:endParaRPr lang="en-US" sz="1600" dirty="0" smtClean="0"/>
+          </a:p>
+          <a:p>
+            <a:pPr lvl="1"/>
+            <a:r>
+              <a:rPr lang="en-US" sz="1600" dirty="0"/>
+              <a:t> </a:t>
+            </a:r>
+            <a:r>
+              <a:rPr lang="en-US" sz="1600" dirty="0" smtClean="0"/>
+              <a:t>etc…. </a:t>
+            </a:r>
+          </a:p>
+        </p:txBody>
+      </p:sp>
+    </p:spTree>
+    <p:extLst>
+      <p:ext uri="{BB962C8B-B14F-4D97-AF65-F5344CB8AC3E}">
+        <p14:creationId xmlns:p14="http://schemas.microsoft.com/office/powerpoint/2010/main" val="3938869390"/>
+      </p:ext>
+    </p:extLst>
+  </p:cSld>
+  <p:clrMapOvr>
+    <a:masterClrMapping/>
+  </p:clrMapOvr>
+  <p:timing>
+    <p:tnLst>
+      <p:par>
+        <p:cTn xmlns:p14="http://schemas.microsoft.com/office/powerpoint/2010/main" id="1" dur="indefinite" restart="never" nodeType="tmRoot"/>
+      </p:par>
+    </p:tnLst>
+  </p:timing>
+</p:sld>
+</file>
+
+<file path=ppt/slides/slide27.xml><?xml version="1.0" encoding="utf-8"?>
+<p:sld xmlns:a="http://schemas.openxmlformats.org/drawingml/2006/main" xmlns:r="http://schemas.openxmlformats.org/officeDocument/2006/relationships" xmlns:p="http://schemas.openxmlformats.org/presentationml/2006/main">
+  <p:cSld>
+    <p:spTree>
+      <p:nvGrpSpPr>
+        <p:cNvPr id="1" name=""/>
+        <p:cNvGrpSpPr/>
+        <p:nvPr/>
+      </p:nvGrpSpPr>
+      <p:grpSpPr>
+        <a:xfrm>
+          <a:off x="0" y="0"/>
+          <a:ext cx="0" cy="0"/>
+          <a:chOff x="0" y="0"/>
+          <a:chExt cx="0" cy="0"/>
+        </a:xfrm>
+      </p:grpSpPr>
+      <p:sp>
+        <p:nvSpPr>
+          <p:cNvPr id="2" name="Title 1"/>
+          <p:cNvSpPr>
+            <a:spLocks noGrp="1"/>
+          </p:cNvSpPr>
+          <p:nvPr>
+            <p:ph type="title"/>
+          </p:nvPr>
+        </p:nvSpPr>
+        <p:spPr>
+          <a:xfrm>
+            <a:off x="628650" y="229045"/>
+            <a:ext cx="7886700" cy="1325700"/>
+          </a:xfrm>
+        </p:spPr>
+        <p:txBody>
+          <a:bodyPr/>
+          <a:lstStyle/>
+          <a:p>
+            <a:r>
+              <a:rPr lang="en-US" dirty="0" smtClean="0"/>
+              <a:t>Task Management: Grunt</a:t>
+            </a:r>
+            <a:endParaRPr lang="en-US" dirty="0"/>
+          </a:p>
+        </p:txBody>
+      </p:sp>
+      <p:sp>
+        <p:nvSpPr>
+          <p:cNvPr id="3" name="Text Placeholder 2"/>
+          <p:cNvSpPr>
+            <a:spLocks noGrp="1"/>
+          </p:cNvSpPr>
+          <p:nvPr>
+            <p:ph type="body" idx="1"/>
+          </p:nvPr>
+        </p:nvSpPr>
+        <p:spPr>
+          <a:xfrm>
+            <a:off x="628650" y="1417377"/>
+            <a:ext cx="7886700" cy="4351199"/>
+          </a:xfrm>
+        </p:spPr>
+        <p:txBody>
+          <a:bodyPr/>
+          <a:lstStyle/>
+          <a:p>
+            <a:endParaRPr lang="en-US" sz="1600" dirty="0" smtClean="0"/>
+          </a:p>
+        </p:txBody>
+      </p:sp>
+    </p:spTree>
+    <p:extLst>
+      <p:ext uri="{BB962C8B-B14F-4D97-AF65-F5344CB8AC3E}">
+        <p14:creationId xmlns:p14="http://schemas.microsoft.com/office/powerpoint/2010/main" val="3565051886"/>
+      </p:ext>
+    </p:extLst>
+  </p:cSld>
+  <p:clrMapOvr>
+    <a:masterClrMapping/>
+  </p:clrMapOvr>
+  <p:timing>
+    <p:tnLst>
+      <p:par>
+        <p:cTn xmlns:p14="http://schemas.microsoft.com/office/powerpoint/2010/main" id="1" dur="indefinite" restart="never" nodeType="tmRoot"/>
+      </p:par>
+    </p:tnLst>
+  </p:timing>
+</p:sld>
+</file>
+
+<file path=ppt/slides/slide28.xml><?xml version="1.0" encoding="utf-8"?>
+<p:sld xmlns:a="http://schemas.openxmlformats.org/drawingml/2006/main" xmlns:r="http://schemas.openxmlformats.org/officeDocument/2006/relationships" xmlns:p="http://schemas.openxmlformats.org/presentationml/2006/main">
+  <p:cSld>
+    <p:spTree>
+      <p:nvGrpSpPr>
+        <p:cNvPr id="1" name=""/>
+        <p:cNvGrpSpPr/>
+        <p:nvPr/>
+      </p:nvGrpSpPr>
+      <p:grpSpPr>
+        <a:xfrm>
+          <a:off x="0" y="0"/>
+          <a:ext cx="0" cy="0"/>
+          <a:chOff x="0" y="0"/>
+          <a:chExt cx="0" cy="0"/>
+        </a:xfrm>
+      </p:grpSpPr>
+      <p:sp>
+        <p:nvSpPr>
+          <p:cNvPr id="2" name="Title 1"/>
+          <p:cNvSpPr>
+            <a:spLocks noGrp="1"/>
+          </p:cNvSpPr>
+          <p:nvPr>
+            <p:ph type="title"/>
+          </p:nvPr>
+        </p:nvSpPr>
+        <p:spPr>
+          <a:xfrm>
+            <a:off x="628650" y="229045"/>
+            <a:ext cx="7886700" cy="1325700"/>
+          </a:xfrm>
+        </p:spPr>
+        <p:txBody>
+          <a:bodyPr/>
+          <a:lstStyle/>
+          <a:p>
+            <a:r>
+              <a:rPr lang="en-US" dirty="0" smtClean="0"/>
+              <a:t>Task Management: Gulp</a:t>
+            </a:r>
+            <a:endParaRPr lang="en-US" dirty="0"/>
+          </a:p>
+        </p:txBody>
+      </p:sp>
+      <p:sp>
+        <p:nvSpPr>
+          <p:cNvPr id="3" name="Text Placeholder 2"/>
+          <p:cNvSpPr>
+            <a:spLocks noGrp="1"/>
+          </p:cNvSpPr>
+          <p:nvPr>
+            <p:ph type="body" idx="1"/>
+          </p:nvPr>
+        </p:nvSpPr>
+        <p:spPr>
+          <a:xfrm>
+            <a:off x="628650" y="1417377"/>
+            <a:ext cx="7886700" cy="4351199"/>
+          </a:xfrm>
+        </p:spPr>
+        <p:txBody>
+          <a:bodyPr/>
+          <a:lstStyle/>
+          <a:p>
+            <a:endParaRPr lang="en-US" sz="1600" dirty="0" smtClean="0"/>
+          </a:p>
+        </p:txBody>
+      </p:sp>
+    </p:spTree>
+    <p:extLst>
+      <p:ext uri="{BB962C8B-B14F-4D97-AF65-F5344CB8AC3E}">
+        <p14:creationId xmlns:p14="http://schemas.microsoft.com/office/powerpoint/2010/main" val="588710634"/>
+      </p:ext>
+    </p:extLst>
+  </p:cSld>
+  <p:clrMapOvr>
+    <a:masterClrMapping/>
+  </p:clrMapOvr>
+  <p:timing>
+    <p:tnLst>
+      <p:par>
+        <p:cTn xmlns:p14="http://schemas.microsoft.com/office/powerpoint/2010/main" id="1" dur="indefinite" restart="never" nodeType="tmRoot"/>
+      </p:par>
+    </p:tnLst>
+  </p:timing>
+</p:sld>
+</file>
+
+<file path=ppt/slides/slide29.xml><?xml version="1.0" encoding="utf-8"?>
+<p:sld xmlns:a="http://schemas.openxmlformats.org/drawingml/2006/main" xmlns:r="http://schemas.openxmlformats.org/officeDocument/2006/relationships" xmlns:p="http://schemas.openxmlformats.org/presentationml/2006/main">
+  <p:cSld>
+    <p:spTree>
+      <p:nvGrpSpPr>
+        <p:cNvPr id="1" name=""/>
+        <p:cNvGrpSpPr/>
+        <p:nvPr/>
+      </p:nvGrpSpPr>
+      <p:grpSpPr>
+        <a:xfrm>
+          <a:off x="0" y="0"/>
+          <a:ext cx="0" cy="0"/>
+          <a:chOff x="0" y="0"/>
+          <a:chExt cx="0" cy="0"/>
+        </a:xfrm>
+      </p:grpSpPr>
+      <p:sp>
+        <p:nvSpPr>
+          <p:cNvPr id="2" name="Title 1"/>
+          <p:cNvSpPr>
+            <a:spLocks noGrp="1"/>
+          </p:cNvSpPr>
+          <p:nvPr>
+            <p:ph type="title"/>
+          </p:nvPr>
+        </p:nvSpPr>
+        <p:spPr>
+          <a:xfrm>
+            <a:off x="628650" y="229045"/>
+            <a:ext cx="7886700" cy="1325700"/>
+          </a:xfrm>
+        </p:spPr>
+        <p:txBody>
+          <a:bodyPr/>
+          <a:lstStyle/>
+          <a:p>
+            <a:r>
+              <a:rPr lang="en-US" dirty="0" smtClean="0"/>
+              <a:t>Web Frameworks</a:t>
+            </a:r>
+            <a:endParaRPr lang="en-US" dirty="0"/>
+          </a:p>
+        </p:txBody>
+      </p:sp>
+      <p:sp>
+        <p:nvSpPr>
+          <p:cNvPr id="3" name="Text Placeholder 2"/>
+          <p:cNvSpPr>
+            <a:spLocks noGrp="1"/>
+          </p:cNvSpPr>
+          <p:nvPr>
+            <p:ph type="body" idx="1"/>
+          </p:nvPr>
+        </p:nvSpPr>
+        <p:spPr>
+          <a:xfrm>
+            <a:off x="628650" y="1417377"/>
+            <a:ext cx="7886700" cy="4351199"/>
+          </a:xfrm>
+        </p:spPr>
+        <p:txBody>
+          <a:bodyPr/>
+          <a:lstStyle/>
+          <a:p>
+            <a:endParaRPr lang="en-US" sz="2200" dirty="0" smtClean="0"/>
+          </a:p>
+        </p:txBody>
+      </p:sp>
+    </p:spTree>
+    <p:extLst>
+      <p:ext uri="{BB962C8B-B14F-4D97-AF65-F5344CB8AC3E}">
+        <p14:creationId xmlns:p14="http://schemas.microsoft.com/office/powerpoint/2010/main" val="1690069527"/>
       </p:ext>
     </p:extLst>
   </p:cSld>
@@ -5336,7 +8359,7 @@
           <a:p>
             <a:r>
               <a:rPr lang="en-US" dirty="0" smtClean="0"/>
-              <a:t>Lesson Plan	</a:t>
+              <a:t>Lesson Plan </a:t>
             </a:r>
             <a:endParaRPr lang="en-US" dirty="0"/>
           </a:p>
@@ -5354,8 +8377,8 @@
         </p:nvSpPr>
         <p:spPr>
           <a:xfrm>
-            <a:off x="628650" y="1417377"/>
-            <a:ext cx="7886700" cy="4351199"/>
+            <a:off x="628650" y="1417378"/>
+            <a:ext cx="7886700" cy="2880568"/>
           </a:xfrm>
         </p:spPr>
         <p:txBody>
@@ -5364,43 +8387,470 @@
           <a:p>
             <a:r>
               <a:rPr lang="en-US" dirty="0" smtClean="0"/>
-              <a:t> Brief history and intro</a:t>
-            </a:r>
-          </a:p>
-          <a:p>
+              <a:t> </a:t>
+            </a:r>
+            <a:r>
+              <a:rPr lang="en-US" dirty="0" err="1" smtClean="0"/>
+              <a:t>Async</a:t>
+            </a:r>
+            <a:r>
+              <a:rPr lang="en-US" dirty="0" smtClean="0"/>
+              <a:t> </a:t>
+            </a:r>
             <a:r>
               <a:rPr lang="en-US" dirty="0"/>
-              <a:t> </a:t>
-            </a:r>
+              <a:t>flow management</a:t>
+            </a:r>
+          </a:p>
+          <a:p>
             <a:r>
               <a:rPr lang="en-US" dirty="0" smtClean="0"/>
-              <a:t>Node, NPM, Bower</a:t>
-            </a:r>
+              <a:t> Testing</a:t>
+            </a:r>
+            <a:endParaRPr lang="en-US" dirty="0" smtClean="0"/>
           </a:p>
           <a:p>
             <a:r>
               <a:rPr lang="en-US" dirty="0" smtClean="0"/>
-              <a:t> Code style guides</a:t>
+              <a:t> Task </a:t>
+            </a:r>
+            <a:r>
+              <a:rPr lang="en-US" dirty="0"/>
+              <a:t>management</a:t>
             </a:r>
           </a:p>
           <a:p>
             <a:r>
               <a:rPr lang="en-US" dirty="0" smtClean="0"/>
-              <a:t> Modules and module loaders</a:t>
+              <a:t> Web frameworks</a:t>
             </a:r>
           </a:p>
           <a:p>
             <a:r>
               <a:rPr lang="en-US" dirty="0" smtClean="0"/>
-              <a:t> Utility libraries</a:t>
-            </a:r>
+              <a:t> Other stuff (maybe)</a:t>
+            </a:r>
+          </a:p>
+          <a:p>
+            <a:pPr lvl="1"/>
+            <a:endParaRPr lang="en-US" dirty="0" smtClean="0"/>
+          </a:p>
+        </p:txBody>
+      </p:sp>
+      <p:sp>
+        <p:nvSpPr>
+          <p:cNvPr id="4" name="Title 1"/>
+          <p:cNvSpPr txBox="1">
+            <a:spLocks/>
+          </p:cNvSpPr>
+          <p:nvPr/>
+        </p:nvSpPr>
+        <p:spPr>
+          <a:xfrm>
+            <a:off x="781050" y="4297946"/>
+            <a:ext cx="7886700" cy="1325700"/>
+          </a:xfrm>
+          <a:prstGeom prst="rect">
+            <a:avLst/>
+          </a:prstGeom>
+          <a:noFill/>
+          <a:ln>
+            <a:noFill/>
+          </a:ln>
+        </p:spPr>
+        <p:txBody>
+          <a:bodyPr lIns="91425" tIns="91425" rIns="91425" bIns="91425" anchor="ctr" anchorCtr="0"/>
+          <a:lstStyle>
+            <a:defPPr marR="0" algn="l" rtl="0">
+              <a:lnSpc>
+                <a:spcPct val="100000"/>
+              </a:lnSpc>
+              <a:spcBef>
+                <a:spcPts val="0"/>
+              </a:spcBef>
+              <a:spcAft>
+                <a:spcPts val="0"/>
+              </a:spcAft>
+            </a:defPPr>
+            <a:lvl1pPr marR="0" algn="l" rtl="0">
+              <a:lnSpc>
+                <a:spcPct val="90000"/>
+              </a:lnSpc>
+              <a:spcBef>
+                <a:spcPts val="0"/>
+              </a:spcBef>
+              <a:spcAft>
+                <a:spcPts val="0"/>
+              </a:spcAft>
+              <a:buClr>
+                <a:schemeClr val="dk1"/>
+              </a:buClr>
+              <a:buSzPct val="100000"/>
+              <a:buFont typeface="Calibri"/>
+              <a:buNone/>
+              <a:defRPr sz="3600" b="1" i="0" u="none" strike="noStrike" cap="none" baseline="0">
+                <a:solidFill>
+                  <a:schemeClr val="lt1"/>
+                </a:solidFill>
+                <a:latin typeface="Arial"/>
+                <a:ea typeface="Arial"/>
+                <a:cs typeface="Arial"/>
+                <a:sym typeface="Arial"/>
+                <a:rtl val="0"/>
+              </a:defRPr>
+            </a:lvl1pPr>
+            <a:lvl2pPr marR="0" algn="l" rtl="0">
+              <a:lnSpc>
+                <a:spcPct val="100000"/>
+              </a:lnSpc>
+              <a:spcBef>
+                <a:spcPts val="0"/>
+              </a:spcBef>
+              <a:spcAft>
+                <a:spcPts val="0"/>
+              </a:spcAft>
+              <a:buClr>
+                <a:schemeClr val="lt1"/>
+              </a:buClr>
+              <a:buSzPct val="100000"/>
+              <a:buNone/>
+              <a:defRPr sz="3600" b="1" i="0" u="none" strike="noStrike" cap="none" baseline="0">
+                <a:solidFill>
+                  <a:schemeClr val="lt1"/>
+                </a:solidFill>
+                <a:latin typeface="Arial"/>
+                <a:ea typeface="Arial"/>
+                <a:cs typeface="Arial"/>
+                <a:sym typeface="Arial"/>
+                <a:rtl val="0"/>
+              </a:defRPr>
+            </a:lvl2pPr>
+            <a:lvl3pPr rtl="0">
+              <a:spcBef>
+                <a:spcPts val="0"/>
+              </a:spcBef>
+              <a:buClr>
+                <a:schemeClr val="lt1"/>
+              </a:buClr>
+              <a:buSzPct val="100000"/>
+              <a:buNone/>
+              <a:defRPr sz="3600" b="1">
+                <a:solidFill>
+                  <a:schemeClr val="lt1"/>
+                </a:solidFill>
+              </a:defRPr>
+            </a:lvl3pPr>
+            <a:lvl4pPr rtl="0">
+              <a:spcBef>
+                <a:spcPts val="0"/>
+              </a:spcBef>
+              <a:buClr>
+                <a:schemeClr val="lt1"/>
+              </a:buClr>
+              <a:buSzPct val="100000"/>
+              <a:buNone/>
+              <a:defRPr sz="3600" b="1">
+                <a:solidFill>
+                  <a:schemeClr val="lt1"/>
+                </a:solidFill>
+              </a:defRPr>
+            </a:lvl4pPr>
+            <a:lvl5pPr rtl="0">
+              <a:spcBef>
+                <a:spcPts val="0"/>
+              </a:spcBef>
+              <a:buClr>
+                <a:schemeClr val="lt1"/>
+              </a:buClr>
+              <a:buSzPct val="100000"/>
+              <a:buNone/>
+              <a:defRPr sz="3600" b="1">
+                <a:solidFill>
+                  <a:schemeClr val="lt1"/>
+                </a:solidFill>
+              </a:defRPr>
+            </a:lvl5pPr>
+            <a:lvl6pPr rtl="0">
+              <a:spcBef>
+                <a:spcPts val="0"/>
+              </a:spcBef>
+              <a:buClr>
+                <a:schemeClr val="lt1"/>
+              </a:buClr>
+              <a:buSzPct val="100000"/>
+              <a:buNone/>
+              <a:defRPr sz="3600" b="1">
+                <a:solidFill>
+                  <a:schemeClr val="lt1"/>
+                </a:solidFill>
+              </a:defRPr>
+            </a:lvl6pPr>
+            <a:lvl7pPr rtl="0">
+              <a:spcBef>
+                <a:spcPts val="0"/>
+              </a:spcBef>
+              <a:buClr>
+                <a:schemeClr val="lt1"/>
+              </a:buClr>
+              <a:buSzPct val="100000"/>
+              <a:buNone/>
+              <a:defRPr sz="3600" b="1">
+                <a:solidFill>
+                  <a:schemeClr val="lt1"/>
+                </a:solidFill>
+              </a:defRPr>
+            </a:lvl7pPr>
+            <a:lvl8pPr rtl="0">
+              <a:spcBef>
+                <a:spcPts val="0"/>
+              </a:spcBef>
+              <a:buClr>
+                <a:schemeClr val="lt1"/>
+              </a:buClr>
+              <a:buSzPct val="100000"/>
+              <a:buNone/>
+              <a:defRPr sz="3600" b="1">
+                <a:solidFill>
+                  <a:schemeClr val="lt1"/>
+                </a:solidFill>
+              </a:defRPr>
+            </a:lvl8pPr>
+            <a:lvl9pPr rtl="0">
+              <a:spcBef>
+                <a:spcPts val="0"/>
+              </a:spcBef>
+              <a:buClr>
+                <a:schemeClr val="lt1"/>
+              </a:buClr>
+              <a:buSzPct val="100000"/>
+              <a:buNone/>
+              <a:defRPr sz="3600" b="1">
+                <a:solidFill>
+                  <a:schemeClr val="lt1"/>
+                </a:solidFill>
+              </a:defRPr>
+            </a:lvl9pPr>
+          </a:lstStyle>
+          <a:p>
+            <a:pPr algn="ctr"/>
+            <a:r>
+              <a:rPr lang="en-US" dirty="0" smtClean="0"/>
+              <a:t>…and </a:t>
+            </a:r>
+            <a:r>
+              <a:rPr lang="en-US" dirty="0" smtClean="0"/>
+              <a:t>demos</a:t>
+            </a:r>
+            <a:endParaRPr lang="en-US" dirty="0"/>
           </a:p>
         </p:txBody>
       </p:sp>
     </p:spTree>
     <p:extLst>
       <p:ext uri="{BB962C8B-B14F-4D97-AF65-F5344CB8AC3E}">
-        <p14:creationId xmlns:p14="http://schemas.microsoft.com/office/powerpoint/2010/main" val="2046316681"/>
+        <p14:creationId xmlns:p14="http://schemas.microsoft.com/office/powerpoint/2010/main" val="689030596"/>
+      </p:ext>
+    </p:extLst>
+  </p:cSld>
+  <p:clrMapOvr>
+    <a:masterClrMapping/>
+  </p:clrMapOvr>
+  <p:timing>
+    <p:tnLst>
+      <p:par>
+        <p:cTn xmlns:p14="http://schemas.microsoft.com/office/powerpoint/2010/main" id="1" dur="indefinite" restart="never" nodeType="tmRoot"/>
+      </p:par>
+    </p:tnLst>
+  </p:timing>
+</p:sld>
+</file>
+
+<file path=ppt/slides/slide30.xml><?xml version="1.0" encoding="utf-8"?>
+<p:sld xmlns:a="http://schemas.openxmlformats.org/drawingml/2006/main" xmlns:r="http://schemas.openxmlformats.org/officeDocument/2006/relationships" xmlns:p="http://schemas.openxmlformats.org/presentationml/2006/main">
+  <p:cSld>
+    <p:spTree>
+      <p:nvGrpSpPr>
+        <p:cNvPr id="1" name=""/>
+        <p:cNvGrpSpPr/>
+        <p:nvPr/>
+      </p:nvGrpSpPr>
+      <p:grpSpPr>
+        <a:xfrm>
+          <a:off x="0" y="0"/>
+          <a:ext cx="0" cy="0"/>
+          <a:chOff x="0" y="0"/>
+          <a:chExt cx="0" cy="0"/>
+        </a:xfrm>
+      </p:grpSpPr>
+      <p:sp>
+        <p:nvSpPr>
+          <p:cNvPr id="2" name="Title 1"/>
+          <p:cNvSpPr>
+            <a:spLocks noGrp="1"/>
+          </p:cNvSpPr>
+          <p:nvPr>
+            <p:ph type="title"/>
+          </p:nvPr>
+        </p:nvSpPr>
+        <p:spPr>
+          <a:xfrm>
+            <a:off x="628650" y="229045"/>
+            <a:ext cx="7886700" cy="1325700"/>
+          </a:xfrm>
+        </p:spPr>
+        <p:txBody>
+          <a:bodyPr/>
+          <a:lstStyle/>
+          <a:p>
+            <a:r>
+              <a:rPr lang="en-US" dirty="0" smtClean="0"/>
+              <a:t>Resources and References</a:t>
+            </a:r>
+            <a:endParaRPr lang="en-US" dirty="0"/>
+          </a:p>
+        </p:txBody>
+      </p:sp>
+      <p:sp>
+        <p:nvSpPr>
+          <p:cNvPr id="3" name="Text Placeholder 2"/>
+          <p:cNvSpPr>
+            <a:spLocks noGrp="1"/>
+          </p:cNvSpPr>
+          <p:nvPr>
+            <p:ph type="body" idx="1"/>
+          </p:nvPr>
+        </p:nvSpPr>
+        <p:spPr>
+          <a:xfrm>
+            <a:off x="628650" y="1417377"/>
+            <a:ext cx="7886700" cy="4351199"/>
+          </a:xfrm>
+        </p:spPr>
+        <p:txBody>
+          <a:bodyPr numCol="1"/>
+          <a:lstStyle/>
+          <a:p>
+            <a:pPr marL="0" indent="0">
+              <a:lnSpc>
+                <a:spcPct val="100000"/>
+              </a:lnSpc>
+              <a:spcBef>
+                <a:spcPts val="0"/>
+              </a:spcBef>
+              <a:buFont typeface="Arial"/>
+              <a:buChar char="•"/>
+            </a:pPr>
+            <a:r>
+              <a:rPr lang="en-US" sz="2000" dirty="0" smtClean="0"/>
+              <a:t> </a:t>
+            </a:r>
+            <a:r>
+              <a:rPr lang="en-US" sz="2000" dirty="0" smtClean="0">
+                <a:hlinkClick r:id="rId2"/>
+              </a:rPr>
+              <a:t>http://dailyjs.com/history-of-javascript.html</a:t>
+            </a:r>
+            <a:r>
+              <a:rPr lang="en-US" sz="2000" dirty="0" smtClean="0"/>
+              <a:t>   </a:t>
+            </a:r>
+          </a:p>
+          <a:p>
+            <a:pPr marL="0" indent="0">
+              <a:lnSpc>
+                <a:spcPct val="100000"/>
+              </a:lnSpc>
+              <a:spcBef>
+                <a:spcPts val="0"/>
+              </a:spcBef>
+              <a:buFont typeface="Arial"/>
+              <a:buChar char="•"/>
+            </a:pPr>
+            <a:r>
+              <a:rPr lang="en-US" sz="2000" dirty="0" smtClean="0">
+                <a:hlinkClick r:id="rId3"/>
+              </a:rPr>
+              <a:t> https://courses.cs.washington.edu/courses/cse490h/07sp/readings/ajax_adaptive_path.pdf</a:t>
+            </a:r>
+            <a:endParaRPr lang="en-US" sz="2000" dirty="0" smtClean="0"/>
+          </a:p>
+          <a:p>
+            <a:pPr marL="0" indent="0">
+              <a:lnSpc>
+                <a:spcPct val="100000"/>
+              </a:lnSpc>
+              <a:spcBef>
+                <a:spcPts val="0"/>
+              </a:spcBef>
+              <a:buFont typeface="Arial"/>
+              <a:buChar char="•"/>
+            </a:pPr>
+            <a:r>
+              <a:rPr lang="en-US" sz="2000" dirty="0"/>
+              <a:t> </a:t>
+            </a:r>
+            <a:r>
+              <a:rPr lang="en-US" sz="2000" dirty="0">
+                <a:hlinkClick r:id="rId4"/>
+              </a:rPr>
+              <a:t>http://www.2ality.com/2014/09/es6-modules-</a:t>
+            </a:r>
+            <a:r>
+              <a:rPr lang="en-US" sz="2000" dirty="0" smtClean="0">
+                <a:hlinkClick r:id="rId4"/>
+              </a:rPr>
+              <a:t>final.html</a:t>
+            </a:r>
+            <a:endParaRPr lang="en-US" sz="2000" dirty="0" smtClean="0"/>
+          </a:p>
+          <a:p>
+            <a:pPr marL="0" indent="0">
+              <a:lnSpc>
+                <a:spcPct val="100000"/>
+              </a:lnSpc>
+              <a:spcBef>
+                <a:spcPts val="0"/>
+              </a:spcBef>
+              <a:buFont typeface="Arial"/>
+              <a:buChar char="•"/>
+            </a:pPr>
+            <a:r>
+              <a:rPr lang="en-US" sz="2000" dirty="0"/>
+              <a:t> </a:t>
+            </a:r>
+            <a:r>
+              <a:rPr lang="en-US" sz="2000" dirty="0">
+                <a:hlinkClick r:id="rId5"/>
+              </a:rPr>
+              <a:t>http://addyosmani.com/writing-modular-js</a:t>
+            </a:r>
+            <a:r>
+              <a:rPr lang="en-US" sz="2000" dirty="0" smtClean="0">
+                <a:hlinkClick r:id="rId5"/>
+              </a:rPr>
+              <a:t>/</a:t>
+            </a:r>
+            <a:endParaRPr lang="en-US" sz="2000" dirty="0"/>
+          </a:p>
+          <a:p>
+            <a:pPr marL="0" indent="0">
+              <a:lnSpc>
+                <a:spcPct val="100000"/>
+              </a:lnSpc>
+              <a:spcBef>
+                <a:spcPts val="0"/>
+              </a:spcBef>
+              <a:buFont typeface="Arial"/>
+              <a:buChar char="•"/>
+            </a:pPr>
+            <a:endParaRPr lang="en-US" sz="2000" dirty="0" smtClean="0"/>
+          </a:p>
+        </p:txBody>
+      </p:sp>
+    </p:spTree>
+    <p:extLst>
+      <p:ext uri="{BB962C8B-B14F-4D97-AF65-F5344CB8AC3E}">
+        <p14:creationId xmlns:p14="http://schemas.microsoft.com/office/powerpoint/2010/main" val="1063860040"/>
       </p:ext>
     </p:extLst>
   </p:cSld>
@@ -5456,7 +8906,7 @@
           <a:p>
             <a:r>
               <a:rPr lang="en-US" dirty="0" smtClean="0"/>
-              <a:t>Lesson Plan </a:t>
+              <a:t>History of JS</a:t>
             </a:r>
             <a:endParaRPr lang="en-US" dirty="0"/>
           </a:p>
@@ -5474,8 +8924,8 @@
         </p:nvSpPr>
         <p:spPr>
           <a:xfrm>
-            <a:off x="628650" y="1417378"/>
-            <a:ext cx="7886700" cy="2880568"/>
+            <a:off x="628650" y="1417377"/>
+            <a:ext cx="7886700" cy="4351199"/>
           </a:xfrm>
         </p:spPr>
         <p:txBody>
@@ -5483,260 +8933,54 @@
           <a:lstStyle/>
           <a:p>
             <a:r>
-              <a:rPr lang="en-US" dirty="0" smtClean="0"/>
+              <a:rPr lang="en-US" sz="2800" dirty="0" smtClean="0"/>
+              <a:t> Created in 10 days for Netscape in 1995</a:t>
+            </a:r>
+          </a:p>
+          <a:p>
+            <a:r>
+              <a:rPr lang="en-US" sz="2800" dirty="0" smtClean="0"/>
+              <a:t> Sent to </a:t>
+            </a:r>
+            <a:r>
+              <a:rPr lang="en-US" sz="2800" dirty="0" err="1" smtClean="0"/>
+              <a:t>Ecma</a:t>
+            </a:r>
+            <a:r>
+              <a:rPr lang="en-US" sz="2800" dirty="0" smtClean="0"/>
+              <a:t> in 1996 for standardization</a:t>
+            </a:r>
+          </a:p>
+          <a:p>
+            <a:r>
+              <a:rPr lang="en-US" sz="2800" dirty="0" smtClean="0"/>
+              <a:t> ECMA-262 (</a:t>
+            </a:r>
+            <a:r>
+              <a:rPr lang="en-US" sz="2800" dirty="0" err="1" smtClean="0"/>
+              <a:t>ECMAScript</a:t>
+            </a:r>
+            <a:r>
+              <a:rPr lang="en-US" sz="2800" dirty="0" smtClean="0"/>
+              <a:t>) in 1997</a:t>
+            </a:r>
+          </a:p>
+          <a:p>
+            <a:r>
+              <a:rPr lang="en-US" sz="2800" dirty="0"/>
               <a:t> </a:t>
             </a:r>
             <a:r>
-              <a:rPr lang="en-US" dirty="0" err="1" smtClean="0"/>
-              <a:t>Async</a:t>
-            </a:r>
-            <a:r>
-              <a:rPr lang="en-US" dirty="0" smtClean="0"/>
-              <a:t> flow management</a:t>
-            </a:r>
-          </a:p>
-          <a:p>
-            <a:r>
-              <a:rPr lang="en-US" dirty="0" smtClean="0"/>
-              <a:t> Testing</a:t>
-            </a:r>
-          </a:p>
-          <a:p>
-            <a:r>
-              <a:rPr lang="en-US" dirty="0" smtClean="0"/>
-              <a:t> Task </a:t>
-            </a:r>
-            <a:r>
-              <a:rPr lang="en-US" dirty="0"/>
-              <a:t>management</a:t>
-            </a:r>
-          </a:p>
-          <a:p>
-            <a:r>
-              <a:rPr lang="en-US" dirty="0" smtClean="0"/>
-              <a:t> Web frameworks</a:t>
-            </a:r>
-          </a:p>
-          <a:p>
-            <a:r>
-              <a:rPr lang="en-US" dirty="0" smtClean="0"/>
-              <a:t> Other stuff (maybe)</a:t>
-            </a:r>
-          </a:p>
-          <a:p>
-            <a:pPr lvl="1"/>
-            <a:endParaRPr lang="en-US" dirty="0" smtClean="0"/>
-          </a:p>
-        </p:txBody>
-      </p:sp>
-      <p:sp>
-        <p:nvSpPr>
-          <p:cNvPr id="4" name="Title 1"/>
-          <p:cNvSpPr txBox="1">
-            <a:spLocks/>
-          </p:cNvSpPr>
-          <p:nvPr/>
-        </p:nvSpPr>
-        <p:spPr>
-          <a:xfrm>
-            <a:off x="781050" y="4297946"/>
-            <a:ext cx="7886700" cy="1325700"/>
-          </a:xfrm>
-          <a:prstGeom prst="rect">
-            <a:avLst/>
-          </a:prstGeom>
-          <a:noFill/>
-          <a:ln>
-            <a:noFill/>
-          </a:ln>
-        </p:spPr>
-        <p:txBody>
-          <a:bodyPr lIns="91425" tIns="91425" rIns="91425" bIns="91425" anchor="ctr" anchorCtr="0"/>
-          <a:lstStyle>
-            <a:defPPr marR="0" algn="l" rtl="0">
-              <a:lnSpc>
-                <a:spcPct val="100000"/>
-              </a:lnSpc>
-              <a:spcBef>
-                <a:spcPts val="0"/>
-              </a:spcBef>
-              <a:spcAft>
-                <a:spcPts val="0"/>
-              </a:spcAft>
-            </a:defPPr>
-            <a:lvl1pPr marR="0" algn="l" rtl="0">
-              <a:lnSpc>
-                <a:spcPct val="90000"/>
-              </a:lnSpc>
-              <a:spcBef>
-                <a:spcPts val="0"/>
-              </a:spcBef>
-              <a:spcAft>
-                <a:spcPts val="0"/>
-              </a:spcAft>
-              <a:buClr>
-                <a:schemeClr val="dk1"/>
-              </a:buClr>
-              <a:buSzPct val="100000"/>
-              <a:buFont typeface="Calibri"/>
-              <a:buNone/>
-              <a:defRPr sz="3600" b="1" i="0" u="none" strike="noStrike" cap="none" baseline="0">
-                <a:solidFill>
-                  <a:schemeClr val="lt1"/>
-                </a:solidFill>
-                <a:latin typeface="Arial"/>
-                <a:ea typeface="Arial"/>
-                <a:cs typeface="Arial"/>
-                <a:sym typeface="Arial"/>
-                <a:rtl val="0"/>
-              </a:defRPr>
-            </a:lvl1pPr>
-            <a:lvl2pPr marR="0" algn="l" rtl="0">
-              <a:lnSpc>
-                <a:spcPct val="100000"/>
-              </a:lnSpc>
-              <a:spcBef>
-                <a:spcPts val="0"/>
-              </a:spcBef>
-              <a:spcAft>
-                <a:spcPts val="0"/>
-              </a:spcAft>
-              <a:buClr>
-                <a:schemeClr val="lt1"/>
-              </a:buClr>
-              <a:buSzPct val="100000"/>
-              <a:buNone/>
-              <a:defRPr sz="3600" b="1" i="0" u="none" strike="noStrike" cap="none" baseline="0">
-                <a:solidFill>
-                  <a:schemeClr val="lt1"/>
-                </a:solidFill>
-                <a:latin typeface="Arial"/>
-                <a:ea typeface="Arial"/>
-                <a:cs typeface="Arial"/>
-                <a:sym typeface="Arial"/>
-                <a:rtl val="0"/>
-              </a:defRPr>
-            </a:lvl2pPr>
-            <a:lvl3pPr rtl="0">
-              <a:spcBef>
-                <a:spcPts val="0"/>
-              </a:spcBef>
-              <a:buClr>
-                <a:schemeClr val="lt1"/>
-              </a:buClr>
-              <a:buSzPct val="100000"/>
-              <a:buNone/>
-              <a:defRPr sz="3600" b="1">
-                <a:solidFill>
-                  <a:schemeClr val="lt1"/>
-                </a:solidFill>
-              </a:defRPr>
-            </a:lvl3pPr>
-            <a:lvl4pPr rtl="0">
-              <a:spcBef>
-                <a:spcPts val="0"/>
-              </a:spcBef>
-              <a:buClr>
-                <a:schemeClr val="lt1"/>
-              </a:buClr>
-              <a:buSzPct val="100000"/>
-              <a:buNone/>
-              <a:defRPr sz="3600" b="1">
-                <a:solidFill>
-                  <a:schemeClr val="lt1"/>
-                </a:solidFill>
-              </a:defRPr>
-            </a:lvl4pPr>
-            <a:lvl5pPr rtl="0">
-              <a:spcBef>
-                <a:spcPts val="0"/>
-              </a:spcBef>
-              <a:buClr>
-                <a:schemeClr val="lt1"/>
-              </a:buClr>
-              <a:buSzPct val="100000"/>
-              <a:buNone/>
-              <a:defRPr sz="3600" b="1">
-                <a:solidFill>
-                  <a:schemeClr val="lt1"/>
-                </a:solidFill>
-              </a:defRPr>
-            </a:lvl5pPr>
-            <a:lvl6pPr rtl="0">
-              <a:spcBef>
-                <a:spcPts val="0"/>
-              </a:spcBef>
-              <a:buClr>
-                <a:schemeClr val="lt1"/>
-              </a:buClr>
-              <a:buSzPct val="100000"/>
-              <a:buNone/>
-              <a:defRPr sz="3600" b="1">
-                <a:solidFill>
-                  <a:schemeClr val="lt1"/>
-                </a:solidFill>
-              </a:defRPr>
-            </a:lvl6pPr>
-            <a:lvl7pPr rtl="0">
-              <a:spcBef>
-                <a:spcPts val="0"/>
-              </a:spcBef>
-              <a:buClr>
-                <a:schemeClr val="lt1"/>
-              </a:buClr>
-              <a:buSzPct val="100000"/>
-              <a:buNone/>
-              <a:defRPr sz="3600" b="1">
-                <a:solidFill>
-                  <a:schemeClr val="lt1"/>
-                </a:solidFill>
-              </a:defRPr>
-            </a:lvl7pPr>
-            <a:lvl8pPr rtl="0">
-              <a:spcBef>
-                <a:spcPts val="0"/>
-              </a:spcBef>
-              <a:buClr>
-                <a:schemeClr val="lt1"/>
-              </a:buClr>
-              <a:buSzPct val="100000"/>
-              <a:buNone/>
-              <a:defRPr sz="3600" b="1">
-                <a:solidFill>
-                  <a:schemeClr val="lt1"/>
-                </a:solidFill>
-              </a:defRPr>
-            </a:lvl8pPr>
-            <a:lvl9pPr rtl="0">
-              <a:spcBef>
-                <a:spcPts val="0"/>
-              </a:spcBef>
-              <a:buClr>
-                <a:schemeClr val="lt1"/>
-              </a:buClr>
-              <a:buSzPct val="100000"/>
-              <a:buNone/>
-              <a:defRPr sz="3600" b="1">
-                <a:solidFill>
-                  <a:schemeClr val="lt1"/>
-                </a:solidFill>
-              </a:defRPr>
-            </a:lvl9pPr>
-          </a:lstStyle>
-          <a:p>
-            <a:pPr algn="ctr"/>
-            <a:r>
-              <a:rPr lang="en-US" dirty="0" smtClean="0"/>
-              <a:t>…and demos!</a:t>
-            </a:r>
-            <a:endParaRPr lang="en-US" dirty="0"/>
+              <a:rPr lang="en-US" sz="2800" dirty="0" smtClean="0"/>
+              <a:t>ES3 in 1999</a:t>
+            </a:r>
           </a:p>
         </p:txBody>
       </p:sp>
     </p:spTree>
     <p:extLst>
       <p:ext uri="{BB962C8B-B14F-4D97-AF65-F5344CB8AC3E}">
-        <p14:creationId xmlns:p14="http://schemas.microsoft.com/office/powerpoint/2010/main" val="689030596"/>
+        <p14:creationId xmlns:p14="http://schemas.microsoft.com/office/powerpoint/2010/main" val="3275176246"/>
       </p:ext>
     </p:extLst>
   </p:cSld>
@@ -5792,7 +9036,7 @@
           <a:p>
             <a:r>
               <a:rPr lang="en-US" dirty="0" smtClean="0"/>
-              <a:t>History of JS</a:t>
+              <a:t>Just History</a:t>
             </a:r>
             <a:endParaRPr lang="en-US" dirty="0"/>
           </a:p>
@@ -5818,47 +9062,12 @@
           <a:bodyPr/>
           <a:lstStyle/>
           <a:p>
+            <a:pPr marL="177800" indent="0">
+              <a:buNone/>
+            </a:pPr>
             <a:r>
               <a:rPr lang="en-US" sz="2800" dirty="0" smtClean="0"/>
-              <a:t> Created in 10 days for Netscape in 1995</a:t>
-            </a:r>
-          </a:p>
-          <a:p>
-            <a:r>
-              <a:rPr lang="en-US" sz="2800" dirty="0" smtClean="0"/>
-              <a:t> Sent to </a:t>
-            </a:r>
-            <a:r>
-              <a:rPr lang="en-US" sz="2800" dirty="0" err="1" smtClean="0"/>
-              <a:t>Ecma</a:t>
-            </a:r>
-            <a:r>
-              <a:rPr lang="en-US" sz="2800" dirty="0" smtClean="0"/>
-              <a:t> in 1996 for standardization</a:t>
-            </a:r>
-          </a:p>
-          <a:p>
-            <a:r>
-              <a:rPr lang="en-US" sz="2800" dirty="0" smtClean="0"/>
-              <a:t> ECMA-262 (</a:t>
-            </a:r>
-            <a:r>
-              <a:rPr lang="en-US" sz="2800" dirty="0" err="1" smtClean="0"/>
-              <a:t>ECMAScript</a:t>
-            </a:r>
-            <a:r>
-              <a:rPr lang="en-US" sz="2800" dirty="0" smtClean="0"/>
-              <a:t>) in 1997</a:t>
-            </a:r>
-          </a:p>
-          <a:p>
-            <a:r>
-              <a:rPr lang="en-US" sz="2800" dirty="0"/>
-              <a:t> </a:t>
-            </a:r>
-            <a:r>
-              <a:rPr lang="en-US" sz="2800" dirty="0" smtClean="0"/>
-              <a:t>ES3 in 1999</a:t>
+              <a:t>Some other stuff…</a:t>
             </a:r>
           </a:p>
         </p:txBody>
@@ -5866,7 +9075,7 @@
     </p:spTree>
     <p:extLst>
       <p:ext uri="{BB962C8B-B14F-4D97-AF65-F5344CB8AC3E}">
-        <p14:creationId xmlns:p14="http://schemas.microsoft.com/office/powerpoint/2010/main" val="3275176246"/>
+        <p14:creationId xmlns:p14="http://schemas.microsoft.com/office/powerpoint/2010/main" val="1633722565"/>
       </p:ext>
     </p:extLst>
   </p:cSld>
@@ -5922,7 +9131,7 @@
           <a:p>
             <a:r>
               <a:rPr lang="en-US" dirty="0" smtClean="0"/>
-              <a:t>Just History</a:t>
+              <a:t>History of JS</a:t>
             </a:r>
             <a:endParaRPr lang="en-US" dirty="0"/>
           </a:p>
@@ -5948,21 +9157,69 @@
           <a:bodyPr/>
           <a:lstStyle/>
           <a:p>
-            <a:pPr marL="177800" indent="0">
-              <a:buNone/>
-            </a:pPr>
             <a:r>
               <a:rPr lang="en-US" sz="2800" dirty="0" smtClean="0"/>
-              <a:t>Some other stuff…</a:t>
-            </a:r>
-            <a:endParaRPr lang="en-US" sz="2800" dirty="0" smtClean="0"/>
+              <a:t> The AJAX revolution Mid-2000s</a:t>
+            </a:r>
+            <a:endParaRPr lang="en-US" sz="2800" dirty="0"/>
+          </a:p>
+          <a:p>
+            <a:r>
+              <a:rPr lang="en-US" sz="2800" dirty="0" smtClean="0"/>
+              <a:t> Ability to build more responsive, real-time UI</a:t>
+            </a:r>
+          </a:p>
+          <a:p>
+            <a:r>
+              <a:rPr lang="en-US" sz="2800" dirty="0" smtClean="0"/>
+              <a:t> Front end Library wars (</a:t>
+            </a:r>
+            <a:r>
+              <a:rPr lang="en-US" sz="2800" dirty="0" err="1" smtClean="0"/>
+              <a:t>jQuery</a:t>
+            </a:r>
+            <a:r>
+              <a:rPr lang="en-US" sz="2800" dirty="0" smtClean="0"/>
+              <a:t> won)</a:t>
+            </a:r>
+          </a:p>
+          <a:p>
+            <a:r>
+              <a:rPr lang="en-US" sz="2800" dirty="0"/>
+              <a:t> </a:t>
+            </a:r>
+            <a:r>
+              <a:rPr lang="en-US" sz="2800" dirty="0" smtClean="0"/>
+              <a:t>Rise of the front end frameworks</a:t>
+            </a:r>
+          </a:p>
+          <a:p>
+            <a:pPr lvl="1"/>
+            <a:r>
+              <a:rPr lang="en-US" sz="2200" dirty="0"/>
+              <a:t> </a:t>
+            </a:r>
+            <a:r>
+              <a:rPr lang="en-US" sz="2200" dirty="0" smtClean="0"/>
+              <a:t>on-going and bloody, but enlightening war</a:t>
+            </a:r>
+          </a:p>
+          <a:p>
+            <a:r>
+              <a:rPr lang="en-US" sz="2800" dirty="0"/>
+              <a:t> </a:t>
+            </a:r>
+            <a:r>
+              <a:rPr lang="en-US" sz="2800" dirty="0" smtClean="0"/>
+              <a:t>SPAs everywhere!</a:t>
+            </a:r>
           </a:p>
         </p:txBody>
       </p:sp>
     </p:spTree>
     <p:extLst>
       <p:ext uri="{BB962C8B-B14F-4D97-AF65-F5344CB8AC3E}">
-        <p14:creationId xmlns:p14="http://schemas.microsoft.com/office/powerpoint/2010/main" val="1633722565"/>
+        <p14:creationId xmlns:p14="http://schemas.microsoft.com/office/powerpoint/2010/main" val="1034075102"/>
       </p:ext>
     </p:extLst>
   </p:cSld>
@@ -6018,7 +9275,7 @@
           <a:p>
             <a:r>
               <a:rPr lang="en-US" dirty="0" smtClean="0"/>
-              <a:t>History of JS</a:t>
+              <a:t>JS: The Language</a:t>
             </a:r>
             <a:endParaRPr lang="en-US" dirty="0"/>
           </a:p>
@@ -6046,40 +9303,11 @@
           <a:p>
             <a:r>
               <a:rPr lang="en-US" sz="2800" dirty="0" smtClean="0"/>
-              <a:t> The AJAX revolution Mid-2000s</a:t>
-            </a:r>
-            <a:endParaRPr lang="en-US" sz="2800" dirty="0"/>
-          </a:p>
-          <a:p>
+              <a:t> Dynamically</a:t>
+            </a:r>
             <a:r>
               <a:rPr lang="en-US" sz="2800" dirty="0" smtClean="0"/>
-              <a:t> </a:t>
-            </a:r>
-            <a:r>
-              <a:rPr lang="en-US" sz="2800" dirty="0" smtClean="0"/>
-              <a:t>Abilit</a:t>
-            </a:r>
-            <a:r>
-              <a:rPr lang="en-US" sz="2800" dirty="0" smtClean="0"/>
-              <a:t>y to build more responsive, real-time UI</a:t>
-            </a:r>
-          </a:p>
-          <a:p>
-            <a:r>
-              <a:rPr lang="en-US" sz="2800" dirty="0" smtClean="0"/>
-              <a:t> Front end L</a:t>
-            </a:r>
-            <a:r>
-              <a:rPr lang="en-US" sz="2800" dirty="0" smtClean="0"/>
-              <a:t>ibrary wars (</a:t>
-            </a:r>
-            <a:r>
-              <a:rPr lang="en-US" sz="2800" dirty="0" err="1" smtClean="0"/>
-              <a:t>jQuery</a:t>
-            </a:r>
-            <a:r>
-              <a:rPr lang="en-US" sz="2800" dirty="0" smtClean="0"/>
-              <a:t> won)</a:t>
+              <a:t>-typed, interpreted</a:t>
             </a:r>
           </a:p>
           <a:p>
@@ -6089,18 +9317,7 @@
             </a:r>
             <a:r>
               <a:rPr lang="en-US" sz="2800" dirty="0" smtClean="0"/>
-              <a:t>Rise of the front end frameworks</a:t>
-            </a:r>
-          </a:p>
-          <a:p>
-            <a:pPr lvl="1"/>
-            <a:r>
-              <a:rPr lang="en-US" sz="2200" dirty="0"/>
-              <a:t> </a:t>
-            </a:r>
-            <a:r>
-              <a:rPr lang="en-US" sz="2200" dirty="0" smtClean="0"/>
-              <a:t>on-going and bloody, but enlightening war</a:t>
+              <a:t>Prototypical inheritance</a:t>
             </a:r>
           </a:p>
           <a:p>
@@ -6110,7 +9327,27 @@
             </a:r>
             <a:r>
               <a:rPr lang="en-US" sz="2800" dirty="0" smtClean="0"/>
-              <a:t>SPAs everywhere!</a:t>
+              <a:t>First class functions</a:t>
+            </a:r>
+          </a:p>
+          <a:p>
+            <a:r>
+              <a:rPr lang="en-US" sz="2800" dirty="0"/>
+              <a:t> </a:t>
+            </a:r>
+            <a:r>
+              <a:rPr lang="en-US" sz="2800" dirty="0" smtClean="0"/>
+              <a:t>Closures</a:t>
+            </a:r>
+          </a:p>
+          <a:p>
+            <a:r>
+              <a:rPr lang="en-US" sz="2800" dirty="0"/>
+              <a:t> </a:t>
+            </a:r>
+            <a:r>
+              <a:rPr lang="en-US" sz="2800" dirty="0" smtClean="0"/>
+              <a:t>Concurrency via event loop.</a:t>
             </a:r>
           </a:p>
         </p:txBody>
@@ -6118,7 +9355,7 @@
     </p:spTree>
     <p:extLst>
       <p:ext uri="{BB962C8B-B14F-4D97-AF65-F5344CB8AC3E}">
-        <p14:creationId xmlns:p14="http://schemas.microsoft.com/office/powerpoint/2010/main" val="1034075102"/>
+        <p14:creationId xmlns:p14="http://schemas.microsoft.com/office/powerpoint/2010/main" val="2696940548"/>
       </p:ext>
     </p:extLst>
   </p:cSld>
@@ -6174,7 +9411,7 @@
           <a:p>
             <a:r>
               <a:rPr lang="en-US" dirty="0" smtClean="0"/>
-              <a:t>JS: The Language</a:t>
+              <a:t>Node</a:t>
             </a:r>
             <a:endParaRPr lang="en-US" dirty="0"/>
           </a:p>
@@ -6206,13 +9443,13 @@
             </a:r>
             <a:r>
               <a:rPr lang="en-US" sz="2800" dirty="0" smtClean="0"/>
-              <a:t>Different than most popular languages</a:t>
+              <a:t>Node: JS platform built on V8</a:t>
             </a:r>
           </a:p>
           <a:p>
             <a:r>
               <a:rPr lang="en-US" sz="2800" dirty="0" smtClean="0"/>
-              <a:t> Dynamically-typed, interpreted</a:t>
+              <a:t> Created by Ryan Dahl (2009)</a:t>
             </a:r>
           </a:p>
           <a:p>
@@ -6222,45 +9459,28 @@
             </a:r>
             <a:r>
               <a:rPr lang="en-US" sz="2800" dirty="0" smtClean="0"/>
-              <a:t>Prototypical inheritance</a:t>
-            </a:r>
-          </a:p>
-          <a:p>
-            <a:r>
-              <a:rPr lang="en-US" sz="2800" dirty="0"/>
-              <a:t> </a:t>
+              <a:t>“</a:t>
+            </a:r>
+            <a:r>
+              <a:rPr lang="en-US" sz="2800" dirty="0" err="1" smtClean="0"/>
+              <a:t>Javascript</a:t>
             </a:r>
             <a:r>
               <a:rPr lang="en-US" sz="2800" dirty="0" smtClean="0"/>
-              <a:t>First class functions</a:t>
-            </a:r>
-          </a:p>
-          <a:p>
-            <a:r>
-              <a:rPr lang="en-US" sz="2800" dirty="0"/>
-              <a:t> </a:t>
+              <a:t> on the server</a:t>
             </a:r>
             <a:r>
               <a:rPr lang="en-US" sz="2800" dirty="0" smtClean="0"/>
-              <a:t>Closures</a:t>
-            </a:r>
-          </a:p>
-          <a:p>
-            <a:r>
-              <a:rPr lang="en-US" sz="2800" dirty="0"/>
-              <a:t> </a:t>
-            </a:r>
-            <a:r>
-              <a:rPr lang="en-US" sz="2800" dirty="0" smtClean="0"/>
-              <a:t>Asynchronous workflows via event loop.</a:t>
-            </a:r>
+              <a:t>”</a:t>
+            </a:r>
+            <a:endParaRPr lang="en-US" sz="2800" dirty="0" smtClean="0"/>
           </a:p>
         </p:txBody>
       </p:sp>
     </p:spTree>
     <p:extLst>
       <p:ext uri="{BB962C8B-B14F-4D97-AF65-F5344CB8AC3E}">
-        <p14:creationId xmlns:p14="http://schemas.microsoft.com/office/powerpoint/2010/main" val="2696940548"/>
+        <p14:creationId xmlns:p14="http://schemas.microsoft.com/office/powerpoint/2010/main" val="2559346286"/>
       </p:ext>
     </p:extLst>
   </p:cSld>
@@ -6316,7 +9536,7 @@
           <a:p>
             <a:r>
               <a:rPr lang="en-US" dirty="0" smtClean="0"/>
-              <a:t>Node and NPM</a:t>
+              <a:t>NPM</a:t>
             </a:r>
             <a:endParaRPr lang="en-US" dirty="0"/>
           </a:p>
@@ -6347,81 +9567,35 @@
               <a:t> </a:t>
             </a:r>
             <a:r>
-              <a:rPr lang="en-US" sz="2800" dirty="0" smtClean="0"/>
-              <a:t>Node: JS platform built on V8</a:t>
-            </a:r>
-          </a:p>
-          <a:p>
-            <a:r>
-              <a:rPr lang="en-US" sz="2800" dirty="0" smtClean="0"/>
-              <a:t> Created by Ryan Dahl (2009)</a:t>
-            </a:r>
-          </a:p>
-          <a:p>
-            <a:r>
               <a:rPr lang="en-US" sz="2800" dirty="0"/>
-              <a:t> </a:t>
-            </a:r>
-            <a:r>
-              <a:rPr lang="en-US" sz="2800" dirty="0" smtClean="0"/>
-              <a:t>“</a:t>
-            </a:r>
-            <a:r>
-              <a:rPr lang="en-US" sz="2800" dirty="0" err="1" smtClean="0"/>
-              <a:t>Javascript</a:t>
-            </a:r>
-            <a:r>
-              <a:rPr lang="en-US" sz="2800" dirty="0" smtClean="0"/>
-              <a:t> on the server”</a:t>
+              <a:t> NPM: Node Package Manager</a:t>
+            </a:r>
+          </a:p>
+          <a:p>
+            <a:pPr lvl="1"/>
+            <a:r>
+              <a:rPr lang="en-US" sz="2200" dirty="0"/>
+              <a:t> Create custom modules</a:t>
+            </a:r>
+          </a:p>
+          <a:p>
+            <a:pPr lvl="1"/>
+            <a:r>
+              <a:rPr lang="en-US" sz="2200" dirty="0"/>
+              <a:t> Publish custom modules</a:t>
+            </a:r>
+          </a:p>
+          <a:p>
+            <a:pPr lvl="1"/>
+            <a:r>
+              <a:rPr lang="en-US" sz="2200" dirty="0"/>
+              <a:t> Manage third party dependencies</a:t>
             </a:r>
           </a:p>
           <a:p>
             <a:r>
               <a:rPr lang="en-US" sz="2800" dirty="0"/>
-              <a:t> </a:t>
-            </a:r>
-            <a:r>
-              <a:rPr lang="en-US" sz="2800" dirty="0" smtClean="0"/>
-              <a:t>NPM: Node Package Manager</a:t>
-            </a:r>
-          </a:p>
-          <a:p>
-            <a:pPr lvl="1"/>
-            <a:r>
-              <a:rPr lang="en-US" sz="2200" dirty="0" smtClean="0"/>
-              <a:t> Create custom modules</a:t>
-            </a:r>
-          </a:p>
-          <a:p>
-            <a:pPr lvl="1"/>
-            <a:r>
-              <a:rPr lang="en-US" sz="2200" dirty="0"/>
-              <a:t> </a:t>
-            </a:r>
-            <a:r>
-              <a:rPr lang="en-US" sz="2200" dirty="0" smtClean="0"/>
-              <a:t>Publish custom modules</a:t>
-            </a:r>
-          </a:p>
-          <a:p>
-            <a:pPr lvl="1"/>
-            <a:r>
-              <a:rPr lang="en-US" sz="2200" dirty="0"/>
-              <a:t> </a:t>
-            </a:r>
-            <a:r>
-              <a:rPr lang="en-US" sz="2200" dirty="0" smtClean="0"/>
-              <a:t>Manage third party dependencies</a:t>
-            </a:r>
-          </a:p>
-          <a:p>
-            <a:r>
-              <a:rPr lang="en-US" sz="2800" dirty="0"/>
-              <a:t> </a:t>
-            </a:r>
-            <a:r>
-              <a:rPr lang="en-US" sz="2800" dirty="0" smtClean="0"/>
-              <a:t>Ruby’s Bundler for Node</a:t>
+              <a:t> Ruby’s Bundler for Node</a:t>
             </a:r>
           </a:p>
         </p:txBody>
@@ -6429,7 +9603,7 @@
     </p:spTree>
     <p:extLst>
       <p:ext uri="{BB962C8B-B14F-4D97-AF65-F5344CB8AC3E}">
-        <p14:creationId xmlns:p14="http://schemas.microsoft.com/office/powerpoint/2010/main" val="2559346286"/>
+        <p14:creationId xmlns:p14="http://schemas.microsoft.com/office/powerpoint/2010/main" val="2987087734"/>
       </p:ext>
     </p:extLst>
   </p:cSld>

--- a/it.pptx
+++ b/it.pptx
@@ -5,39 +5,43 @@
     <p:sldMasterId id="2147483663" r:id="rId1"/>
   </p:sldMasterIdLst>
   <p:notesMasterIdLst>
-    <p:notesMasterId r:id="rId32"/>
+    <p:notesMasterId r:id="rId36"/>
   </p:notesMasterIdLst>
   <p:sldIdLst>
     <p:sldId id="363" r:id="rId2"/>
     <p:sldId id="364" r:id="rId3"/>
     <p:sldId id="366" r:id="rId4"/>
     <p:sldId id="368" r:id="rId5"/>
-    <p:sldId id="369" r:id="rId6"/>
-    <p:sldId id="370" r:id="rId7"/>
-    <p:sldId id="371" r:id="rId8"/>
-    <p:sldId id="372" r:id="rId9"/>
-    <p:sldId id="384" r:id="rId10"/>
-    <p:sldId id="374" r:id="rId11"/>
-    <p:sldId id="375" r:id="rId12"/>
-    <p:sldId id="376" r:id="rId13"/>
-    <p:sldId id="377" r:id="rId14"/>
-    <p:sldId id="379" r:id="rId15"/>
-    <p:sldId id="373" r:id="rId16"/>
-    <p:sldId id="380" r:id="rId17"/>
-    <p:sldId id="381" r:id="rId18"/>
-    <p:sldId id="382" r:id="rId19"/>
-    <p:sldId id="383" r:id="rId20"/>
-    <p:sldId id="386" r:id="rId21"/>
-    <p:sldId id="385" r:id="rId22"/>
-    <p:sldId id="387" r:id="rId23"/>
-    <p:sldId id="391" r:id="rId24"/>
-    <p:sldId id="392" r:id="rId25"/>
-    <p:sldId id="388" r:id="rId26"/>
-    <p:sldId id="389" r:id="rId27"/>
-    <p:sldId id="393" r:id="rId28"/>
-    <p:sldId id="394" r:id="rId29"/>
-    <p:sldId id="390" r:id="rId30"/>
-    <p:sldId id="367" r:id="rId31"/>
+    <p:sldId id="370" r:id="rId6"/>
+    <p:sldId id="371" r:id="rId7"/>
+    <p:sldId id="372" r:id="rId8"/>
+    <p:sldId id="384" r:id="rId9"/>
+    <p:sldId id="374" r:id="rId10"/>
+    <p:sldId id="375" r:id="rId11"/>
+    <p:sldId id="376" r:id="rId12"/>
+    <p:sldId id="377" r:id="rId13"/>
+    <p:sldId id="379" r:id="rId14"/>
+    <p:sldId id="373" r:id="rId15"/>
+    <p:sldId id="380" r:id="rId16"/>
+    <p:sldId id="381" r:id="rId17"/>
+    <p:sldId id="382" r:id="rId18"/>
+    <p:sldId id="383" r:id="rId19"/>
+    <p:sldId id="386" r:id="rId20"/>
+    <p:sldId id="385" r:id="rId21"/>
+    <p:sldId id="387" r:id="rId22"/>
+    <p:sldId id="391" r:id="rId23"/>
+    <p:sldId id="392" r:id="rId24"/>
+    <p:sldId id="388" r:id="rId25"/>
+    <p:sldId id="389" r:id="rId26"/>
+    <p:sldId id="393" r:id="rId27"/>
+    <p:sldId id="394" r:id="rId28"/>
+    <p:sldId id="390" r:id="rId29"/>
+    <p:sldId id="395" r:id="rId30"/>
+    <p:sldId id="396" r:id="rId31"/>
+    <p:sldId id="397" r:id="rId32"/>
+    <p:sldId id="399" r:id="rId33"/>
+    <p:sldId id="398" r:id="rId34"/>
+    <p:sldId id="367" r:id="rId35"/>
   </p:sldIdLst>
   <p:sldSz cx="9144000" cy="6858000" type="screen4x3"/>
   <p:notesSz cx="6858000" cy="9144000"/>
@@ -683,7 +687,19 @@
             </a:r>
             <a:r>
               <a:rPr lang="en-US" baseline="0" dirty="0" smtClean="0"/>
-              <a:t> benefits: It comes down to the same principle that you application code. There is lower overhead in understanding the code is doing because you don’t have to be concerned about learning (or relearning) another style or organization pattern.</a:t>
+              <a:t> benefits: It comes down to the same principle that you application code. There is lower overhead in understanding the code </a:t>
+            </a:r>
+            <a:r>
+              <a:rPr lang="en-US" baseline="0" smtClean="0"/>
+              <a:t>is doing </a:t>
+            </a:r>
+            <a:r>
+              <a:rPr lang="en-US" baseline="0" dirty="0" smtClean="0"/>
+              <a:t>because you don’t have to be concerned about learning (or relearning) another style or </a:t>
+            </a:r>
+            <a:r>
+              <a:rPr lang="en-US" baseline="0" smtClean="0"/>
+              <a:t>organization pattern.</a:t>
             </a:r>
             <a:endParaRPr lang="en-US" dirty="0"/>
           </a:p>
@@ -751,26 +767,6 @@
           <a:bodyPr/>
           <a:lstStyle/>
           <a:p>
-            <a:r>
-              <a:rPr lang="en-US" dirty="0" smtClean="0"/>
-              <a:t>Increased</a:t>
-            </a:r>
-            <a:r>
-              <a:rPr lang="en-US" baseline="0" dirty="0" smtClean="0"/>
-              <a:t> benefits: It comes down to the same principle that you application code. There is lower overhead in understanding the code </a:t>
-            </a:r>
-            <a:r>
-              <a:rPr lang="en-US" baseline="0" smtClean="0"/>
-              <a:t>is doing </a:t>
-            </a:r>
-            <a:r>
-              <a:rPr lang="en-US" baseline="0" dirty="0" smtClean="0"/>
-              <a:t>because you don’t have to be concerned about learning (or relearning) another style or </a:t>
-            </a:r>
-            <a:r>
-              <a:rPr lang="en-US" baseline="0" smtClean="0"/>
-              <a:t>organization pattern.</a:t>
-            </a:r>
             <a:endParaRPr lang="en-US" dirty="0"/>
           </a:p>
         </p:txBody>
@@ -1367,27 +1363,27 @@
           <a:p>
             <a:r>
               <a:rPr lang="en-US" dirty="0" smtClean="0"/>
-              <a:t>After</a:t>
+              <a:t>Through</a:t>
             </a:r>
             <a:r>
               <a:rPr lang="en-US" baseline="0" dirty="0" smtClean="0"/>
-              <a:t> JS release there was a desire to standardize the language for other browser. This was encouraged in some parts by Microsoft and Jscript. </a:t>
-            </a:r>
-            <a:r>
-              <a:rPr lang="en-US" dirty="0" smtClean="0"/>
-              <a:t>ES3 is</a:t>
+              <a:t> the </a:t>
+            </a:r>
+            <a:r>
+              <a:rPr lang="en-US" baseline="0" dirty="0" err="1" smtClean="0"/>
+              <a:t>XMLHttpRequest</a:t>
             </a:r>
             <a:r>
               <a:rPr lang="en-US" baseline="0" dirty="0" smtClean="0"/>
-              <a:t> the baseline for our modern </a:t>
+              <a:t> object </a:t>
             </a:r>
             <a:r>
               <a:rPr lang="en-US" baseline="0" dirty="0" err="1" smtClean="0"/>
-              <a:t>Javascript</a:t>
+              <a:t>javascript</a:t>
             </a:r>
             <a:r>
               <a:rPr lang="en-US" baseline="0" dirty="0" smtClean="0"/>
-              <a:t>.</a:t>
+              <a:t> running in the browser could, essentially behind the scenes, make request and get responses from the back end server. Without the need of making a request for the full page and having to reload everything in order to make small incremental changes.</a:t>
             </a:r>
           </a:p>
           <a:p>
@@ -1395,20 +1391,8 @@
           </a:p>
           <a:p>
             <a:r>
-              <a:rPr lang="en-US" dirty="0" smtClean="0"/>
-              <a:t>https://</a:t>
-            </a:r>
-            <a:r>
-              <a:rPr lang="en-US" dirty="0" err="1" smtClean="0"/>
-              <a:t>courses.cs.washington.edu</a:t>
-            </a:r>
-            <a:r>
-              <a:rPr lang="en-US" dirty="0" smtClean="0"/>
-              <a:t>/courses/cse490h/07sp/readings/</a:t>
-            </a:r>
-            <a:r>
-              <a:rPr lang="en-US" smtClean="0"/>
-              <a:t>ajax_adaptive_path.pdf</a:t>
+              <a:rPr lang="en-US" baseline="0" dirty="0" smtClean="0"/>
+              <a:t>“Enlightening” because of this fast paced ecosystem we live we are able to quickly apply different patterns to a wide variety of solutions. The number of combinations between these variables is allowing us to see what works and what will not work.</a:t>
             </a:r>
             <a:endParaRPr lang="en-US" dirty="0"/>
           </a:p>
@@ -1889,6 +1873,204 @@
 </p:notes>
 </file>
 
+<file path=ppt/notesSlides/notesSlide27.xml><?xml version="1.0" encoding="utf-8"?>
+<p:notes xmlns:a="http://schemas.openxmlformats.org/drawingml/2006/main" xmlns:r="http://schemas.openxmlformats.org/officeDocument/2006/relationships" xmlns:p="http://schemas.openxmlformats.org/presentationml/2006/main">
+  <p:cSld>
+    <p:spTree>
+      <p:nvGrpSpPr>
+        <p:cNvPr id="1" name=""/>
+        <p:cNvGrpSpPr/>
+        <p:nvPr/>
+      </p:nvGrpSpPr>
+      <p:grpSpPr>
+        <a:xfrm>
+          <a:off x="0" y="0"/>
+          <a:ext cx="0" cy="0"/>
+          <a:chOff x="0" y="0"/>
+          <a:chExt cx="0" cy="0"/>
+        </a:xfrm>
+      </p:grpSpPr>
+      <p:sp>
+        <p:nvSpPr>
+          <p:cNvPr id="2" name="Slide Image Placeholder 1"/>
+          <p:cNvSpPr>
+            <a:spLocks noGrp="1" noRot="1" noChangeAspect="1"/>
+          </p:cNvSpPr>
+          <p:nvPr>
+            <p:ph type="sldImg"/>
+          </p:nvPr>
+        </p:nvSpPr>
+        <p:spPr>
+          <a:xfrm>
+            <a:off x="1143000" y="685800"/>
+            <a:ext cx="4572000" cy="3429000"/>
+          </a:xfrm>
+        </p:spPr>
+      </p:sp>
+      <p:sp>
+        <p:nvSpPr>
+          <p:cNvPr id="3" name="Notes Placeholder 2"/>
+          <p:cNvSpPr>
+            <a:spLocks noGrp="1"/>
+          </p:cNvSpPr>
+          <p:nvPr>
+            <p:ph type="body" idx="1"/>
+          </p:nvPr>
+        </p:nvSpPr>
+        <p:spPr/>
+        <p:txBody>
+          <a:bodyPr/>
+          <a:lstStyle/>
+          <a:p>
+            <a:endParaRPr lang="en-US" dirty="0"/>
+          </a:p>
+        </p:txBody>
+      </p:sp>
+    </p:spTree>
+    <p:extLst>
+      <p:ext uri="{BB962C8B-B14F-4D97-AF65-F5344CB8AC3E}">
+        <p14:creationId xmlns:p14="http://schemas.microsoft.com/office/powerpoint/2010/main" val="2483061746"/>
+      </p:ext>
+    </p:extLst>
+  </p:cSld>
+  <p:clrMapOvr>
+    <a:masterClrMapping/>
+  </p:clrMapOvr>
+</p:notes>
+</file>
+
+<file path=ppt/notesSlides/notesSlide28.xml><?xml version="1.0" encoding="utf-8"?>
+<p:notes xmlns:a="http://schemas.openxmlformats.org/drawingml/2006/main" xmlns:r="http://schemas.openxmlformats.org/officeDocument/2006/relationships" xmlns:p="http://schemas.openxmlformats.org/presentationml/2006/main">
+  <p:cSld>
+    <p:spTree>
+      <p:nvGrpSpPr>
+        <p:cNvPr id="1" name=""/>
+        <p:cNvGrpSpPr/>
+        <p:nvPr/>
+      </p:nvGrpSpPr>
+      <p:grpSpPr>
+        <a:xfrm>
+          <a:off x="0" y="0"/>
+          <a:ext cx="0" cy="0"/>
+          <a:chOff x="0" y="0"/>
+          <a:chExt cx="0" cy="0"/>
+        </a:xfrm>
+      </p:grpSpPr>
+      <p:sp>
+        <p:nvSpPr>
+          <p:cNvPr id="2" name="Slide Image Placeholder 1"/>
+          <p:cNvSpPr>
+            <a:spLocks noGrp="1" noRot="1" noChangeAspect="1"/>
+          </p:cNvSpPr>
+          <p:nvPr>
+            <p:ph type="sldImg"/>
+          </p:nvPr>
+        </p:nvSpPr>
+        <p:spPr>
+          <a:xfrm>
+            <a:off x="1143000" y="685800"/>
+            <a:ext cx="4572000" cy="3429000"/>
+          </a:xfrm>
+        </p:spPr>
+      </p:sp>
+      <p:sp>
+        <p:nvSpPr>
+          <p:cNvPr id="3" name="Notes Placeholder 2"/>
+          <p:cNvSpPr>
+            <a:spLocks noGrp="1"/>
+          </p:cNvSpPr>
+          <p:nvPr>
+            <p:ph type="body" idx="1"/>
+          </p:nvPr>
+        </p:nvSpPr>
+        <p:spPr/>
+        <p:txBody>
+          <a:bodyPr/>
+          <a:lstStyle/>
+          <a:p>
+            <a:endParaRPr lang="en-US" dirty="0"/>
+          </a:p>
+        </p:txBody>
+      </p:sp>
+    </p:spTree>
+    <p:extLst>
+      <p:ext uri="{BB962C8B-B14F-4D97-AF65-F5344CB8AC3E}">
+        <p14:creationId xmlns:p14="http://schemas.microsoft.com/office/powerpoint/2010/main" val="2483061746"/>
+      </p:ext>
+    </p:extLst>
+  </p:cSld>
+  <p:clrMapOvr>
+    <a:masterClrMapping/>
+  </p:clrMapOvr>
+</p:notes>
+</file>
+
+<file path=ppt/notesSlides/notesSlide29.xml><?xml version="1.0" encoding="utf-8"?>
+<p:notes xmlns:a="http://schemas.openxmlformats.org/drawingml/2006/main" xmlns:r="http://schemas.openxmlformats.org/officeDocument/2006/relationships" xmlns:p="http://schemas.openxmlformats.org/presentationml/2006/main">
+  <p:cSld>
+    <p:spTree>
+      <p:nvGrpSpPr>
+        <p:cNvPr id="1" name=""/>
+        <p:cNvGrpSpPr/>
+        <p:nvPr/>
+      </p:nvGrpSpPr>
+      <p:grpSpPr>
+        <a:xfrm>
+          <a:off x="0" y="0"/>
+          <a:ext cx="0" cy="0"/>
+          <a:chOff x="0" y="0"/>
+          <a:chExt cx="0" cy="0"/>
+        </a:xfrm>
+      </p:grpSpPr>
+      <p:sp>
+        <p:nvSpPr>
+          <p:cNvPr id="2" name="Slide Image Placeholder 1"/>
+          <p:cNvSpPr>
+            <a:spLocks noGrp="1" noRot="1" noChangeAspect="1"/>
+          </p:cNvSpPr>
+          <p:nvPr>
+            <p:ph type="sldImg"/>
+          </p:nvPr>
+        </p:nvSpPr>
+        <p:spPr>
+          <a:xfrm>
+            <a:off x="1143000" y="685800"/>
+            <a:ext cx="4572000" cy="3429000"/>
+          </a:xfrm>
+        </p:spPr>
+      </p:sp>
+      <p:sp>
+        <p:nvSpPr>
+          <p:cNvPr id="3" name="Notes Placeholder 2"/>
+          <p:cNvSpPr>
+            <a:spLocks noGrp="1"/>
+          </p:cNvSpPr>
+          <p:nvPr>
+            <p:ph type="body" idx="1"/>
+          </p:nvPr>
+        </p:nvSpPr>
+        <p:spPr/>
+        <p:txBody>
+          <a:bodyPr/>
+          <a:lstStyle/>
+          <a:p>
+            <a:endParaRPr lang="en-US" dirty="0"/>
+          </a:p>
+        </p:txBody>
+      </p:sp>
+    </p:spTree>
+    <p:extLst>
+      <p:ext uri="{BB962C8B-B14F-4D97-AF65-F5344CB8AC3E}">
+        <p14:creationId xmlns:p14="http://schemas.microsoft.com/office/powerpoint/2010/main" val="2483061746"/>
+      </p:ext>
+    </p:extLst>
+  </p:cSld>
+  <p:clrMapOvr>
+    <a:masterClrMapping/>
+  </p:clrMapOvr>
+</p:notes>
+</file>
+
 <file path=ppt/notesSlides/notesSlide3.xml><?xml version="1.0" encoding="utf-8"?>
 <p:notes xmlns:a="http://schemas.openxmlformats.org/drawingml/2006/main" xmlns:r="http://schemas.openxmlformats.org/officeDocument/2006/relationships" xmlns:p="http://schemas.openxmlformats.org/presentationml/2006/main">
   <p:cSld>
@@ -1940,37 +2122,78 @@
           <a:p>
             <a:r>
               <a:rPr lang="en-US" dirty="0" smtClean="0"/>
-              <a:t>Through</a:t>
+              <a:t>Other server</a:t>
             </a:r>
             <a:r>
               <a:rPr lang="en-US" baseline="0" dirty="0" smtClean="0"/>
-              <a:t> the </a:t>
-            </a:r>
-            <a:r>
-              <a:rPr lang="en-US" baseline="0" dirty="0" err="1" smtClean="0"/>
-              <a:t>XMLHttpRequest</a:t>
-            </a:r>
-            <a:r>
-              <a:rPr lang="en-US" baseline="0" dirty="0" smtClean="0"/>
-              <a:t> object </a:t>
-            </a:r>
-            <a:r>
-              <a:rPr lang="en-US" baseline="0" dirty="0" err="1" smtClean="0"/>
-              <a:t>javascript</a:t>
-            </a:r>
-            <a:r>
-              <a:rPr lang="en-US" baseline="0" dirty="0" smtClean="0"/>
-              <a:t> running in the browser could, essentially behind the scenes, make request and get responses from the back end server. Without the need of making a request for the full page and having to reload everything in order to make small incremental changes.</a:t>
-            </a:r>
-          </a:p>
-          <a:p>
-            <a:endParaRPr lang="en-US" baseline="0" dirty="0" smtClean="0"/>
-          </a:p>
-          <a:p>
-            <a:r>
-              <a:rPr lang="en-US" baseline="0" dirty="0" smtClean="0"/>
-              <a:t>“Enlightening” because of this fast paced ecosystem we live we are able to quickly apply different patterns to a wide variety of solutions. The number of combinations between these variables is allowing us to see what works and what will not work.</a:t>
-            </a:r>
+              <a:t>-side JS solutions did exist before (Rhino) but they were written in Java and the JVM</a:t>
+            </a:r>
+            <a:endParaRPr lang="en-US" dirty="0"/>
+          </a:p>
+        </p:txBody>
+      </p:sp>
+    </p:spTree>
+    <p:extLst>
+      <p:ext uri="{BB962C8B-B14F-4D97-AF65-F5344CB8AC3E}">
+        <p14:creationId xmlns:p14="http://schemas.microsoft.com/office/powerpoint/2010/main" val="2483061746"/>
+      </p:ext>
+    </p:extLst>
+  </p:cSld>
+  <p:clrMapOvr>
+    <a:masterClrMapping/>
+  </p:clrMapOvr>
+</p:notes>
+</file>
+
+<file path=ppt/notesSlides/notesSlide30.xml><?xml version="1.0" encoding="utf-8"?>
+<p:notes xmlns:a="http://schemas.openxmlformats.org/drawingml/2006/main" xmlns:r="http://schemas.openxmlformats.org/officeDocument/2006/relationships" xmlns:p="http://schemas.openxmlformats.org/presentationml/2006/main">
+  <p:cSld>
+    <p:spTree>
+      <p:nvGrpSpPr>
+        <p:cNvPr id="1" name=""/>
+        <p:cNvGrpSpPr/>
+        <p:nvPr/>
+      </p:nvGrpSpPr>
+      <p:grpSpPr>
+        <a:xfrm>
+          <a:off x="0" y="0"/>
+          <a:ext cx="0" cy="0"/>
+          <a:chOff x="0" y="0"/>
+          <a:chExt cx="0" cy="0"/>
+        </a:xfrm>
+      </p:grpSpPr>
+      <p:sp>
+        <p:nvSpPr>
+          <p:cNvPr id="2" name="Slide Image Placeholder 1"/>
+          <p:cNvSpPr>
+            <a:spLocks noGrp="1" noRot="1" noChangeAspect="1"/>
+          </p:cNvSpPr>
+          <p:nvPr>
+            <p:ph type="sldImg"/>
+          </p:nvPr>
+        </p:nvSpPr>
+        <p:spPr>
+          <a:xfrm>
+            <a:off x="1143000" y="685800"/>
+            <a:ext cx="4572000" cy="3429000"/>
+          </a:xfrm>
+        </p:spPr>
+      </p:sp>
+      <p:sp>
+        <p:nvSpPr>
+          <p:cNvPr id="3" name="Notes Placeholder 2"/>
+          <p:cNvSpPr>
+            <a:spLocks noGrp="1"/>
+          </p:cNvSpPr>
+          <p:nvPr>
+            <p:ph type="body" idx="1"/>
+          </p:nvPr>
+        </p:nvSpPr>
+        <p:spPr/>
+        <p:txBody>
+          <a:bodyPr/>
+          <a:lstStyle/>
+          <a:p>
             <a:endParaRPr lang="en-US" dirty="0"/>
           </a:p>
         </p:txBody>
@@ -2042,8 +2265,8 @@
               <a:t>Other server</a:t>
             </a:r>
             <a:r>
-              <a:rPr lang="en-US" baseline="0" dirty="0" smtClean="0"/>
-              <a:t>-side JS solutions did exist before (Rhino) but they were written in Java and the JVM</a:t>
+              <a:rPr lang="en-US" baseline="0" smtClean="0"/>
+              <a:t>-side JS</a:t>
             </a:r>
             <a:endParaRPr lang="en-US" dirty="0"/>
           </a:p>
@@ -2187,11 +2410,11 @@
           <a:p>
             <a:r>
               <a:rPr lang="en-US" dirty="0" smtClean="0"/>
-              <a:t>Other server</a:t>
-            </a:r>
-            <a:r>
-              <a:rPr lang="en-US" baseline="0" smtClean="0"/>
-              <a:t>-side JS</a:t>
+              <a:t>Talk about</a:t>
+            </a:r>
+            <a:r>
+              <a:rPr lang="en-US" baseline="0" dirty="0" smtClean="0"/>
+              <a:t> how Bower will likely fall away as people move to NPM as the package manager of the front end modules as well.</a:t>
             </a:r>
             <a:endParaRPr lang="en-US" dirty="0"/>
           </a:p>
@@ -2261,12 +2484,73 @@
           <a:p>
             <a:r>
               <a:rPr lang="en-US" dirty="0" smtClean="0"/>
-              <a:t>Talk about</a:t>
+              <a:t>In node and ES6</a:t>
             </a:r>
             <a:r>
               <a:rPr lang="en-US" baseline="0" dirty="0" smtClean="0"/>
-              <a:t> how Bower will likely fall away as people move to NPM as the package manager of the front end modules as well.</a:t>
-            </a:r>
+              <a:t> it is possible to make entire immutable objects or specific immutable object properties.</a:t>
+            </a:r>
+          </a:p>
+          <a:p>
+            <a:endParaRPr lang="en-US" baseline="0" dirty="0" smtClean="0"/>
+          </a:p>
+          <a:p>
+            <a:r>
+              <a:rPr lang="en-US" baseline="0" dirty="0" smtClean="0"/>
+              <a:t>Many approaches: function declaration order, anonymous or inline function, function signatures, </a:t>
+            </a:r>
+            <a:r>
+              <a:rPr lang="en-US" baseline="0" dirty="0" err="1" smtClean="0"/>
+              <a:t>var</a:t>
+            </a:r>
+            <a:r>
+              <a:rPr lang="en-US" baseline="0" dirty="0" smtClean="0"/>
+              <a:t> declaration</a:t>
+            </a:r>
+          </a:p>
+          <a:p>
+            <a:endParaRPr lang="en-US" baseline="0" dirty="0" smtClean="0"/>
+          </a:p>
+          <a:p>
+            <a:r>
+              <a:rPr lang="en-US" baseline="0" dirty="0" smtClean="0"/>
+              <a:t>Problems: accidental shadowing of outer variables, accidently declaring </a:t>
+            </a:r>
+            <a:r>
+              <a:rPr lang="en-US" baseline="0" dirty="0" err="1" smtClean="0"/>
+              <a:t>vars</a:t>
+            </a:r>
+            <a:r>
+              <a:rPr lang="en-US" baseline="0" dirty="0" smtClean="0"/>
+              <a:t> in global scope, deeply nested function and wide scopes are hard to reason about and just ugly to look at</a:t>
+            </a:r>
+          </a:p>
+          <a:p>
+            <a:endParaRPr lang="en-US" baseline="0" dirty="0" smtClean="0"/>
+          </a:p>
+          <a:p>
+            <a:r>
+              <a:rPr lang="en-US" baseline="0" dirty="0" smtClean="0"/>
+              <a:t>Callbacks for a sync management is fine for simple tasks. But once your </a:t>
+            </a:r>
+            <a:r>
+              <a:rPr lang="en-US" baseline="0" dirty="0" err="1" smtClean="0"/>
+              <a:t>async</a:t>
+            </a:r>
+            <a:r>
+              <a:rPr lang="en-US" baseline="0" dirty="0" smtClean="0"/>
+              <a:t> workflow reaches any sort of complexity then the pattern becomes almost impossible to map from one to the other. This can be solved with Promises (which we will discuss soon), generators and the </a:t>
+            </a:r>
+            <a:r>
+              <a:rPr lang="en-US" baseline="0" dirty="0" err="1" smtClean="0"/>
+              <a:t>async</a:t>
+            </a:r>
+            <a:r>
+              <a:rPr lang="en-US" baseline="0" dirty="0" smtClean="0"/>
+              <a:t> keywords.</a:t>
+            </a:r>
+          </a:p>
+          <a:p>
             <a:endParaRPr lang="en-US" dirty="0"/>
           </a:p>
         </p:txBody>
@@ -2333,75 +2617,6 @@
           <a:bodyPr/>
           <a:lstStyle/>
           <a:p>
-            <a:r>
-              <a:rPr lang="en-US" dirty="0" smtClean="0"/>
-              <a:t>In node and ES6</a:t>
-            </a:r>
-            <a:r>
-              <a:rPr lang="en-US" baseline="0" dirty="0" smtClean="0"/>
-              <a:t> it is possible to make entire immutable objects or specific immutable object properties.</a:t>
-            </a:r>
-          </a:p>
-          <a:p>
-            <a:endParaRPr lang="en-US" baseline="0" dirty="0" smtClean="0"/>
-          </a:p>
-          <a:p>
-            <a:r>
-              <a:rPr lang="en-US" baseline="0" dirty="0" smtClean="0"/>
-              <a:t>Many approaches: function declaration order, anonymous or inline function, function signatures, </a:t>
-            </a:r>
-            <a:r>
-              <a:rPr lang="en-US" baseline="0" dirty="0" err="1" smtClean="0"/>
-              <a:t>var</a:t>
-            </a:r>
-            <a:r>
-              <a:rPr lang="en-US" baseline="0" dirty="0" smtClean="0"/>
-              <a:t> declaration</a:t>
-            </a:r>
-          </a:p>
-          <a:p>
-            <a:endParaRPr lang="en-US" baseline="0" dirty="0" smtClean="0"/>
-          </a:p>
-          <a:p>
-            <a:r>
-              <a:rPr lang="en-US" baseline="0" dirty="0" smtClean="0"/>
-              <a:t>Problems: accidental shadowing of outer variables, accidently declaring </a:t>
-            </a:r>
-            <a:r>
-              <a:rPr lang="en-US" baseline="0" dirty="0" err="1" smtClean="0"/>
-              <a:t>vars</a:t>
-            </a:r>
-            <a:r>
-              <a:rPr lang="en-US" baseline="0" dirty="0" smtClean="0"/>
-              <a:t> in global scope, deeply nested function and wide scopes are hard to reason about and just ugly to look at</a:t>
-            </a:r>
-          </a:p>
-          <a:p>
-            <a:endParaRPr lang="en-US" baseline="0" dirty="0" smtClean="0"/>
-          </a:p>
-          <a:p>
-            <a:r>
-              <a:rPr lang="en-US" baseline="0" dirty="0" smtClean="0"/>
-              <a:t>Callbacks for a sync management is fine for simple tasks. But once your </a:t>
-            </a:r>
-            <a:r>
-              <a:rPr lang="en-US" baseline="0" dirty="0" err="1" smtClean="0"/>
-              <a:t>async</a:t>
-            </a:r>
-            <a:r>
-              <a:rPr lang="en-US" baseline="0" dirty="0" smtClean="0"/>
-              <a:t> workflow reaches any sort of complexity then the pattern becomes almost impossible to map from one to the other. This can be solved with Promises (which we will discuss soon), generators and the </a:t>
-            </a:r>
-            <a:r>
-              <a:rPr lang="en-US" baseline="0" dirty="0" err="1" smtClean="0"/>
-              <a:t>async</a:t>
-            </a:r>
-            <a:r>
-              <a:rPr lang="en-US" baseline="0" dirty="0" smtClean="0"/>
-              <a:t> keywords.</a:t>
-            </a:r>
-          </a:p>
-          <a:p>
             <a:endParaRPr lang="en-US" dirty="0"/>
           </a:p>
         </p:txBody>
@@ -2468,6 +2683,14 @@
           <a:bodyPr/>
           <a:lstStyle/>
           <a:p>
+            <a:r>
+              <a:rPr lang="en-US" dirty="0" smtClean="0"/>
+              <a:t>Increased</a:t>
+            </a:r>
+            <a:r>
+              <a:rPr lang="en-US" baseline="0" dirty="0" smtClean="0"/>
+              <a:t> benefits: It comes down to the same principle that you application code. There is lower overhead in understanding the code is doing because you don’t have to be concerned about learning (or relearning) another style or organization pattern.</a:t>
+            </a:r>
             <a:endParaRPr lang="en-US" dirty="0"/>
           </a:p>
         </p:txBody>
@@ -5521,7 +5744,7 @@
           <a:p>
             <a:r>
               <a:rPr lang="en-US" dirty="0" smtClean="0"/>
-              <a:t>Bower</a:t>
+              <a:t>Style Guides: Why?</a:t>
             </a:r>
             <a:endParaRPr lang="en-US" dirty="0"/>
           </a:p>
@@ -5549,7 +5772,79 @@
           <a:p>
             <a:r>
               <a:rPr lang="en-US" sz="2800" dirty="0" smtClean="0"/>
-              <a:t> NPM for the front end</a:t>
+              <a:t> JS is very dynamic</a:t>
+            </a:r>
+            <a:r>
+              <a:rPr lang="en-US" sz="2800" dirty="0"/>
+              <a:t> </a:t>
+            </a:r>
+            <a:r>
+              <a:rPr lang="en-US" sz="2800" dirty="0" smtClean="0"/>
+              <a:t>and flexible</a:t>
+            </a:r>
+          </a:p>
+          <a:p>
+            <a:r>
+              <a:rPr lang="en-US" sz="2800" dirty="0" smtClean="0"/>
+              <a:t> Many styles/approaches to solve a problem</a:t>
+            </a:r>
+          </a:p>
+          <a:p>
+            <a:r>
+              <a:rPr lang="en-US" sz="2800" dirty="0"/>
+              <a:t> </a:t>
+            </a:r>
+            <a:r>
+              <a:rPr lang="en-US" sz="2800" dirty="0" smtClean="0"/>
+              <a:t>Bad style could = problematic code</a:t>
+            </a:r>
+          </a:p>
+          <a:p>
+            <a:r>
+              <a:rPr lang="en-US" sz="2800" dirty="0"/>
+              <a:t> </a:t>
+            </a:r>
+            <a:r>
+              <a:rPr lang="en-US" sz="2800" dirty="0" err="1" smtClean="0"/>
+              <a:t>Async</a:t>
+            </a:r>
+            <a:r>
+              <a:rPr lang="en-US" sz="2800" dirty="0" smtClean="0"/>
+              <a:t> workflow</a:t>
+            </a:r>
+          </a:p>
+          <a:p>
+            <a:pPr lvl="1"/>
+            <a:r>
+              <a:rPr lang="en-US" sz="2200" dirty="0"/>
+              <a:t> </a:t>
+            </a:r>
+            <a:r>
+              <a:rPr lang="en-US" sz="2200" b="1" u="sng" dirty="0" smtClean="0"/>
+              <a:t>can be</a:t>
+            </a:r>
+            <a:r>
+              <a:rPr lang="en-US" sz="2200" b="1" dirty="0" smtClean="0"/>
+              <a:t> </a:t>
+            </a:r>
+            <a:r>
+              <a:rPr lang="en-US" sz="2200" dirty="0" smtClean="0"/>
+              <a:t>very unreasonable</a:t>
+            </a:r>
+          </a:p>
+          <a:p>
+            <a:pPr lvl="1"/>
+            <a:r>
+              <a:rPr lang="en-US" sz="2200" b="1" dirty="0"/>
+              <a:t> </a:t>
+            </a:r>
+            <a:r>
+              <a:rPr lang="en-US" sz="2200" b="1" u="sng" dirty="0" smtClean="0"/>
+              <a:t>can be</a:t>
+            </a:r>
+            <a:r>
+              <a:rPr lang="en-US" sz="2200" dirty="0" smtClean="0"/>
+              <a:t> hard to debug</a:t>
             </a:r>
           </a:p>
         </p:txBody>
@@ -5557,7 +5852,7 @@
     </p:spTree>
     <p:extLst>
       <p:ext uri="{BB962C8B-B14F-4D97-AF65-F5344CB8AC3E}">
-        <p14:creationId xmlns:p14="http://schemas.microsoft.com/office/powerpoint/2010/main" val="4100531521"/>
+        <p14:creationId xmlns:p14="http://schemas.microsoft.com/office/powerpoint/2010/main" val="4002644577"/>
       </p:ext>
     </p:extLst>
   </p:cSld>
@@ -5612,8 +5907,12 @@
           <a:lstStyle/>
           <a:p>
             <a:r>
+              <a:rPr lang="en-US" dirty="0"/>
+              <a:t>Style Guides: </a:t>
+            </a:r>
+            <a:r>
               <a:rPr lang="en-US" dirty="0" smtClean="0"/>
-              <a:t>Style Guides: Why?</a:t>
+              <a:t>What’s the payoff?</a:t>
             </a:r>
             <a:endParaRPr lang="en-US" dirty="0"/>
           </a:p>
@@ -5641,29 +5940,17 @@
           <a:p>
             <a:r>
               <a:rPr lang="en-US" sz="2800" dirty="0" smtClean="0"/>
-              <a:t> JS is very </a:t>
-            </a:r>
-            <a:r>
-              <a:rPr lang="en-US" sz="2800" dirty="0" smtClean="0"/>
-              <a:t>dynamic</a:t>
-            </a:r>
+              <a:t> Consistency</a:t>
+            </a:r>
+          </a:p>
+          <a:p>
             <a:r>
               <a:rPr lang="en-US" sz="2800" dirty="0"/>
               <a:t> </a:t>
             </a:r>
             <a:r>
               <a:rPr lang="en-US" sz="2800" dirty="0" smtClean="0"/>
-              <a:t>and flexible</a:t>
-            </a:r>
-          </a:p>
-          <a:p>
-            <a:r>
-              <a:rPr lang="en-US" sz="2800" dirty="0" smtClean="0"/>
-              <a:t> </a:t>
-            </a:r>
-            <a:r>
-              <a:rPr lang="en-US" sz="2800" dirty="0" smtClean="0"/>
-              <a:t>Many styles/approaches to solve a problem</a:t>
+              <a:t>Simpler code</a:t>
             </a:r>
           </a:p>
           <a:p>
@@ -5673,7 +5960,7 @@
             </a:r>
             <a:r>
               <a:rPr lang="en-US" sz="2800" dirty="0" smtClean="0"/>
-              <a:t>Bad style could = problematic code</a:t>
+              <a:t>Lower mental overhead</a:t>
             </a:r>
           </a:p>
           <a:p>
@@ -5682,54 +5969,17 @@
               <a:t> </a:t>
             </a:r>
             <a:r>
-              <a:rPr lang="en-US" sz="2800" dirty="0" err="1" smtClean="0"/>
-              <a:t>Async</a:t>
-            </a:r>
-            <a:r>
               <a:rPr lang="en-US" sz="2800" dirty="0" smtClean="0"/>
-              <a:t> workflow</a:t>
-            </a:r>
-          </a:p>
-          <a:p>
-            <a:pPr lvl="1"/>
-            <a:r>
-              <a:rPr lang="en-US" sz="2200" dirty="0"/>
-              <a:t> </a:t>
-            </a:r>
-            <a:r>
-              <a:rPr lang="en-US" sz="2200" b="1" u="sng" dirty="0" smtClean="0"/>
-              <a:t>can be</a:t>
-            </a:r>
-            <a:r>
-              <a:rPr lang="en-US" sz="2200" b="1" dirty="0" smtClean="0"/>
-              <a:t> </a:t>
-            </a:r>
-            <a:r>
-              <a:rPr lang="en-US" sz="2200" dirty="0" smtClean="0"/>
-              <a:t>very unreasonable</a:t>
-            </a:r>
-          </a:p>
-          <a:p>
-            <a:pPr lvl="1"/>
-            <a:r>
-              <a:rPr lang="en-US" sz="2200" b="1" dirty="0"/>
-              <a:t> </a:t>
-            </a:r>
-            <a:r>
-              <a:rPr lang="en-US" sz="2200" b="1" u="sng" dirty="0" smtClean="0"/>
-              <a:t>can be</a:t>
-            </a:r>
-            <a:r>
-              <a:rPr lang="en-US" sz="2200" dirty="0" smtClean="0"/>
-              <a:t> hard to debug</a:t>
-            </a:r>
+              <a:t>Easier onboarding</a:t>
+            </a:r>
+            <a:endParaRPr lang="en-US" sz="2200" dirty="0" smtClean="0"/>
           </a:p>
         </p:txBody>
       </p:sp>
     </p:spTree>
     <p:extLst>
       <p:ext uri="{BB962C8B-B14F-4D97-AF65-F5344CB8AC3E}">
-        <p14:creationId xmlns:p14="http://schemas.microsoft.com/office/powerpoint/2010/main" val="4002644577"/>
+        <p14:creationId xmlns:p14="http://schemas.microsoft.com/office/powerpoint/2010/main" val="4003524061"/>
       </p:ext>
     </p:extLst>
   </p:cSld>
@@ -5789,7 +6039,7 @@
             </a:r>
             <a:r>
               <a:rPr lang="en-US" dirty="0" smtClean="0"/>
-              <a:t>What’s the payoff?</a:t>
+              <a:t>Yes, Your Tests Too</a:t>
             </a:r>
             <a:endParaRPr lang="en-US" dirty="0"/>
           </a:p>
@@ -5816,47 +6066,46 @@
           <a:lstStyle/>
           <a:p>
             <a:r>
-              <a:rPr lang="en-US" sz="2800" dirty="0" smtClean="0"/>
-              <a:t> Consistency</a:t>
-            </a:r>
-          </a:p>
-          <a:p>
-            <a:r>
-              <a:rPr lang="en-US" sz="2800" dirty="0"/>
+              <a:rPr lang="en-US" sz="2200" dirty="0" smtClean="0"/>
+              <a:t> Your tests need love too!</a:t>
+            </a:r>
+          </a:p>
+          <a:p>
+            <a:r>
+              <a:rPr lang="en-US" sz="2200" dirty="0" smtClean="0"/>
+              <a:t> Style and organization can increase testing benefits</a:t>
+            </a:r>
+          </a:p>
+          <a:p>
+            <a:r>
+              <a:rPr lang="en-US" sz="2200" dirty="0"/>
               <a:t> </a:t>
             </a:r>
             <a:r>
-              <a:rPr lang="en-US" sz="2800" dirty="0" smtClean="0"/>
-              <a:t>Simpler code</a:t>
-            </a:r>
-          </a:p>
-          <a:p>
-            <a:r>
-              <a:rPr lang="en-US" sz="2800" dirty="0"/>
-              <a:t> </a:t>
-            </a:r>
-            <a:r>
-              <a:rPr lang="en-US" sz="2800" dirty="0" smtClean="0"/>
-              <a:t>Lower mental overhead</a:t>
-            </a:r>
-          </a:p>
-          <a:p>
-            <a:r>
-              <a:rPr lang="en-US" sz="2800" dirty="0"/>
-              <a:t> </a:t>
-            </a:r>
-            <a:r>
-              <a:rPr lang="en-US" sz="2800" dirty="0" smtClean="0"/>
-              <a:t>Easier onboarding</a:t>
-            </a:r>
-            <a:endParaRPr lang="en-US" sz="2200" dirty="0" smtClean="0"/>
+              <a:rPr lang="en-US" sz="2200" dirty="0" smtClean="0"/>
+              <a:t>More on this later:</a:t>
+            </a:r>
+          </a:p>
+          <a:p>
+            <a:pPr lvl="1"/>
+            <a:r>
+              <a:rPr lang="en-US" sz="1600" dirty="0" smtClean="0"/>
+              <a:t> Time to first “it”</a:t>
+            </a:r>
+          </a:p>
+          <a:p>
+            <a:pPr lvl="1"/>
+            <a:r>
+              <a:rPr lang="en-US" sz="1600" dirty="0" smtClean="0"/>
+              <a:t> Assert closer to action under test</a:t>
+            </a:r>
           </a:p>
         </p:txBody>
       </p:sp>
     </p:spTree>
     <p:extLst>
       <p:ext uri="{BB962C8B-B14F-4D97-AF65-F5344CB8AC3E}">
-        <p14:creationId xmlns:p14="http://schemas.microsoft.com/office/powerpoint/2010/main" val="4003524061"/>
+        <p14:creationId xmlns:p14="http://schemas.microsoft.com/office/powerpoint/2010/main" val="2233915613"/>
       </p:ext>
     </p:extLst>
   </p:cSld>
@@ -5912,11 +6161,11 @@
           <a:p>
             <a:r>
               <a:rPr lang="en-US" dirty="0"/>
-              <a:t>Style Guides: </a:t>
+              <a:t>Style </a:t>
             </a:r>
             <a:r>
               <a:rPr lang="en-US" dirty="0" smtClean="0"/>
-              <a:t>Yes, Your Tests Too</a:t>
+              <a:t>Guides: Should be</a:t>
             </a:r>
             <a:endParaRPr lang="en-US" dirty="0"/>
           </a:p>
@@ -5934,8 +6183,8 @@
         </p:nvSpPr>
         <p:spPr>
           <a:xfrm>
-            <a:off x="628650" y="1417377"/>
-            <a:ext cx="7886700" cy="4351199"/>
+            <a:off x="628650" y="1417378"/>
+            <a:ext cx="7886700" cy="2592202"/>
           </a:xfrm>
         </p:spPr>
         <p:txBody>
@@ -5944,13 +6193,7 @@
           <a:p>
             <a:r>
               <a:rPr lang="en-US" sz="2200" dirty="0" smtClean="0"/>
-              <a:t> Your tests need love too!</a:t>
-            </a:r>
-          </a:p>
-          <a:p>
-            <a:r>
-              <a:rPr lang="en-US" sz="2200" dirty="0" smtClean="0"/>
-              <a:t> Style and organization can increase testing benefits</a:t>
+              <a:t> An important part of code review</a:t>
             </a:r>
           </a:p>
           <a:p>
@@ -5960,29 +6203,54 @@
             </a:r>
             <a:r>
               <a:rPr lang="en-US" sz="2200" dirty="0" smtClean="0"/>
-              <a:t>More on this later:</a:t>
-            </a:r>
-          </a:p>
-          <a:p>
-            <a:pPr lvl="1"/>
-            <a:r>
-              <a:rPr lang="en-US" sz="1600" dirty="0" smtClean="0"/>
-              <a:t> Time to first “it”</a:t>
-            </a:r>
-          </a:p>
-          <a:p>
-            <a:pPr lvl="1"/>
-            <a:r>
-              <a:rPr lang="en-US" sz="1600" dirty="0" smtClean="0"/>
-              <a:t> Assert closer to action under test</a:t>
-            </a:r>
+              <a:t>Agreed upon and respected</a:t>
+            </a:r>
+          </a:p>
+          <a:p>
+            <a:r>
+              <a:rPr lang="en-US" sz="2200" dirty="0" smtClean="0"/>
+              <a:t> Mainly a means to ensure consistency</a:t>
+            </a:r>
+          </a:p>
+          <a:p>
+            <a:r>
+              <a:rPr lang="en-US" sz="2200" dirty="0"/>
+              <a:t> </a:t>
+            </a:r>
+            <a:r>
+              <a:rPr lang="en-US" sz="2200" dirty="0" smtClean="0"/>
+              <a:t>Based on good solid reasoning</a:t>
+            </a:r>
+          </a:p>
+          <a:p>
+            <a:r>
+              <a:rPr lang="en-US" sz="2200" dirty="0"/>
+              <a:t> </a:t>
+            </a:r>
+            <a:r>
+              <a:rPr lang="en-US" sz="2200" dirty="0" smtClean="0"/>
+              <a:t>Designed for readability</a:t>
+            </a:r>
+            <a:endParaRPr lang="en-US" sz="1600" dirty="0" smtClean="0"/>
+          </a:p>
+          <a:p>
+            <a:endParaRPr lang="en-US" sz="1600" dirty="0"/>
+          </a:p>
+          <a:p>
+            <a:endParaRPr lang="en-US" sz="1600" dirty="0" smtClean="0"/>
+          </a:p>
+          <a:p>
+            <a:pPr marL="177800" indent="0">
+              <a:buNone/>
+            </a:pPr>
+            <a:endParaRPr lang="en-US" sz="2200" dirty="0" smtClean="0"/>
           </a:p>
         </p:txBody>
       </p:sp>
     </p:spTree>
     <p:extLst>
       <p:ext uri="{BB962C8B-B14F-4D97-AF65-F5344CB8AC3E}">
-        <p14:creationId xmlns:p14="http://schemas.microsoft.com/office/powerpoint/2010/main" val="2233915613"/>
+        <p14:creationId xmlns:p14="http://schemas.microsoft.com/office/powerpoint/2010/main" val="3525976698"/>
       </p:ext>
     </p:extLst>
   </p:cSld>
@@ -6037,12 +6305,8 @@
           <a:lstStyle/>
           <a:p>
             <a:r>
-              <a:rPr lang="en-US" dirty="0"/>
-              <a:t>Style </a:t>
-            </a:r>
-            <a:r>
               <a:rPr lang="en-US" dirty="0" smtClean="0"/>
-              <a:t>Guides: Should be</a:t>
+              <a:t>Modules</a:t>
             </a:r>
             <a:endParaRPr lang="en-US" dirty="0"/>
           </a:p>
@@ -6060,8 +6324,8 @@
         </p:nvSpPr>
         <p:spPr>
           <a:xfrm>
-            <a:off x="628650" y="1417378"/>
-            <a:ext cx="7886700" cy="2592202"/>
+            <a:off x="628650" y="1417377"/>
+            <a:ext cx="7886700" cy="4351199"/>
           </a:xfrm>
         </p:spPr>
         <p:txBody>
@@ -6069,65 +6333,74 @@
           <a:lstStyle/>
           <a:p>
             <a:r>
-              <a:rPr lang="en-US" sz="2200" dirty="0" smtClean="0"/>
-              <a:t> An important part of code review</a:t>
-            </a:r>
-          </a:p>
-          <a:p>
+              <a:rPr lang="en-US" sz="2800" dirty="0"/>
+              <a:t> </a:t>
+            </a:r>
+            <a:r>
+              <a:rPr lang="en-US" sz="2800" dirty="0" smtClean="0"/>
+              <a:t>Code organizational</a:t>
+            </a:r>
+          </a:p>
+          <a:p>
+            <a:pPr lvl="1"/>
             <a:r>
               <a:rPr lang="en-US" sz="2200" dirty="0"/>
               <a:t> </a:t>
             </a:r>
             <a:r>
               <a:rPr lang="en-US" sz="2200" dirty="0" smtClean="0"/>
-              <a:t>Agreed upon and respected</a:t>
-            </a:r>
-          </a:p>
-          <a:p>
-            <a:r>
-              <a:rPr lang="en-US" sz="2200" dirty="0" smtClean="0"/>
-              <a:t> Mainly a means to ensure consistency</a:t>
-            </a:r>
-          </a:p>
-          <a:p>
+              <a:t>Revealing module</a:t>
+            </a:r>
+          </a:p>
+          <a:p>
+            <a:pPr lvl="1"/>
+            <a:endParaRPr lang="en-US" sz="2200" dirty="0"/>
+          </a:p>
+          <a:p>
+            <a:r>
+              <a:rPr lang="en-US" sz="2800" dirty="0" smtClean="0"/>
+              <a:t> Definition and dependency management</a:t>
+            </a:r>
+          </a:p>
+          <a:p>
+            <a:pPr lvl="1"/>
             <a:r>
               <a:rPr lang="en-US" sz="2200" dirty="0"/>
               <a:t> </a:t>
             </a:r>
             <a:r>
               <a:rPr lang="en-US" sz="2200" dirty="0" smtClean="0"/>
-              <a:t>Based on good solid reasoning</a:t>
-            </a:r>
-          </a:p>
-          <a:p>
+              <a:t>Node</a:t>
+            </a:r>
+          </a:p>
+          <a:p>
+            <a:pPr lvl="1"/>
             <a:r>
               <a:rPr lang="en-US" sz="2200" dirty="0"/>
               <a:t> </a:t>
             </a:r>
             <a:r>
               <a:rPr lang="en-US" sz="2200" dirty="0" smtClean="0"/>
-              <a:t>Designed for readability</a:t>
-            </a:r>
-            <a:endParaRPr lang="en-US" sz="1600" dirty="0" smtClean="0"/>
-          </a:p>
-          <a:p>
-            <a:endParaRPr lang="en-US" sz="1600" dirty="0"/>
-          </a:p>
-          <a:p>
-            <a:endParaRPr lang="en-US" sz="1600" dirty="0" smtClean="0"/>
-          </a:p>
-          <a:p>
-            <a:pPr marL="177800" indent="0">
-              <a:buNone/>
-            </a:pPr>
-            <a:endParaRPr lang="en-US" sz="2200" dirty="0" smtClean="0"/>
+              <a:t>Browser</a:t>
+            </a:r>
+          </a:p>
+          <a:p>
+            <a:pPr lvl="1"/>
+            <a:r>
+              <a:rPr lang="en-US" sz="2200" dirty="0"/>
+              <a:t> </a:t>
+            </a:r>
+            <a:r>
+              <a:rPr lang="en-US" sz="2200" dirty="0" smtClean="0"/>
+              <a:t>ES6</a:t>
+            </a:r>
           </a:p>
         </p:txBody>
       </p:sp>
     </p:spTree>
     <p:extLst>
       <p:ext uri="{BB962C8B-B14F-4D97-AF65-F5344CB8AC3E}">
-        <p14:creationId xmlns:p14="http://schemas.microsoft.com/office/powerpoint/2010/main" val="3525976698"/>
+        <p14:creationId xmlns:p14="http://schemas.microsoft.com/office/powerpoint/2010/main" val="3827354587"/>
       </p:ext>
     </p:extLst>
   </p:cSld>
@@ -6183,7 +6456,7 @@
           <a:p>
             <a:r>
               <a:rPr lang="en-US" dirty="0" smtClean="0"/>
-              <a:t>Modules</a:t>
+              <a:t>Revealing Module Pattern</a:t>
             </a:r>
             <a:endParaRPr lang="en-US" dirty="0"/>
           </a:p>
@@ -6215,7 +6488,7 @@
             </a:r>
             <a:r>
               <a:rPr lang="en-US" sz="2800" dirty="0" smtClean="0"/>
-              <a:t>Code organizational</a:t>
+              <a:t>Coding pattern to:</a:t>
             </a:r>
           </a:p>
           <a:p>
@@ -6226,17 +6499,7 @@
             </a:r>
             <a:r>
               <a:rPr lang="en-US" sz="2200" dirty="0" smtClean="0"/>
-              <a:t>Revealing module</a:t>
-            </a:r>
-          </a:p>
-          <a:p>
-            <a:pPr lvl="1"/>
-            <a:endParaRPr lang="en-US" sz="2200" dirty="0"/>
-          </a:p>
-          <a:p>
-            <a:r>
-              <a:rPr lang="en-US" sz="2800" dirty="0" smtClean="0"/>
-              <a:t> Definition and dependency management</a:t>
+              <a:t>Encapsulate private state and functionality</a:t>
             </a:r>
           </a:p>
           <a:p>
@@ -6247,7 +6510,17 @@
             </a:r>
             <a:r>
               <a:rPr lang="en-US" sz="2200" dirty="0" smtClean="0"/>
-              <a:t>Node</a:t>
+              <a:t>Expose an interface to module’s core functionality</a:t>
+            </a:r>
+          </a:p>
+          <a:p>
+            <a:r>
+              <a:rPr lang="en-US" sz="2800" dirty="0"/>
+              <a:t> </a:t>
+            </a:r>
+            <a:r>
+              <a:rPr lang="en-US" sz="2800" dirty="0" smtClean="0"/>
+              <a:t>Example</a:t>
             </a:r>
           </a:p>
           <a:p>
@@ -6257,27 +6530,19 @@
               <a:t> </a:t>
             </a:r>
             <a:r>
-              <a:rPr lang="en-US" sz="2200" dirty="0" smtClean="0"/>
-              <a:t>Browser</a:t>
-            </a:r>
-          </a:p>
-          <a:p>
-            <a:pPr lvl="1"/>
-            <a:r>
-              <a:rPr lang="en-US" sz="2200" dirty="0"/>
-              <a:t> </a:t>
-            </a:r>
-            <a:r>
-              <a:rPr lang="en-US" sz="2200" dirty="0" smtClean="0"/>
-              <a:t>ES6</a:t>
-            </a:r>
+              <a:rPr lang="en-US" sz="2200" dirty="0" smtClean="0">
+                <a:hlinkClick r:id="rId3"/>
+              </a:rPr>
+              <a:t>codepen</a:t>
+            </a:r>
+            <a:endParaRPr lang="en-US" sz="2200" dirty="0"/>
           </a:p>
         </p:txBody>
       </p:sp>
     </p:spTree>
     <p:extLst>
       <p:ext uri="{BB962C8B-B14F-4D97-AF65-F5344CB8AC3E}">
-        <p14:creationId xmlns:p14="http://schemas.microsoft.com/office/powerpoint/2010/main" val="3827354587"/>
+        <p14:creationId xmlns:p14="http://schemas.microsoft.com/office/powerpoint/2010/main" val="731074451"/>
       </p:ext>
     </p:extLst>
   </p:cSld>
@@ -6333,7 +6598,15 @@
           <a:p>
             <a:r>
               <a:rPr lang="en-US" dirty="0" smtClean="0"/>
-              <a:t>Revealing Module Pattern</a:t>
+              <a:t>Modules: </a:t>
+            </a:r>
+            <a:r>
+              <a:rPr lang="en-US" dirty="0" err="1" smtClean="0"/>
+              <a:t>CommonJS</a:t>
+            </a:r>
+            <a:r>
+              <a:rPr lang="en-US" dirty="0" smtClean="0"/>
+              <a:t> / Node</a:t>
             </a:r>
             <a:endParaRPr lang="en-US" dirty="0"/>
           </a:p>
@@ -6360,62 +6633,56 @@
           <a:lstStyle/>
           <a:p>
             <a:r>
-              <a:rPr lang="en-US" sz="2800" dirty="0"/>
-              <a:t> </a:t>
-            </a:r>
-            <a:r>
-              <a:rPr lang="en-US" sz="2800" dirty="0" smtClean="0"/>
-              <a:t>Coding pattern to:</a:t>
-            </a:r>
-          </a:p>
-          <a:p>
-            <a:pPr lvl="1"/>
+              <a:rPr lang="en-US" sz="2200" dirty="0" smtClean="0"/>
+              <a:t> First module definition syntax for JS</a:t>
+            </a:r>
+          </a:p>
+          <a:p>
             <a:r>
               <a:rPr lang="en-US" sz="2200" dirty="0"/>
               <a:t> </a:t>
             </a:r>
             <a:r>
               <a:rPr lang="en-US" sz="2200" dirty="0" smtClean="0"/>
-              <a:t>Encapsulate private state and </a:t>
-            </a:r>
-            <a:r>
-              <a:rPr lang="en-US" sz="2200" dirty="0" smtClean="0"/>
-              <a:t>functionality</a:t>
-            </a:r>
-            <a:endParaRPr lang="en-US" sz="2200" dirty="0" smtClean="0"/>
-          </a:p>
-          <a:p>
-            <a:pPr lvl="1"/>
+              <a:t>Adopted by Node</a:t>
+            </a:r>
+          </a:p>
+          <a:p>
             <a:r>
               <a:rPr lang="en-US" sz="2200" dirty="0"/>
               <a:t> </a:t>
             </a:r>
             <a:r>
               <a:rPr lang="en-US" sz="2200" dirty="0" smtClean="0"/>
-              <a:t>Expose an interface to module’s core functionality</a:t>
-            </a:r>
-          </a:p>
-          <a:p>
-            <a:r>
-              <a:rPr lang="en-US" sz="2800" dirty="0"/>
-              <a:t> </a:t>
-            </a:r>
-            <a:r>
-              <a:rPr lang="en-US" sz="2800" dirty="0" smtClean="0"/>
-              <a:t>Example</a:t>
-            </a:r>
-          </a:p>
-          <a:p>
-            <a:pPr lvl="1"/>
+              <a:t>Syntaxes for defining single- vs. multi-valued modules</a:t>
+            </a:r>
+          </a:p>
+          <a:p>
             <a:r>
               <a:rPr lang="en-US" sz="2200" dirty="0"/>
               <a:t> </a:t>
             </a:r>
             <a:r>
-              <a:rPr lang="en-US" sz="2200" dirty="0" smtClean="0">
-                <a:hlinkClick r:id="rId3"/>
-              </a:rPr>
-              <a:t>codepen</a:t>
+              <a:rPr lang="en-US" sz="2200" dirty="0" smtClean="0"/>
+              <a:t>Synchronous module loading</a:t>
+            </a:r>
+          </a:p>
+          <a:p>
+            <a:r>
+              <a:rPr lang="en-US" sz="2200" dirty="0"/>
+              <a:t> </a:t>
+            </a:r>
+            <a:r>
+              <a:rPr lang="en-US" sz="2200" dirty="0" smtClean="0"/>
+              <a:t>Used in the browser (via </a:t>
+            </a:r>
+            <a:r>
+              <a:rPr lang="en-US" sz="2200" dirty="0" err="1" smtClean="0"/>
+              <a:t>Browserify</a:t>
+            </a:r>
+            <a:r>
+              <a:rPr lang="en-US" sz="2200" dirty="0" smtClean="0"/>
+              <a:t>)</a:t>
             </a:r>
             <a:endParaRPr lang="en-US" sz="2200" dirty="0"/>
           </a:p>
@@ -6424,7 +6691,7 @@
     </p:spTree>
     <p:extLst>
       <p:ext uri="{BB962C8B-B14F-4D97-AF65-F5344CB8AC3E}">
-        <p14:creationId xmlns:p14="http://schemas.microsoft.com/office/powerpoint/2010/main" val="731074451"/>
+        <p14:creationId xmlns:p14="http://schemas.microsoft.com/office/powerpoint/2010/main" val="1836212090"/>
       </p:ext>
     </p:extLst>
   </p:cSld>
@@ -6480,15 +6747,11 @@
           <a:p>
             <a:r>
               <a:rPr lang="en-US" dirty="0" smtClean="0"/>
-              <a:t>Modules: </a:t>
+              <a:t>Modules: AMD / </a:t>
             </a:r>
             <a:r>
               <a:rPr lang="en-US" dirty="0" err="1" smtClean="0"/>
-              <a:t>CommonJS</a:t>
-            </a:r>
-            <a:r>
-              <a:rPr lang="en-US" dirty="0" smtClean="0"/>
-              <a:t> / Node</a:t>
+              <a:t>RequireJS</a:t>
             </a:r>
             <a:endParaRPr lang="en-US" dirty="0"/>
           </a:p>
@@ -6516,7 +6779,7 @@
           <a:p>
             <a:r>
               <a:rPr lang="en-US" sz="2200" dirty="0" smtClean="0"/>
-              <a:t> First module definition syntax for JS</a:t>
+              <a:t> Asynchronous Module Definition</a:t>
             </a:r>
           </a:p>
           <a:p>
@@ -6525,8 +6788,12 @@
               <a:t> </a:t>
             </a:r>
             <a:r>
+              <a:rPr lang="en-US" sz="2200" dirty="0" err="1" smtClean="0"/>
+              <a:t>Require.js</a:t>
+            </a:r>
+            <a:r>
               <a:rPr lang="en-US" sz="2200" dirty="0" smtClean="0"/>
-              <a:t>Adopted by Node</a:t>
+              <a:t> (most popular implementation of spec)</a:t>
             </a:r>
           </a:p>
           <a:p>
@@ -6536,11 +6803,7 @@
             </a:r>
             <a:r>
               <a:rPr lang="en-US" sz="2200" dirty="0" smtClean="0"/>
-              <a:t>S</a:t>
-            </a:r>
-            <a:r>
-              <a:rPr lang="en-US" sz="2200" dirty="0" smtClean="0"/>
-              <a:t>yntaxes for defining single- vs. multi-valued modules</a:t>
+              <a:t>Mainly used in the browser</a:t>
             </a:r>
           </a:p>
           <a:p>
@@ -6550,7 +6813,7 @@
             </a:r>
             <a:r>
               <a:rPr lang="en-US" sz="2200" dirty="0" smtClean="0"/>
-              <a:t>Synchronous module loading</a:t>
+              <a:t>Requires some to a lot of configuration</a:t>
             </a:r>
           </a:p>
           <a:p>
@@ -6560,15 +6823,21 @@
             </a:r>
             <a:r>
               <a:rPr lang="en-US" sz="2200" dirty="0" smtClean="0"/>
-              <a:t>Used in the browser (via </a:t>
+              <a:t>Allows for JIT loading of modules</a:t>
+            </a:r>
+          </a:p>
+          <a:p>
+            <a:r>
+              <a:rPr lang="en-US" sz="2200" dirty="0"/>
+              <a:t> </a:t>
             </a:r>
             <a:r>
               <a:rPr lang="en-US" sz="2200" dirty="0" err="1" smtClean="0"/>
-              <a:t>Browserify</a:t>
+              <a:t>r.js</a:t>
             </a:r>
             <a:r>
               <a:rPr lang="en-US" sz="2200" dirty="0" smtClean="0"/>
-              <a:t>)</a:t>
+              <a:t> for server side optimization</a:t>
             </a:r>
             <a:endParaRPr lang="en-US" sz="2200" dirty="0"/>
           </a:p>
@@ -6577,7 +6846,7 @@
     </p:spTree>
     <p:extLst>
       <p:ext uri="{BB962C8B-B14F-4D97-AF65-F5344CB8AC3E}">
-        <p14:creationId xmlns:p14="http://schemas.microsoft.com/office/powerpoint/2010/main" val="1836212090"/>
+        <p14:creationId xmlns:p14="http://schemas.microsoft.com/office/powerpoint/2010/main" val="1812830038"/>
       </p:ext>
     </p:extLst>
   </p:cSld>
@@ -6633,11 +6902,7 @@
           <a:p>
             <a:r>
               <a:rPr lang="en-US" dirty="0" smtClean="0"/>
-              <a:t>Modules: AMD / </a:t>
-            </a:r>
-            <a:r>
-              <a:rPr lang="en-US" dirty="0" err="1" smtClean="0"/>
-              <a:t>RequireJS</a:t>
+              <a:t>Modules: ES6</a:t>
             </a:r>
             <a:endParaRPr lang="en-US" dirty="0"/>
           </a:p>
@@ -6665,7 +6930,7 @@
           <a:p>
             <a:r>
               <a:rPr lang="en-US" sz="2200" dirty="0" smtClean="0"/>
-              <a:t> Asynchronous Module Definition</a:t>
+              <a:t> First natively-supported module definition pattern</a:t>
             </a:r>
           </a:p>
           <a:p>
@@ -6674,13 +6939,14 @@
               <a:t> </a:t>
             </a:r>
             <a:r>
+              <a:rPr lang="en-US" sz="2200" dirty="0" smtClean="0"/>
+              <a:t>Syntax similar to </a:t>
+            </a:r>
+            <a:r>
               <a:rPr lang="en-US" sz="2200" dirty="0" err="1" smtClean="0"/>
-              <a:t>Require.js</a:t>
-            </a:r>
-            <a:r>
-              <a:rPr lang="en-US" sz="2200" dirty="0" smtClean="0"/>
-              <a:t> (most popular implementation of spec)</a:t>
-            </a:r>
+              <a:t>commonJS</a:t>
+            </a:r>
+            <a:endParaRPr lang="en-US" sz="2200" dirty="0" smtClean="0"/>
           </a:p>
           <a:p>
             <a:r>
@@ -6689,41 +6955,15 @@
             </a:r>
             <a:r>
               <a:rPr lang="en-US" sz="2200" dirty="0" smtClean="0"/>
-              <a:t>Mainly used in the browser</a:t>
-            </a:r>
-          </a:p>
-          <a:p>
-            <a:r>
-              <a:rPr lang="en-US" sz="2200" dirty="0"/>
-              <a:t> </a:t>
+              <a:t>Support for sync and </a:t>
+            </a:r>
+            <a:r>
+              <a:rPr lang="en-US" sz="2200" dirty="0" err="1" smtClean="0"/>
+              <a:t>async</a:t>
             </a:r>
             <a:r>
               <a:rPr lang="en-US" sz="2200" dirty="0" smtClean="0"/>
-              <a:t>Requires some to a lot of configuration</a:t>
-            </a:r>
-          </a:p>
-          <a:p>
-            <a:r>
-              <a:rPr lang="en-US" sz="2200" dirty="0"/>
-              <a:t> </a:t>
-            </a:r>
-            <a:r>
-              <a:rPr lang="en-US" sz="2200" dirty="0" smtClean="0"/>
-              <a:t>Allows for JIT loading of modules</a:t>
-            </a:r>
-          </a:p>
-          <a:p>
-            <a:r>
-              <a:rPr lang="en-US" sz="2200" dirty="0"/>
-              <a:t> </a:t>
-            </a:r>
-            <a:r>
-              <a:rPr lang="en-US" sz="2200" dirty="0" err="1" smtClean="0"/>
-              <a:t>r.js</a:t>
-            </a:r>
-            <a:r>
-              <a:rPr lang="en-US" sz="2200" dirty="0" smtClean="0"/>
-              <a:t> for server side optimization</a:t>
+              <a:t> loading (reference?)</a:t>
             </a:r>
             <a:endParaRPr lang="en-US" sz="2200" dirty="0"/>
           </a:p>
@@ -6732,7 +6972,7 @@
     </p:spTree>
     <p:extLst>
       <p:ext uri="{BB962C8B-B14F-4D97-AF65-F5344CB8AC3E}">
-        <p14:creationId xmlns:p14="http://schemas.microsoft.com/office/powerpoint/2010/main" val="1812830038"/>
+        <p14:creationId xmlns:p14="http://schemas.microsoft.com/office/powerpoint/2010/main" val="1824734423"/>
       </p:ext>
     </p:extLst>
   </p:cSld>
@@ -6788,7 +7028,7 @@
           <a:p>
             <a:r>
               <a:rPr lang="en-US" dirty="0" smtClean="0"/>
-              <a:t>Modules: ES6</a:t>
+              <a:t>UMD: Universal Module Definition</a:t>
             </a:r>
             <a:endParaRPr lang="en-US" dirty="0"/>
           </a:p>
@@ -6815,50 +7055,37 @@
           <a:lstStyle/>
           <a:p>
             <a:r>
-              <a:rPr lang="en-US" sz="2200" dirty="0" smtClean="0"/>
-              <a:t> First natively-supported module definition pattern</a:t>
-            </a:r>
-          </a:p>
-          <a:p>
-            <a:r>
-              <a:rPr lang="en-US" sz="2200" dirty="0"/>
-              <a:t> </a:t>
-            </a:r>
-            <a:r>
-              <a:rPr lang="en-US" sz="2200" dirty="0" smtClean="0"/>
-              <a:t>Syntax similar to </a:t>
-            </a:r>
-            <a:r>
-              <a:rPr lang="en-US" sz="2200" dirty="0" err="1" smtClean="0"/>
-              <a:t>commonJS</a:t>
-            </a:r>
-            <a:endParaRPr lang="en-US" sz="2200" dirty="0" smtClean="0"/>
-          </a:p>
-          <a:p>
-            <a:r>
-              <a:rPr lang="en-US" sz="2200" dirty="0"/>
-              <a:t> </a:t>
-            </a:r>
-            <a:r>
-              <a:rPr lang="en-US" sz="2200" dirty="0" smtClean="0"/>
-              <a:t>Support for sync and </a:t>
-            </a:r>
-            <a:r>
-              <a:rPr lang="en-US" sz="2200" dirty="0" err="1" smtClean="0"/>
-              <a:t>async</a:t>
-            </a:r>
-            <a:r>
-              <a:rPr lang="en-US" sz="2200" dirty="0" smtClean="0"/>
-              <a:t> loading (reference?)</a:t>
-            </a:r>
-            <a:endParaRPr lang="en-US" sz="2200" dirty="0"/>
+              <a:rPr lang="en-US" sz="2600" dirty="0" smtClean="0"/>
+              <a:t> https://</a:t>
+            </a:r>
+            <a:r>
+              <a:rPr lang="en-US" sz="2600" dirty="0" err="1" smtClean="0"/>
+              <a:t>github.com</a:t>
+            </a:r>
+            <a:r>
+              <a:rPr lang="en-US" sz="2600" dirty="0" smtClean="0"/>
+              <a:t>/</a:t>
+            </a:r>
+            <a:r>
+              <a:rPr lang="en-US" sz="2600" dirty="0" err="1" smtClean="0"/>
+              <a:t>umdjs</a:t>
+            </a:r>
+            <a:r>
+              <a:rPr lang="en-US" sz="2600" dirty="0" smtClean="0"/>
+              <a:t>/</a:t>
+            </a:r>
+            <a:r>
+              <a:rPr lang="en-US" sz="2600" dirty="0" err="1" smtClean="0"/>
+              <a:t>umd</a:t>
+            </a:r>
+            <a:endParaRPr lang="en-US" sz="2600" dirty="0"/>
           </a:p>
         </p:txBody>
       </p:sp>
     </p:spTree>
     <p:extLst>
       <p:ext uri="{BB962C8B-B14F-4D97-AF65-F5344CB8AC3E}">
-        <p14:creationId xmlns:p14="http://schemas.microsoft.com/office/powerpoint/2010/main" val="1824734423"/>
+        <p14:creationId xmlns:p14="http://schemas.microsoft.com/office/powerpoint/2010/main" val="1971842232"/>
       </p:ext>
     </p:extLst>
   </p:cSld>
@@ -6970,11 +7197,7 @@
           <a:p>
             <a:r>
               <a:rPr lang="en-US" dirty="0" smtClean="0"/>
-              <a:t> </a:t>
-            </a:r>
-            <a:r>
-              <a:rPr lang="en-US" dirty="0" smtClean="0"/>
-              <a:t>ES6</a:t>
+              <a:t> ES6</a:t>
             </a:r>
           </a:p>
           <a:p>
@@ -7045,7 +7268,7 @@
           <a:p>
             <a:r>
               <a:rPr lang="en-US" dirty="0" smtClean="0"/>
-              <a:t>UMD: Universal Module Definition</a:t>
+              <a:t>Utility Libraries</a:t>
             </a:r>
             <a:endParaRPr lang="en-US" dirty="0"/>
           </a:p>
@@ -7072,37 +7295,63 @@
           <a:lstStyle/>
           <a:p>
             <a:r>
-              <a:rPr lang="en-US" sz="2600" dirty="0" smtClean="0"/>
-              <a:t> https://</a:t>
-            </a:r>
-            <a:r>
-              <a:rPr lang="en-US" sz="2600" dirty="0" err="1" smtClean="0"/>
-              <a:t>github.com</a:t>
-            </a:r>
-            <a:r>
-              <a:rPr lang="en-US" sz="2600" dirty="0" smtClean="0"/>
-              <a:t>/</a:t>
-            </a:r>
-            <a:r>
-              <a:rPr lang="en-US" sz="2600" dirty="0" err="1" smtClean="0"/>
-              <a:t>umdjs</a:t>
-            </a:r>
-            <a:r>
-              <a:rPr lang="en-US" sz="2600" dirty="0" smtClean="0"/>
-              <a:t>/</a:t>
-            </a:r>
-            <a:r>
-              <a:rPr lang="en-US" sz="2600" dirty="0" err="1" smtClean="0"/>
-              <a:t>umd</a:t>
-            </a:r>
-            <a:endParaRPr lang="en-US" sz="2600" dirty="0"/>
+              <a:rPr lang="en-US" sz="2200" dirty="0" smtClean="0"/>
+              <a:t> </a:t>
+            </a:r>
+            <a:r>
+              <a:rPr lang="en-US" sz="2200" dirty="0" err="1" smtClean="0"/>
+              <a:t>Lodash</a:t>
+            </a:r>
+            <a:r>
+              <a:rPr lang="en-US" sz="2200" dirty="0" smtClean="0"/>
+              <a:t> / Underscore</a:t>
+            </a:r>
+          </a:p>
+          <a:p>
+            <a:r>
+              <a:rPr lang="en-US" sz="2200" dirty="0" smtClean="0"/>
+              <a:t> </a:t>
+            </a:r>
+            <a:r>
+              <a:rPr lang="en-US" sz="2200" dirty="0" err="1" smtClean="0"/>
+              <a:t>Lazy.js</a:t>
+            </a:r>
+            <a:endParaRPr lang="en-US" sz="2200" dirty="0"/>
+          </a:p>
+          <a:p>
+            <a:r>
+              <a:rPr lang="en-US" sz="2200" dirty="0" smtClean="0"/>
+              <a:t> Bluebird (Promise/A+ implementation)</a:t>
+            </a:r>
+          </a:p>
+          <a:p>
+            <a:r>
+              <a:rPr lang="en-US" sz="2200" dirty="0"/>
+              <a:t> </a:t>
+            </a:r>
+            <a:r>
+              <a:rPr lang="en-US" sz="2200" dirty="0" err="1" smtClean="0"/>
+              <a:t>httpster</a:t>
+            </a:r>
+            <a:endParaRPr lang="en-US" sz="2200" dirty="0" smtClean="0"/>
+          </a:p>
+          <a:p>
+            <a:r>
+              <a:rPr lang="en-US" sz="2200" dirty="0"/>
+              <a:t> </a:t>
+            </a:r>
+            <a:r>
+              <a:rPr lang="en-US" sz="2200" dirty="0" err="1" smtClean="0"/>
+              <a:t>ngrok</a:t>
+            </a:r>
+            <a:endParaRPr lang="en-US" sz="2200" dirty="0" smtClean="0"/>
           </a:p>
         </p:txBody>
       </p:sp>
     </p:spTree>
     <p:extLst>
       <p:ext uri="{BB962C8B-B14F-4D97-AF65-F5344CB8AC3E}">
-        <p14:creationId xmlns:p14="http://schemas.microsoft.com/office/powerpoint/2010/main" val="1971842232"/>
+        <p14:creationId xmlns:p14="http://schemas.microsoft.com/office/powerpoint/2010/main" val="3841288195"/>
       </p:ext>
     </p:extLst>
   </p:cSld>
@@ -7157,10 +7406,14 @@
           <a:lstStyle/>
           <a:p>
             <a:r>
-              <a:rPr lang="en-US" dirty="0" smtClean="0"/>
-              <a:t>Utility Libraries</a:t>
-            </a:r>
-            <a:endParaRPr lang="en-US" dirty="0"/>
+              <a:rPr lang="en-US" sz="3400" dirty="0" err="1" smtClean="0"/>
+              <a:t>Async</a:t>
+            </a:r>
+            <a:r>
+              <a:rPr lang="en-US" sz="3400" dirty="0" smtClean="0"/>
+              <a:t> Flow Management</a:t>
+            </a:r>
+            <a:endParaRPr lang="en-US" sz="3400" dirty="0"/>
           </a:p>
         </p:txBody>
       </p:sp>
@@ -7186,32 +7439,7 @@
           <a:p>
             <a:r>
               <a:rPr lang="en-US" sz="2200" dirty="0" smtClean="0"/>
-              <a:t> </a:t>
-            </a:r>
-            <a:r>
-              <a:rPr lang="en-US" sz="2200" dirty="0" err="1" smtClean="0"/>
-              <a:t>Lodash</a:t>
-            </a:r>
-            <a:r>
-              <a:rPr lang="en-US" sz="2200" dirty="0" smtClean="0"/>
-              <a:t> / Underscore</a:t>
-            </a:r>
-          </a:p>
-          <a:p>
-            <a:r>
-              <a:rPr lang="en-US" sz="2200" dirty="0" smtClean="0"/>
-              <a:t> </a:t>
-            </a:r>
-            <a:r>
-              <a:rPr lang="en-US" sz="2200" dirty="0" err="1" smtClean="0"/>
-              <a:t>Lazy.js</a:t>
-            </a:r>
-            <a:endParaRPr lang="en-US" sz="2200" dirty="0"/>
-          </a:p>
-          <a:p>
-            <a:r>
-              <a:rPr lang="en-US" sz="2200" dirty="0" smtClean="0"/>
-              <a:t> Bluebird (Promise/A+ implementation)</a:t>
+              <a:t> Callbacks</a:t>
             </a:r>
           </a:p>
           <a:p>
@@ -7220,10 +7448,9 @@
               <a:t> </a:t>
             </a:r>
             <a:r>
-              <a:rPr lang="en-US" sz="2200" dirty="0" err="1" smtClean="0"/>
-              <a:t>httpster</a:t>
-            </a:r>
-            <a:endParaRPr lang="en-US" sz="2200" dirty="0" smtClean="0"/>
+              <a:rPr lang="en-US" sz="2200" dirty="0" smtClean="0"/>
+              <a:t>Promises</a:t>
+            </a:r>
           </a:p>
           <a:p>
             <a:r>
@@ -7231,17 +7458,24 @@
               <a:t> </a:t>
             </a:r>
             <a:r>
+              <a:rPr lang="en-US" sz="2200" dirty="0" smtClean="0"/>
+              <a:t>Generators and </a:t>
+            </a:r>
+            <a:r>
               <a:rPr lang="en-US" sz="2200" dirty="0" err="1" smtClean="0"/>
-              <a:t>ngrok</a:t>
-            </a:r>
-            <a:endParaRPr lang="en-US" sz="2200" dirty="0" smtClean="0"/>
+              <a:t>Async</a:t>
+            </a:r>
+            <a:r>
+              <a:rPr lang="en-US" sz="2200" dirty="0" smtClean="0"/>
+              <a:t> functions</a:t>
+            </a:r>
           </a:p>
         </p:txBody>
       </p:sp>
     </p:spTree>
     <p:extLst>
       <p:ext uri="{BB962C8B-B14F-4D97-AF65-F5344CB8AC3E}">
-        <p14:creationId xmlns:p14="http://schemas.microsoft.com/office/powerpoint/2010/main" val="3841288195"/>
+        <p14:creationId xmlns:p14="http://schemas.microsoft.com/office/powerpoint/2010/main" val="2399971386"/>
       </p:ext>
     </p:extLst>
   </p:cSld>
@@ -7297,19 +7531,11 @@
           <a:p>
             <a:r>
               <a:rPr lang="en-US" sz="3400" dirty="0" err="1" smtClean="0"/>
-              <a:t>Asyn</a:t>
-            </a:r>
-            <a:r>
-              <a:rPr lang="en-US" sz="3400" dirty="0" err="1" smtClean="0"/>
-              <a:t>c</a:t>
+              <a:t>Async</a:t>
             </a:r>
             <a:r>
               <a:rPr lang="en-US" sz="3400" dirty="0" smtClean="0"/>
-              <a:t> </a:t>
-            </a:r>
-            <a:r>
-              <a:rPr lang="en-US" sz="3400" dirty="0" smtClean="0"/>
-              <a:t>Flow Management</a:t>
+              <a:t> Flow Management: Callbacks</a:t>
             </a:r>
             <a:endParaRPr lang="en-US" sz="3400" dirty="0"/>
           </a:p>
@@ -7337,7 +7563,42 @@
           <a:p>
             <a:r>
               <a:rPr lang="en-US" sz="2200" dirty="0" smtClean="0"/>
-              <a:t> Callbacks</a:t>
+              <a:t> Event handling – specify event name and </a:t>
+            </a:r>
+            <a:r>
+              <a:rPr lang="en-US" sz="2200" dirty="0" err="1" smtClean="0"/>
+              <a:t>fn</a:t>
+            </a:r>
+            <a:r>
+              <a:rPr lang="en-US" sz="2200" dirty="0" smtClean="0"/>
+              <a:t> to handle it</a:t>
+            </a:r>
+          </a:p>
+          <a:p>
+            <a:pPr lvl="1"/>
+            <a:r>
+              <a:rPr lang="en-US" sz="1600" dirty="0"/>
+              <a:t> </a:t>
+            </a:r>
+            <a:r>
+              <a:rPr lang="en-US" sz="1600" dirty="0" smtClean="0"/>
+              <a:t>$(‘#</a:t>
+            </a:r>
+            <a:r>
+              <a:rPr lang="en-US" sz="1600" dirty="0" err="1" smtClean="0"/>
+              <a:t>someElem</a:t>
+            </a:r>
+            <a:r>
+              <a:rPr lang="en-US" sz="1600" dirty="0" smtClean="0"/>
+              <a:t>’).on(‘click’, </a:t>
+            </a:r>
+            <a:r>
+              <a:rPr lang="en-US" sz="1600" dirty="0" err="1" smtClean="0"/>
+              <a:t>fn</a:t>
+            </a:r>
+            <a:r>
+              <a:rPr lang="en-US" sz="1600" dirty="0" smtClean="0"/>
+              <a:t>);</a:t>
             </a:r>
           </a:p>
           <a:p>
@@ -7347,34 +7608,86 @@
             </a:r>
             <a:r>
               <a:rPr lang="en-US" sz="2200" dirty="0" smtClean="0"/>
-              <a:t>Promises</a:t>
-            </a:r>
-          </a:p>
-          <a:p>
+              <a:t>“Node style”</a:t>
+            </a:r>
             <a:r>
               <a:rPr lang="en-US" sz="2200" dirty="0"/>
               <a:t> </a:t>
             </a:r>
             <a:r>
               <a:rPr lang="en-US" sz="2200" dirty="0" smtClean="0"/>
-              <a:t>Generators and </a:t>
-            </a:r>
-            <a:r>
-              <a:rPr lang="en-US" sz="2200" dirty="0" err="1" smtClean="0"/>
-              <a:t>Async</a:t>
+              <a:t>– err as first parameter, results as second</a:t>
+            </a:r>
+          </a:p>
+          <a:p>
+            <a:pPr lvl="1"/>
+            <a:r>
+              <a:rPr lang="en-US" sz="1600" dirty="0"/>
+              <a:t> </a:t>
+            </a:r>
+            <a:r>
+              <a:rPr lang="en-US" sz="1600" dirty="0" err="1" smtClean="0"/>
+              <a:t>fs.readFile</a:t>
+            </a:r>
+            <a:r>
+              <a:rPr lang="en-US" sz="1600" dirty="0" smtClean="0"/>
+              <a:t>(‘</a:t>
+            </a:r>
+            <a:r>
+              <a:rPr lang="en-US" sz="1600" dirty="0" err="1" smtClean="0"/>
+              <a:t>somefile.txt</a:t>
+            </a:r>
+            <a:r>
+              <a:rPr lang="en-US" sz="1600" dirty="0" smtClean="0"/>
+              <a:t>’, function(err, </a:t>
+            </a:r>
+            <a:r>
+              <a:rPr lang="en-US" sz="1600" dirty="0" err="1" smtClean="0"/>
+              <a:t>fileContent</a:t>
+            </a:r>
+            <a:r>
+              <a:rPr lang="en-US" sz="1600" dirty="0" smtClean="0"/>
+              <a:t>) {…})</a:t>
+            </a:r>
+            <a:endParaRPr lang="en-US" sz="2200" dirty="0" smtClean="0"/>
+          </a:p>
+          <a:p>
+            <a:r>
+              <a:rPr lang="en-US" sz="2200" dirty="0"/>
+              <a:t> </a:t>
             </a:r>
             <a:r>
               <a:rPr lang="en-US" sz="2200" dirty="0" smtClean="0"/>
-              <a:t> functions</a:t>
-            </a:r>
-            <a:endParaRPr lang="en-US" sz="2200" dirty="0" smtClean="0"/>
+              <a:t>OK when flow is simple</a:t>
+            </a:r>
+          </a:p>
+          <a:p>
+            <a:r>
+              <a:rPr lang="en-US" sz="2200" dirty="0"/>
+              <a:t> </a:t>
+            </a:r>
+            <a:r>
+              <a:rPr lang="en-US" sz="2200" dirty="0" smtClean="0"/>
+              <a:t>Deeply nested callbacks: bad!</a:t>
+            </a:r>
+          </a:p>
+          <a:p>
+            <a:r>
+              <a:rPr lang="en-US" sz="2200" dirty="0"/>
+              <a:t> </a:t>
+            </a:r>
+            <a:r>
+              <a:rPr lang="en-US" sz="2200" dirty="0" smtClean="0"/>
+              <a:t>No spec around callbacks other than function signature</a:t>
+            </a:r>
+            <a:endParaRPr lang="en-US" sz="1600" dirty="0" smtClean="0"/>
           </a:p>
         </p:txBody>
       </p:sp>
     </p:spTree>
     <p:extLst>
       <p:ext uri="{BB962C8B-B14F-4D97-AF65-F5344CB8AC3E}">
-        <p14:creationId xmlns:p14="http://schemas.microsoft.com/office/powerpoint/2010/main" val="2399971386"/>
+        <p14:creationId xmlns:p14="http://schemas.microsoft.com/office/powerpoint/2010/main" val="64435875"/>
       </p:ext>
     </p:extLst>
   </p:cSld>
@@ -7434,7 +7747,7 @@
             </a:r>
             <a:r>
               <a:rPr lang="en-US" sz="3400" dirty="0" smtClean="0"/>
-              <a:t> Flow Management: Callbacks</a:t>
+              <a:t> Flow Management: Promises</a:t>
             </a:r>
             <a:endParaRPr lang="en-US" sz="3400" dirty="0"/>
           </a:p>
@@ -7461,132 +7774,60 @@
           <a:lstStyle/>
           <a:p>
             <a:r>
-              <a:rPr lang="en-US" sz="2200" dirty="0" smtClean="0"/>
-              <a:t> Event handling – specify event name and </a:t>
-            </a:r>
-            <a:r>
-              <a:rPr lang="en-US" sz="2200" dirty="0" err="1" smtClean="0"/>
-              <a:t>fn</a:t>
-            </a:r>
-            <a:r>
-              <a:rPr lang="en-US" sz="2200" dirty="0" smtClean="0"/>
-              <a:t> to handle it</a:t>
-            </a:r>
-          </a:p>
-          <a:p>
-            <a:pPr lvl="1"/>
-            <a:r>
-              <a:rPr lang="en-US" sz="1600" dirty="0"/>
+              <a:rPr lang="en-US" sz="2600" dirty="0" smtClean="0"/>
+              <a:t> Better flow readability</a:t>
+            </a:r>
+          </a:p>
+          <a:p>
+            <a:r>
+              <a:rPr lang="en-US" sz="2600" dirty="0"/>
               <a:t> </a:t>
             </a:r>
             <a:r>
-              <a:rPr lang="en-US" sz="1600" dirty="0" smtClean="0"/>
-              <a:t>$(‘#</a:t>
-            </a:r>
-            <a:r>
-              <a:rPr lang="en-US" sz="1600" dirty="0" err="1" smtClean="0"/>
-              <a:t>someElem</a:t>
-            </a:r>
-            <a:r>
-              <a:rPr lang="en-US" sz="1600" dirty="0" smtClean="0"/>
-              <a:t>’).on(‘click’, </a:t>
-            </a:r>
-            <a:r>
-              <a:rPr lang="en-US" sz="1600" dirty="0" err="1" smtClean="0"/>
-              <a:t>fn</a:t>
-            </a:r>
-            <a:r>
-              <a:rPr lang="en-US" sz="1600" dirty="0" smtClean="0"/>
-              <a:t>);</a:t>
-            </a:r>
-          </a:p>
-          <a:p>
-            <a:r>
-              <a:rPr lang="en-US" sz="2200" dirty="0"/>
+              <a:rPr lang="en-US" sz="2600" dirty="0" smtClean="0"/>
+              <a:t>Better error management</a:t>
+            </a:r>
+          </a:p>
+          <a:p>
+            <a:r>
+              <a:rPr lang="en-US" sz="2600" dirty="0"/>
               <a:t> </a:t>
             </a:r>
             <a:r>
-              <a:rPr lang="en-US" sz="2200" dirty="0" smtClean="0"/>
-              <a:t>“Node style”</a:t>
-            </a:r>
-            <a:r>
-              <a:rPr lang="en-US" sz="2200" dirty="0"/>
+              <a:rPr lang="en-US" sz="2600" dirty="0" smtClean="0"/>
+              <a:t>A+ spec</a:t>
+            </a:r>
+          </a:p>
+          <a:p>
+            <a:r>
+              <a:rPr lang="en-US" sz="2600" dirty="0"/>
               <a:t> </a:t>
             </a:r>
             <a:r>
-              <a:rPr lang="en-US" sz="2200" dirty="0" smtClean="0"/>
-              <a:t>– err as first parameter, results as second</a:t>
-            </a:r>
-          </a:p>
-          <a:p>
-            <a:pPr lvl="1"/>
-            <a:r>
-              <a:rPr lang="en-US" sz="1600" dirty="0"/>
-              <a:t> </a:t>
-            </a:r>
-            <a:r>
-              <a:rPr lang="en-US" sz="1600" dirty="0" err="1" smtClean="0"/>
-              <a:t>fs.readFile</a:t>
-            </a:r>
-            <a:r>
-              <a:rPr lang="en-US" sz="1600" dirty="0" smtClean="0"/>
-              <a:t>(‘</a:t>
-            </a:r>
-            <a:r>
-              <a:rPr lang="en-US" sz="1600" dirty="0" err="1" smtClean="0"/>
-              <a:t>somefile.txt</a:t>
-            </a:r>
-            <a:r>
-              <a:rPr lang="en-US" sz="1600" dirty="0" smtClean="0"/>
-              <a:t>’, function(err, </a:t>
-            </a:r>
-            <a:r>
-              <a:rPr lang="en-US" sz="1600" dirty="0" err="1" smtClean="0"/>
-              <a:t>fileContent</a:t>
-            </a:r>
-            <a:r>
-              <a:rPr lang="en-US" sz="1600" dirty="0" smtClean="0"/>
-              <a:t>) {…})</a:t>
-            </a:r>
-            <a:endParaRPr lang="en-US" sz="2200" dirty="0" smtClean="0"/>
-          </a:p>
-          <a:p>
-            <a:r>
-              <a:rPr lang="en-US" sz="2200" dirty="0"/>
-              <a:t> </a:t>
-            </a:r>
-            <a:r>
-              <a:rPr lang="en-US" sz="2200" dirty="0" smtClean="0"/>
-              <a:t>OK when flow is simple</a:t>
-            </a:r>
-          </a:p>
-          <a:p>
-            <a:r>
-              <a:rPr lang="en-US" sz="2200" dirty="0"/>
-              <a:t> </a:t>
-            </a:r>
-            <a:r>
-              <a:rPr lang="en-US" sz="2200" dirty="0" smtClean="0"/>
-              <a:t>Deeply nested callbacks: bad!</a:t>
-            </a:r>
-          </a:p>
-          <a:p>
-            <a:r>
-              <a:rPr lang="en-US" sz="2200" dirty="0"/>
-              <a:t> </a:t>
-            </a:r>
-            <a:r>
-              <a:rPr lang="en-US" sz="2200" dirty="0" smtClean="0"/>
-              <a:t>No spec around callbacks other than function signature</a:t>
-            </a:r>
-            <a:endParaRPr lang="en-US" sz="1600" dirty="0" smtClean="0"/>
+              <a:rPr lang="en-US" sz="2600" dirty="0" smtClean="0"/>
+              <a:t>Extensive API for </a:t>
+            </a:r>
+            <a:r>
+              <a:rPr lang="en-US" sz="2600" dirty="0" err="1" smtClean="0"/>
+              <a:t>async</a:t>
+            </a:r>
+            <a:r>
+              <a:rPr lang="en-US" sz="2600" dirty="0" smtClean="0"/>
+              <a:t> task management</a:t>
+            </a:r>
+          </a:p>
+          <a:p>
+            <a:r>
+              <a:rPr lang="en-US" sz="2600" dirty="0" smtClean="0"/>
+              <a:t> Part of the ES6 language</a:t>
+            </a:r>
           </a:p>
         </p:txBody>
       </p:sp>
     </p:spTree>
     <p:extLst>
       <p:ext uri="{BB962C8B-B14F-4D97-AF65-F5344CB8AC3E}">
-        <p14:creationId xmlns:p14="http://schemas.microsoft.com/office/powerpoint/2010/main" val="64435875"/>
+        <p14:creationId xmlns:p14="http://schemas.microsoft.com/office/powerpoint/2010/main" val="4201370819"/>
       </p:ext>
     </p:extLst>
   </p:cSld>
@@ -7641,14 +7882,10 @@
           <a:lstStyle/>
           <a:p>
             <a:r>
-              <a:rPr lang="en-US" sz="3400" dirty="0" err="1" smtClean="0"/>
-              <a:t>Async</a:t>
-            </a:r>
-            <a:r>
-              <a:rPr lang="en-US" sz="3400" dirty="0" smtClean="0"/>
-              <a:t> Flow Management: Promises</a:t>
-            </a:r>
-            <a:endParaRPr lang="en-US" sz="3400" dirty="0"/>
+              <a:rPr lang="en-US" dirty="0" smtClean="0"/>
+              <a:t>Testing</a:t>
+            </a:r>
+            <a:endParaRPr lang="en-US" dirty="0"/>
           </a:p>
         </p:txBody>
       </p:sp>
@@ -7673,60 +7910,57 @@
           <a:lstStyle/>
           <a:p>
             <a:r>
-              <a:rPr lang="en-US" sz="2600" dirty="0" smtClean="0"/>
-              <a:t> Better flow readability</a:t>
-            </a:r>
-          </a:p>
-          <a:p>
-            <a:r>
-              <a:rPr lang="en-US" sz="2600" dirty="0"/>
+              <a:rPr lang="en-US" sz="2200" dirty="0" smtClean="0"/>
+              <a:t> Easier to harder</a:t>
+            </a:r>
+          </a:p>
+          <a:p>
+            <a:r>
+              <a:rPr lang="en-US" sz="2200" dirty="0"/>
               <a:t> </a:t>
             </a:r>
             <a:r>
-              <a:rPr lang="en-US" sz="2600" dirty="0" smtClean="0"/>
-              <a:t>Better error management</a:t>
-            </a:r>
-          </a:p>
-          <a:p>
-            <a:r>
-              <a:rPr lang="en-US" sz="2600" dirty="0"/>
+              <a:rPr lang="en-US" sz="2200" dirty="0" smtClean="0"/>
+              <a:t>Testing framework (Jasmine)</a:t>
+            </a:r>
+          </a:p>
+          <a:p>
+            <a:r>
+              <a:rPr lang="en-US" sz="2200" dirty="0"/>
               <a:t> </a:t>
             </a:r>
             <a:r>
-              <a:rPr lang="en-US" sz="2600" dirty="0" smtClean="0"/>
-              <a:t>A+ spec</a:t>
-            </a:r>
-          </a:p>
-          <a:p>
-            <a:r>
-              <a:rPr lang="en-US" sz="2600" dirty="0"/>
+              <a:rPr lang="en-US" sz="2200" dirty="0" smtClean="0"/>
+              <a:t>Mocks / stubs / spies</a:t>
+            </a:r>
+          </a:p>
+          <a:p>
+            <a:r>
+              <a:rPr lang="en-US" sz="2200" dirty="0"/>
               <a:t> </a:t>
             </a:r>
             <a:r>
-              <a:rPr lang="en-US" sz="2600" dirty="0" smtClean="0"/>
-              <a:t>Extensive API for </a:t>
-            </a:r>
-            <a:r>
-              <a:rPr lang="en-US" sz="2600" dirty="0" err="1" smtClean="0"/>
-              <a:t>async</a:t>
-            </a:r>
-            <a:r>
-              <a:rPr lang="en-US" sz="2600" dirty="0" smtClean="0"/>
-              <a:t> task management</a:t>
-            </a:r>
-          </a:p>
-          <a:p>
-            <a:r>
-              <a:rPr lang="en-US" sz="2600" dirty="0" smtClean="0"/>
-              <a:t> Part of the ES6 language</a:t>
-            </a:r>
+              <a:rPr lang="en-US" sz="2200" dirty="0" smtClean="0"/>
+              <a:t>Test </a:t>
+            </a:r>
+            <a:r>
+              <a:rPr lang="en-US" sz="2200" dirty="0" smtClean="0"/>
+              <a:t>runners</a:t>
+            </a:r>
+          </a:p>
+          <a:p>
+            <a:r>
+              <a:rPr lang="en-US" sz="2200" dirty="0" smtClean="0"/>
+              <a:t> Debugging</a:t>
+            </a:r>
+            <a:endParaRPr lang="en-US" sz="2200" dirty="0" smtClean="0"/>
           </a:p>
         </p:txBody>
       </p:sp>
     </p:spTree>
     <p:extLst>
       <p:ext uri="{BB962C8B-B14F-4D97-AF65-F5344CB8AC3E}">
-        <p14:creationId xmlns:p14="http://schemas.microsoft.com/office/powerpoint/2010/main" val="4201370819"/>
+        <p14:creationId xmlns:p14="http://schemas.microsoft.com/office/powerpoint/2010/main" val="1649413236"/>
       </p:ext>
     </p:extLst>
   </p:cSld>
@@ -7782,7 +8016,7 @@
           <a:p>
             <a:r>
               <a:rPr lang="en-US" dirty="0" smtClean="0"/>
-              <a:t>Testing</a:t>
+              <a:t>Task Management</a:t>
             </a:r>
             <a:endParaRPr lang="en-US" dirty="0"/>
           </a:p>
@@ -7810,7 +8044,7 @@
           <a:p>
             <a:r>
               <a:rPr lang="en-US" sz="2200" dirty="0" smtClean="0"/>
-              <a:t> Easier to harder</a:t>
+              <a:t> So many modules</a:t>
             </a:r>
           </a:p>
           <a:p>
@@ -7820,7 +8054,7 @@
             </a:r>
             <a:r>
               <a:rPr lang="en-US" sz="2200" dirty="0" smtClean="0"/>
-              <a:t>Testing framework (Jasmine)</a:t>
+              <a:t>Repeatable processes</a:t>
             </a:r>
           </a:p>
           <a:p>
@@ -7830,7 +8064,7 @@
             </a:r>
             <a:r>
               <a:rPr lang="en-US" sz="2200" dirty="0" smtClean="0"/>
-              <a:t>Mocks / stubs / spies</a:t>
+              <a:t>Source-controllable</a:t>
             </a:r>
           </a:p>
           <a:p>
@@ -7840,7 +8074,73 @@
             </a:r>
             <a:r>
               <a:rPr lang="en-US" sz="2200" dirty="0" smtClean="0"/>
-              <a:t>Test runners</a:t>
+              <a:t>Tooling written in and for JS</a:t>
+            </a:r>
+          </a:p>
+          <a:p>
+            <a:r>
+              <a:rPr lang="en-US" sz="2200" dirty="0"/>
+              <a:t> </a:t>
+            </a:r>
+            <a:r>
+              <a:rPr lang="en-US" sz="2200" dirty="0" smtClean="0"/>
+              <a:t>Options</a:t>
+            </a:r>
+          </a:p>
+          <a:p>
+            <a:pPr lvl="1"/>
+            <a:r>
+              <a:rPr lang="en-US" sz="1600" dirty="0"/>
+              <a:t> </a:t>
+            </a:r>
+            <a:r>
+              <a:rPr lang="en-US" sz="1600" dirty="0" smtClean="0"/>
+              <a:t>Grunt</a:t>
+            </a:r>
+          </a:p>
+          <a:p>
+            <a:pPr lvl="1"/>
+            <a:r>
+              <a:rPr lang="en-US" sz="1600" dirty="0"/>
+              <a:t> </a:t>
+            </a:r>
+            <a:r>
+              <a:rPr lang="en-US" sz="1600" dirty="0" smtClean="0"/>
+              <a:t>Gulp</a:t>
+            </a:r>
+          </a:p>
+          <a:p>
+            <a:pPr lvl="1"/>
+            <a:r>
+              <a:rPr lang="en-US" sz="1600" dirty="0"/>
+              <a:t> </a:t>
+            </a:r>
+            <a:r>
+              <a:rPr lang="en-US" sz="1600" dirty="0" smtClean="0"/>
+              <a:t>Broccoli</a:t>
+            </a:r>
+          </a:p>
+          <a:p>
+            <a:pPr lvl="1"/>
+            <a:r>
+              <a:rPr lang="en-US" sz="1600" dirty="0"/>
+              <a:t> </a:t>
+            </a:r>
+            <a:r>
+              <a:rPr lang="en-US" sz="1600" dirty="0" err="1" smtClean="0"/>
+              <a:t>Webpack</a:t>
+            </a:r>
+            <a:endParaRPr lang="en-US" sz="1600" dirty="0" smtClean="0"/>
+          </a:p>
+          <a:p>
+            <a:pPr lvl="1"/>
+            <a:r>
+              <a:rPr lang="en-US" sz="1600" dirty="0"/>
+              <a:t> </a:t>
+            </a:r>
+            <a:r>
+              <a:rPr lang="en-US" sz="1600" dirty="0" smtClean="0"/>
+              <a:t>etc…. </a:t>
             </a:r>
           </a:p>
         </p:txBody>
@@ -7848,7 +8148,7 @@
     </p:spTree>
     <p:extLst>
       <p:ext uri="{BB962C8B-B14F-4D97-AF65-F5344CB8AC3E}">
-        <p14:creationId xmlns:p14="http://schemas.microsoft.com/office/powerpoint/2010/main" val="1649413236"/>
+        <p14:creationId xmlns:p14="http://schemas.microsoft.com/office/powerpoint/2010/main" val="3938869390"/>
       </p:ext>
     </p:extLst>
   </p:cSld>
@@ -7904,7 +8204,7 @@
           <a:p>
             <a:r>
               <a:rPr lang="en-US" dirty="0" smtClean="0"/>
-              <a:t>Task Management</a:t>
+              <a:t>Task Management: Grunt</a:t>
             </a:r>
             <a:endParaRPr lang="en-US" dirty="0"/>
           </a:p>
@@ -7931,18 +8231,12 @@
           <a:lstStyle/>
           <a:p>
             <a:r>
-              <a:rPr lang="en-US" sz="2200" dirty="0" smtClean="0"/>
-              <a:t> So many modules</a:t>
-            </a:r>
-          </a:p>
-          <a:p>
-            <a:r>
               <a:rPr lang="en-US" sz="2200" dirty="0"/>
               <a:t> </a:t>
             </a:r>
             <a:r>
               <a:rPr lang="en-US" sz="2200" dirty="0" smtClean="0"/>
-              <a:t>Repeatable processes</a:t>
+              <a:t>Management by configuration</a:t>
             </a:r>
           </a:p>
           <a:p>
@@ -7952,7 +8246,13 @@
             </a:r>
             <a:r>
               <a:rPr lang="en-US" sz="2200" dirty="0" smtClean="0"/>
-              <a:t>Source-controllable</a:t>
+              <a:t>Consecutively running tasks</a:t>
+            </a:r>
+          </a:p>
+          <a:p>
+            <a:r>
+              <a:rPr lang="en-US" sz="2200" dirty="0" smtClean="0"/>
+              <a:t> Better fit for non-programmers </a:t>
             </a:r>
           </a:p>
           <a:p>
@@ -7961,82 +8261,21 @@
               <a:t> </a:t>
             </a:r>
             <a:r>
+              <a:rPr lang="en-US" sz="2200" dirty="0"/>
+              <a:t>Large ecosystem of </a:t>
+            </a:r>
+            <a:r>
               <a:rPr lang="en-US" sz="2200" dirty="0" smtClean="0"/>
-              <a:t>Tooling written in and for JS</a:t>
-            </a:r>
-          </a:p>
-          <a:p>
-            <a:r>
-              <a:rPr lang="en-US" sz="2200" dirty="0"/>
-              <a:t> </a:t>
-            </a:r>
-            <a:r>
-              <a:rPr lang="en-US" sz="2200" dirty="0" smtClean="0"/>
-              <a:t>Options</a:t>
-            </a:r>
-          </a:p>
-          <a:p>
-            <a:pPr lvl="1"/>
-            <a:r>
-              <a:rPr lang="en-US" sz="1600" dirty="0"/>
-              <a:t> </a:t>
-            </a:r>
-            <a:r>
-              <a:rPr lang="en-US" sz="1600" dirty="0" smtClean="0"/>
-              <a:t>Grunt</a:t>
-            </a:r>
-          </a:p>
-          <a:p>
-            <a:pPr lvl="1"/>
-            <a:r>
-              <a:rPr lang="en-US" sz="1600" dirty="0"/>
-              <a:t> </a:t>
-            </a:r>
-            <a:r>
-              <a:rPr lang="en-US" sz="1600" dirty="0" smtClean="0"/>
-              <a:t>Gulp</a:t>
-            </a:r>
-          </a:p>
-          <a:p>
-            <a:pPr lvl="1"/>
-            <a:r>
-              <a:rPr lang="en-US" sz="1600" dirty="0"/>
-              <a:t> </a:t>
-            </a:r>
-            <a:r>
-              <a:rPr lang="en-US" sz="1600" dirty="0" smtClean="0"/>
-              <a:t>Broccoli</a:t>
-            </a:r>
-          </a:p>
-          <a:p>
-            <a:pPr lvl="1"/>
-            <a:r>
-              <a:rPr lang="en-US" sz="1600" dirty="0"/>
-              <a:t> </a:t>
-            </a:r>
-            <a:r>
-              <a:rPr lang="en-US" sz="1600" dirty="0" err="1" smtClean="0"/>
-              <a:t>Webpack</a:t>
-            </a:r>
-            <a:endParaRPr lang="en-US" sz="1600" dirty="0" smtClean="0"/>
-          </a:p>
-          <a:p>
-            <a:pPr lvl="1"/>
-            <a:r>
-              <a:rPr lang="en-US" sz="1600" dirty="0"/>
-              <a:t> </a:t>
-            </a:r>
-            <a:r>
-              <a:rPr lang="en-US" sz="1600" dirty="0" smtClean="0"/>
-              <a:t>etc…. </a:t>
-            </a:r>
+              <a:t>plugins</a:t>
+            </a:r>
+            <a:endParaRPr lang="en-US" sz="2200" dirty="0"/>
           </a:p>
         </p:txBody>
       </p:sp>
     </p:spTree>
     <p:extLst>
       <p:ext uri="{BB962C8B-B14F-4D97-AF65-F5344CB8AC3E}">
-        <p14:creationId xmlns:p14="http://schemas.microsoft.com/office/powerpoint/2010/main" val="3938869390"/>
+        <p14:creationId xmlns:p14="http://schemas.microsoft.com/office/powerpoint/2010/main" val="3565051886"/>
       </p:ext>
     </p:extLst>
   </p:cSld>
@@ -8092,7 +8331,7 @@
           <a:p>
             <a:r>
               <a:rPr lang="en-US" dirty="0" smtClean="0"/>
-              <a:t>Task Management: Grunt</a:t>
+              <a:t>Task Management: Gulp</a:t>
             </a:r>
             <a:endParaRPr lang="en-US" dirty="0"/>
           </a:p>
@@ -8118,14 +8357,58 @@
           <a:bodyPr/>
           <a:lstStyle/>
           <a:p>
-            <a:endParaRPr lang="en-US" sz="1600" dirty="0" smtClean="0"/>
+            <a:r>
+              <a:rPr lang="en-US" sz="2200" dirty="0" smtClean="0"/>
+              <a:t> Management with code</a:t>
+            </a:r>
+          </a:p>
+          <a:p>
+            <a:r>
+              <a:rPr lang="en-US" sz="2200" dirty="0"/>
+              <a:t> </a:t>
+            </a:r>
+            <a:r>
+              <a:rPr lang="en-US" sz="2200" dirty="0" smtClean="0"/>
+              <a:t>Stream-based</a:t>
+            </a:r>
+          </a:p>
+          <a:p>
+            <a:r>
+              <a:rPr lang="en-US" sz="2200" dirty="0"/>
+              <a:t> </a:t>
+            </a:r>
+            <a:r>
+              <a:rPr lang="en-US" sz="2200" dirty="0" smtClean="0"/>
+              <a:t>Parallel running tasks</a:t>
+            </a:r>
+          </a:p>
+          <a:p>
+            <a:r>
+              <a:rPr lang="en-US" sz="2200" dirty="0"/>
+              <a:t> </a:t>
+            </a:r>
+            <a:r>
+              <a:rPr lang="en-US" sz="2200" dirty="0" smtClean="0"/>
+              <a:t>Fast and efficient</a:t>
+            </a:r>
+          </a:p>
+          <a:p>
+            <a:r>
+              <a:rPr lang="en-US" sz="2200" dirty="0"/>
+              <a:t> </a:t>
+            </a:r>
+            <a:r>
+              <a:rPr lang="en-US" sz="2200" dirty="0" smtClean="0"/>
+              <a:t>For programmers</a:t>
+            </a:r>
+            <a:endParaRPr lang="en-US" sz="2200" dirty="0" smtClean="0"/>
           </a:p>
         </p:txBody>
       </p:sp>
     </p:spTree>
     <p:extLst>
       <p:ext uri="{BB962C8B-B14F-4D97-AF65-F5344CB8AC3E}">
-        <p14:creationId xmlns:p14="http://schemas.microsoft.com/office/powerpoint/2010/main" val="3565051886"/>
+        <p14:creationId xmlns:p14="http://schemas.microsoft.com/office/powerpoint/2010/main" val="588710634"/>
       </p:ext>
     </p:extLst>
   </p:cSld>
@@ -8181,7 +8464,7 @@
           <a:p>
             <a:r>
               <a:rPr lang="en-US" dirty="0" smtClean="0"/>
-              <a:t>Task Management: Gulp</a:t>
+              <a:t>Web Frameworks</a:t>
             </a:r>
             <a:endParaRPr lang="en-US" dirty="0"/>
           </a:p>
@@ -8207,14 +8490,42 @@
           <a:bodyPr/>
           <a:lstStyle/>
           <a:p>
-            <a:endParaRPr lang="en-US" sz="1600" dirty="0" smtClean="0"/>
+            <a:r>
+              <a:rPr lang="en-US" sz="2200" dirty="0" smtClean="0"/>
+              <a:t> Lightweight options</a:t>
+            </a:r>
+          </a:p>
+          <a:p>
+            <a:r>
+              <a:rPr lang="en-US" sz="2200" dirty="0"/>
+              <a:t> </a:t>
+            </a:r>
+            <a:r>
+              <a:rPr lang="en-US" sz="2200" dirty="0" smtClean="0"/>
+              <a:t>Full(</a:t>
+            </a:r>
+            <a:r>
+              <a:rPr lang="en-US" sz="2200" dirty="0" err="1" smtClean="0"/>
+              <a:t>er</a:t>
+            </a:r>
+            <a:r>
+              <a:rPr lang="en-US" sz="2200" dirty="0" smtClean="0"/>
+              <a:t>) stack</a:t>
+            </a:r>
+          </a:p>
+          <a:p>
+            <a:r>
+              <a:rPr lang="en-US" sz="2200" dirty="0" smtClean="0"/>
+              <a:t> Real-time</a:t>
+            </a:r>
+            <a:endParaRPr lang="en-US" sz="2200" dirty="0" smtClean="0"/>
           </a:p>
         </p:txBody>
       </p:sp>
     </p:spTree>
     <p:extLst>
       <p:ext uri="{BB962C8B-B14F-4D97-AF65-F5344CB8AC3E}">
-        <p14:creationId xmlns:p14="http://schemas.microsoft.com/office/powerpoint/2010/main" val="588710634"/>
+        <p14:creationId xmlns:p14="http://schemas.microsoft.com/office/powerpoint/2010/main" val="1690069527"/>
       </p:ext>
     </p:extLst>
   </p:cSld>
@@ -8270,7 +8581,11 @@
           <a:p>
             <a:r>
               <a:rPr lang="en-US" dirty="0" smtClean="0"/>
-              <a:t>Web Frameworks</a:t>
+              <a:t>Web </a:t>
+            </a:r>
+            <a:r>
+              <a:rPr lang="en-US" dirty="0" smtClean="0"/>
+              <a:t>Frameworks: Lightweight</a:t>
             </a:r>
             <a:endParaRPr lang="en-US" dirty="0"/>
           </a:p>
@@ -8288,22 +8603,240 @@
         </p:nvSpPr>
         <p:spPr>
           <a:xfrm>
-            <a:off x="628650" y="1417377"/>
-            <a:ext cx="7886700" cy="4351199"/>
+            <a:off x="628650" y="1417378"/>
+            <a:ext cx="7886700" cy="2111886"/>
           </a:xfrm>
         </p:spPr>
         <p:txBody>
           <a:bodyPr/>
           <a:lstStyle/>
           <a:p>
+            <a:r>
+              <a:rPr lang="en-US" sz="2200" dirty="0" smtClean="0"/>
+              <a:t> Low-level abstractions on http module</a:t>
+            </a:r>
+          </a:p>
+          <a:p>
+            <a:r>
+              <a:rPr lang="en-US" sz="2200" dirty="0"/>
+              <a:t> </a:t>
+            </a:r>
+            <a:r>
+              <a:rPr lang="en-US" sz="2200" dirty="0" smtClean="0"/>
+              <a:t>Routing and middleware</a:t>
+            </a:r>
             <a:endParaRPr lang="en-US" sz="2200" dirty="0" smtClean="0"/>
+          </a:p>
+        </p:txBody>
+      </p:sp>
+      <p:sp>
+        <p:nvSpPr>
+          <p:cNvPr id="4" name="Title 1"/>
+          <p:cNvSpPr txBox="1">
+            <a:spLocks/>
+          </p:cNvSpPr>
+          <p:nvPr/>
+        </p:nvSpPr>
+        <p:spPr>
+          <a:xfrm>
+            <a:off x="781050" y="4297946"/>
+            <a:ext cx="7886700" cy="1325700"/>
+          </a:xfrm>
+          <a:prstGeom prst="rect">
+            <a:avLst/>
+          </a:prstGeom>
+          <a:noFill/>
+          <a:ln>
+            <a:noFill/>
+          </a:ln>
+        </p:spPr>
+        <p:txBody>
+          <a:bodyPr lIns="91425" tIns="91425" rIns="91425" bIns="91425" anchor="ctr" anchorCtr="0"/>
+          <a:lstStyle>
+            <a:defPPr marR="0" algn="l" rtl="0">
+              <a:lnSpc>
+                <a:spcPct val="100000"/>
+              </a:lnSpc>
+              <a:spcBef>
+                <a:spcPts val="0"/>
+              </a:spcBef>
+              <a:spcAft>
+                <a:spcPts val="0"/>
+              </a:spcAft>
+            </a:defPPr>
+            <a:lvl1pPr marR="0" algn="l" rtl="0">
+              <a:lnSpc>
+                <a:spcPct val="90000"/>
+              </a:lnSpc>
+              <a:spcBef>
+                <a:spcPts val="0"/>
+              </a:spcBef>
+              <a:spcAft>
+                <a:spcPts val="0"/>
+              </a:spcAft>
+              <a:buClr>
+                <a:schemeClr val="dk1"/>
+              </a:buClr>
+              <a:buSzPct val="100000"/>
+              <a:buFont typeface="Calibri"/>
+              <a:buNone/>
+              <a:defRPr sz="3600" b="1" i="0" u="none" strike="noStrike" cap="none" baseline="0">
+                <a:solidFill>
+                  <a:schemeClr val="lt1"/>
+                </a:solidFill>
+                <a:latin typeface="Arial"/>
+                <a:ea typeface="Arial"/>
+                <a:cs typeface="Arial"/>
+                <a:sym typeface="Arial"/>
+                <a:rtl val="0"/>
+              </a:defRPr>
+            </a:lvl1pPr>
+            <a:lvl2pPr marR="0" algn="l" rtl="0">
+              <a:lnSpc>
+                <a:spcPct val="100000"/>
+              </a:lnSpc>
+              <a:spcBef>
+                <a:spcPts val="0"/>
+              </a:spcBef>
+              <a:spcAft>
+                <a:spcPts val="0"/>
+              </a:spcAft>
+              <a:buClr>
+                <a:schemeClr val="lt1"/>
+              </a:buClr>
+              <a:buSzPct val="100000"/>
+              <a:buNone/>
+              <a:defRPr sz="3600" b="1" i="0" u="none" strike="noStrike" cap="none" baseline="0">
+                <a:solidFill>
+                  <a:schemeClr val="lt1"/>
+                </a:solidFill>
+                <a:latin typeface="Arial"/>
+                <a:ea typeface="Arial"/>
+                <a:cs typeface="Arial"/>
+                <a:sym typeface="Arial"/>
+                <a:rtl val="0"/>
+              </a:defRPr>
+            </a:lvl2pPr>
+            <a:lvl3pPr rtl="0">
+              <a:spcBef>
+                <a:spcPts val="0"/>
+              </a:spcBef>
+              <a:buClr>
+                <a:schemeClr val="lt1"/>
+              </a:buClr>
+              <a:buSzPct val="100000"/>
+              <a:buNone/>
+              <a:defRPr sz="3600" b="1">
+                <a:solidFill>
+                  <a:schemeClr val="lt1"/>
+                </a:solidFill>
+              </a:defRPr>
+            </a:lvl3pPr>
+            <a:lvl4pPr rtl="0">
+              <a:spcBef>
+                <a:spcPts val="0"/>
+              </a:spcBef>
+              <a:buClr>
+                <a:schemeClr val="lt1"/>
+              </a:buClr>
+              <a:buSzPct val="100000"/>
+              <a:buNone/>
+              <a:defRPr sz="3600" b="1">
+                <a:solidFill>
+                  <a:schemeClr val="lt1"/>
+                </a:solidFill>
+              </a:defRPr>
+            </a:lvl4pPr>
+            <a:lvl5pPr rtl="0">
+              <a:spcBef>
+                <a:spcPts val="0"/>
+              </a:spcBef>
+              <a:buClr>
+                <a:schemeClr val="lt1"/>
+              </a:buClr>
+              <a:buSzPct val="100000"/>
+              <a:buNone/>
+              <a:defRPr sz="3600" b="1">
+                <a:solidFill>
+                  <a:schemeClr val="lt1"/>
+                </a:solidFill>
+              </a:defRPr>
+            </a:lvl5pPr>
+            <a:lvl6pPr rtl="0">
+              <a:spcBef>
+                <a:spcPts val="0"/>
+              </a:spcBef>
+              <a:buClr>
+                <a:schemeClr val="lt1"/>
+              </a:buClr>
+              <a:buSzPct val="100000"/>
+              <a:buNone/>
+              <a:defRPr sz="3600" b="1">
+                <a:solidFill>
+                  <a:schemeClr val="lt1"/>
+                </a:solidFill>
+              </a:defRPr>
+            </a:lvl6pPr>
+            <a:lvl7pPr rtl="0">
+              <a:spcBef>
+                <a:spcPts val="0"/>
+              </a:spcBef>
+              <a:buClr>
+                <a:schemeClr val="lt1"/>
+              </a:buClr>
+              <a:buSzPct val="100000"/>
+              <a:buNone/>
+              <a:defRPr sz="3600" b="1">
+                <a:solidFill>
+                  <a:schemeClr val="lt1"/>
+                </a:solidFill>
+              </a:defRPr>
+            </a:lvl7pPr>
+            <a:lvl8pPr rtl="0">
+              <a:spcBef>
+                <a:spcPts val="0"/>
+              </a:spcBef>
+              <a:buClr>
+                <a:schemeClr val="lt1"/>
+              </a:buClr>
+              <a:buSzPct val="100000"/>
+              <a:buNone/>
+              <a:defRPr sz="3600" b="1">
+                <a:solidFill>
+                  <a:schemeClr val="lt1"/>
+                </a:solidFill>
+              </a:defRPr>
+            </a:lvl8pPr>
+            <a:lvl9pPr rtl="0">
+              <a:spcBef>
+                <a:spcPts val="0"/>
+              </a:spcBef>
+              <a:buClr>
+                <a:schemeClr val="lt1"/>
+              </a:buClr>
+              <a:buSzPct val="100000"/>
+              <a:buNone/>
+              <a:defRPr sz="3600" b="1">
+                <a:solidFill>
+                  <a:schemeClr val="lt1"/>
+                </a:solidFill>
+              </a:defRPr>
+            </a:lvl9pPr>
+          </a:lstStyle>
+          <a:p>
+            <a:pPr algn="ctr"/>
+            <a:r>
+              <a:rPr lang="en-US" dirty="0" smtClean="0"/>
+              <a:t>Demo!</a:t>
+            </a:r>
+            <a:endParaRPr lang="en-US" dirty="0"/>
           </a:p>
         </p:txBody>
       </p:sp>
     </p:spTree>
     <p:extLst>
       <p:ext uri="{BB962C8B-B14F-4D97-AF65-F5344CB8AC3E}">
-        <p14:creationId xmlns:p14="http://schemas.microsoft.com/office/powerpoint/2010/main" val="1690069527"/>
+        <p14:creationId xmlns:p14="http://schemas.microsoft.com/office/powerpoint/2010/main" val="3908775830"/>
       </p:ext>
     </p:extLst>
   </p:cSld>
@@ -8407,7 +8940,6 @@
               <a:rPr lang="en-US" dirty="0" smtClean="0"/>
               <a:t> Testing</a:t>
             </a:r>
-            <a:endParaRPr lang="en-US" dirty="0" smtClean="0"/>
           </a:p>
           <a:p>
             <a:r>
@@ -8635,11 +9167,7 @@
             <a:pPr algn="ctr"/>
             <a:r>
               <a:rPr lang="en-US" dirty="0" smtClean="0"/>
-              <a:t>…and </a:t>
-            </a:r>
-            <a:r>
-              <a:rPr lang="en-US" dirty="0" smtClean="0"/>
-              <a:t>demos</a:t>
+              <a:t>…and demos</a:t>
             </a:r>
             <a:endParaRPr lang="en-US" dirty="0"/>
           </a:p>
@@ -8704,6 +9232,1305 @@
           <a:p>
             <a:r>
               <a:rPr lang="en-US" dirty="0" smtClean="0"/>
+              <a:t>Web </a:t>
+            </a:r>
+            <a:r>
+              <a:rPr lang="en-US" dirty="0" smtClean="0"/>
+              <a:t>Frameworks: Full Stack</a:t>
+            </a:r>
+            <a:endParaRPr lang="en-US" dirty="0"/>
+          </a:p>
+        </p:txBody>
+      </p:sp>
+      <p:sp>
+        <p:nvSpPr>
+          <p:cNvPr id="3" name="Text Placeholder 2"/>
+          <p:cNvSpPr>
+            <a:spLocks noGrp="1"/>
+          </p:cNvSpPr>
+          <p:nvPr>
+            <p:ph type="body" idx="1"/>
+          </p:nvPr>
+        </p:nvSpPr>
+        <p:spPr>
+          <a:xfrm>
+            <a:off x="628650" y="1417377"/>
+            <a:ext cx="7886700" cy="4351199"/>
+          </a:xfrm>
+        </p:spPr>
+        <p:txBody>
+          <a:bodyPr/>
+          <a:lstStyle/>
+          <a:p>
+            <a:r>
+              <a:rPr lang="en-US" sz="2200" dirty="0" smtClean="0"/>
+              <a:t> Routing, view layer, data model, etc.</a:t>
+            </a:r>
+          </a:p>
+          <a:p>
+            <a:r>
+              <a:rPr lang="en-US" sz="2200" dirty="0"/>
+              <a:t> </a:t>
+            </a:r>
+            <a:r>
+              <a:rPr lang="en-US" sz="2200" dirty="0" smtClean="0"/>
+              <a:t>One framework back to front</a:t>
+            </a:r>
+          </a:p>
+          <a:p>
+            <a:r>
+              <a:rPr lang="en-US" sz="2200" dirty="0"/>
+              <a:t> </a:t>
+            </a:r>
+            <a:r>
+              <a:rPr lang="en-US" sz="2200" dirty="0" smtClean="0"/>
+              <a:t>Real time out of the box </a:t>
+            </a:r>
+            <a:endParaRPr lang="en-US" sz="2200" dirty="0" smtClean="0"/>
+          </a:p>
+        </p:txBody>
+      </p:sp>
+      <p:sp>
+        <p:nvSpPr>
+          <p:cNvPr id="4" name="Title 1"/>
+          <p:cNvSpPr txBox="1">
+            <a:spLocks/>
+          </p:cNvSpPr>
+          <p:nvPr/>
+        </p:nvSpPr>
+        <p:spPr>
+          <a:xfrm>
+            <a:off x="781050" y="4297946"/>
+            <a:ext cx="7886700" cy="1325700"/>
+          </a:xfrm>
+          <a:prstGeom prst="rect">
+            <a:avLst/>
+          </a:prstGeom>
+          <a:noFill/>
+          <a:ln>
+            <a:noFill/>
+          </a:ln>
+        </p:spPr>
+        <p:txBody>
+          <a:bodyPr lIns="91425" tIns="91425" rIns="91425" bIns="91425" anchor="ctr" anchorCtr="0"/>
+          <a:lstStyle>
+            <a:defPPr marR="0" algn="l" rtl="0">
+              <a:lnSpc>
+                <a:spcPct val="100000"/>
+              </a:lnSpc>
+              <a:spcBef>
+                <a:spcPts val="0"/>
+              </a:spcBef>
+              <a:spcAft>
+                <a:spcPts val="0"/>
+              </a:spcAft>
+            </a:defPPr>
+            <a:lvl1pPr marR="0" algn="l" rtl="0">
+              <a:lnSpc>
+                <a:spcPct val="90000"/>
+              </a:lnSpc>
+              <a:spcBef>
+                <a:spcPts val="0"/>
+              </a:spcBef>
+              <a:spcAft>
+                <a:spcPts val="0"/>
+              </a:spcAft>
+              <a:buClr>
+                <a:schemeClr val="dk1"/>
+              </a:buClr>
+              <a:buSzPct val="100000"/>
+              <a:buFont typeface="Calibri"/>
+              <a:buNone/>
+              <a:defRPr sz="3600" b="1" i="0" u="none" strike="noStrike" cap="none" baseline="0">
+                <a:solidFill>
+                  <a:schemeClr val="lt1"/>
+                </a:solidFill>
+                <a:latin typeface="Arial"/>
+                <a:ea typeface="Arial"/>
+                <a:cs typeface="Arial"/>
+                <a:sym typeface="Arial"/>
+                <a:rtl val="0"/>
+              </a:defRPr>
+            </a:lvl1pPr>
+            <a:lvl2pPr marR="0" algn="l" rtl="0">
+              <a:lnSpc>
+                <a:spcPct val="100000"/>
+              </a:lnSpc>
+              <a:spcBef>
+                <a:spcPts val="0"/>
+              </a:spcBef>
+              <a:spcAft>
+                <a:spcPts val="0"/>
+              </a:spcAft>
+              <a:buClr>
+                <a:schemeClr val="lt1"/>
+              </a:buClr>
+              <a:buSzPct val="100000"/>
+              <a:buNone/>
+              <a:defRPr sz="3600" b="1" i="0" u="none" strike="noStrike" cap="none" baseline="0">
+                <a:solidFill>
+                  <a:schemeClr val="lt1"/>
+                </a:solidFill>
+                <a:latin typeface="Arial"/>
+                <a:ea typeface="Arial"/>
+                <a:cs typeface="Arial"/>
+                <a:sym typeface="Arial"/>
+                <a:rtl val="0"/>
+              </a:defRPr>
+            </a:lvl2pPr>
+            <a:lvl3pPr rtl="0">
+              <a:spcBef>
+                <a:spcPts val="0"/>
+              </a:spcBef>
+              <a:buClr>
+                <a:schemeClr val="lt1"/>
+              </a:buClr>
+              <a:buSzPct val="100000"/>
+              <a:buNone/>
+              <a:defRPr sz="3600" b="1">
+                <a:solidFill>
+                  <a:schemeClr val="lt1"/>
+                </a:solidFill>
+              </a:defRPr>
+            </a:lvl3pPr>
+            <a:lvl4pPr rtl="0">
+              <a:spcBef>
+                <a:spcPts val="0"/>
+              </a:spcBef>
+              <a:buClr>
+                <a:schemeClr val="lt1"/>
+              </a:buClr>
+              <a:buSzPct val="100000"/>
+              <a:buNone/>
+              <a:defRPr sz="3600" b="1">
+                <a:solidFill>
+                  <a:schemeClr val="lt1"/>
+                </a:solidFill>
+              </a:defRPr>
+            </a:lvl4pPr>
+            <a:lvl5pPr rtl="0">
+              <a:spcBef>
+                <a:spcPts val="0"/>
+              </a:spcBef>
+              <a:buClr>
+                <a:schemeClr val="lt1"/>
+              </a:buClr>
+              <a:buSzPct val="100000"/>
+              <a:buNone/>
+              <a:defRPr sz="3600" b="1">
+                <a:solidFill>
+                  <a:schemeClr val="lt1"/>
+                </a:solidFill>
+              </a:defRPr>
+            </a:lvl5pPr>
+            <a:lvl6pPr rtl="0">
+              <a:spcBef>
+                <a:spcPts val="0"/>
+              </a:spcBef>
+              <a:buClr>
+                <a:schemeClr val="lt1"/>
+              </a:buClr>
+              <a:buSzPct val="100000"/>
+              <a:buNone/>
+              <a:defRPr sz="3600" b="1">
+                <a:solidFill>
+                  <a:schemeClr val="lt1"/>
+                </a:solidFill>
+              </a:defRPr>
+            </a:lvl6pPr>
+            <a:lvl7pPr rtl="0">
+              <a:spcBef>
+                <a:spcPts val="0"/>
+              </a:spcBef>
+              <a:buClr>
+                <a:schemeClr val="lt1"/>
+              </a:buClr>
+              <a:buSzPct val="100000"/>
+              <a:buNone/>
+              <a:defRPr sz="3600" b="1">
+                <a:solidFill>
+                  <a:schemeClr val="lt1"/>
+                </a:solidFill>
+              </a:defRPr>
+            </a:lvl7pPr>
+            <a:lvl8pPr rtl="0">
+              <a:spcBef>
+                <a:spcPts val="0"/>
+              </a:spcBef>
+              <a:buClr>
+                <a:schemeClr val="lt1"/>
+              </a:buClr>
+              <a:buSzPct val="100000"/>
+              <a:buNone/>
+              <a:defRPr sz="3600" b="1">
+                <a:solidFill>
+                  <a:schemeClr val="lt1"/>
+                </a:solidFill>
+              </a:defRPr>
+            </a:lvl8pPr>
+            <a:lvl9pPr rtl="0">
+              <a:spcBef>
+                <a:spcPts val="0"/>
+              </a:spcBef>
+              <a:buClr>
+                <a:schemeClr val="lt1"/>
+              </a:buClr>
+              <a:buSzPct val="100000"/>
+              <a:buNone/>
+              <a:defRPr sz="3600" b="1">
+                <a:solidFill>
+                  <a:schemeClr val="lt1"/>
+                </a:solidFill>
+              </a:defRPr>
+            </a:lvl9pPr>
+          </a:lstStyle>
+          <a:p>
+            <a:pPr algn="ctr"/>
+            <a:r>
+              <a:rPr lang="en-US" dirty="0" smtClean="0"/>
+              <a:t>Demo!</a:t>
+            </a:r>
+            <a:endParaRPr lang="en-US" dirty="0"/>
+          </a:p>
+        </p:txBody>
+      </p:sp>
+    </p:spTree>
+    <p:extLst>
+      <p:ext uri="{BB962C8B-B14F-4D97-AF65-F5344CB8AC3E}">
+        <p14:creationId xmlns:p14="http://schemas.microsoft.com/office/powerpoint/2010/main" val="4097585328"/>
+      </p:ext>
+    </p:extLst>
+  </p:cSld>
+  <p:clrMapOvr>
+    <a:masterClrMapping/>
+  </p:clrMapOvr>
+  <p:timing>
+    <p:tnLst>
+      <p:par>
+        <p:cTn xmlns:p14="http://schemas.microsoft.com/office/powerpoint/2010/main" id="1" dur="indefinite" restart="never" nodeType="tmRoot"/>
+      </p:par>
+    </p:tnLst>
+  </p:timing>
+</p:sld>
+</file>
+
+<file path=ppt/slides/slide31.xml><?xml version="1.0" encoding="utf-8"?>
+<p:sld xmlns:a="http://schemas.openxmlformats.org/drawingml/2006/main" xmlns:r="http://schemas.openxmlformats.org/officeDocument/2006/relationships" xmlns:p="http://schemas.openxmlformats.org/presentationml/2006/main">
+  <p:cSld>
+    <p:spTree>
+      <p:nvGrpSpPr>
+        <p:cNvPr id="1" name=""/>
+        <p:cNvGrpSpPr/>
+        <p:nvPr/>
+      </p:nvGrpSpPr>
+      <p:grpSpPr>
+        <a:xfrm>
+          <a:off x="0" y="0"/>
+          <a:ext cx="0" cy="0"/>
+          <a:chOff x="0" y="0"/>
+          <a:chExt cx="0" cy="0"/>
+        </a:xfrm>
+      </p:grpSpPr>
+      <p:sp>
+        <p:nvSpPr>
+          <p:cNvPr id="2" name="Title 1"/>
+          <p:cNvSpPr>
+            <a:spLocks noGrp="1"/>
+          </p:cNvSpPr>
+          <p:nvPr>
+            <p:ph type="title"/>
+          </p:nvPr>
+        </p:nvSpPr>
+        <p:spPr>
+          <a:xfrm>
+            <a:off x="628650" y="229045"/>
+            <a:ext cx="7886700" cy="1325700"/>
+          </a:xfrm>
+        </p:spPr>
+        <p:txBody>
+          <a:bodyPr/>
+          <a:lstStyle/>
+          <a:p>
+            <a:r>
+              <a:rPr lang="en-US" dirty="0" smtClean="0"/>
+              <a:t>Web </a:t>
+            </a:r>
+            <a:r>
+              <a:rPr lang="en-US" dirty="0" smtClean="0"/>
+              <a:t>Frameworks: Real Time</a:t>
+            </a:r>
+            <a:endParaRPr lang="en-US" dirty="0"/>
+          </a:p>
+        </p:txBody>
+      </p:sp>
+      <p:sp>
+        <p:nvSpPr>
+          <p:cNvPr id="3" name="Text Placeholder 2"/>
+          <p:cNvSpPr>
+            <a:spLocks noGrp="1"/>
+          </p:cNvSpPr>
+          <p:nvPr>
+            <p:ph type="body" idx="1"/>
+          </p:nvPr>
+        </p:nvSpPr>
+        <p:spPr>
+          <a:xfrm>
+            <a:off x="628650" y="1417377"/>
+            <a:ext cx="7886700" cy="4351199"/>
+          </a:xfrm>
+        </p:spPr>
+        <p:txBody>
+          <a:bodyPr/>
+          <a:lstStyle/>
+          <a:p>
+            <a:r>
+              <a:rPr lang="en-US" sz="2200" dirty="0" smtClean="0"/>
+              <a:t> </a:t>
+            </a:r>
+            <a:r>
+              <a:rPr lang="en-US" sz="2200" dirty="0" err="1" smtClean="0"/>
+              <a:t>Websockets</a:t>
+            </a:r>
+            <a:endParaRPr lang="en-US" sz="2200" dirty="0" smtClean="0"/>
+          </a:p>
+          <a:p>
+            <a:r>
+              <a:rPr lang="en-US" sz="2200" dirty="0"/>
+              <a:t> </a:t>
+            </a:r>
+            <a:r>
+              <a:rPr lang="en-US" sz="2200" dirty="0" err="1" smtClean="0"/>
+              <a:t>Socket.io</a:t>
+            </a:r>
+            <a:r>
+              <a:rPr lang="en-US" sz="2200" dirty="0" smtClean="0"/>
+              <a:t> and </a:t>
+            </a:r>
+            <a:r>
+              <a:rPr lang="en-US" sz="2200" dirty="0" err="1" smtClean="0"/>
+              <a:t>express.io</a:t>
+            </a:r>
+            <a:endParaRPr lang="en-US" sz="2200" dirty="0" smtClean="0"/>
+          </a:p>
+          <a:p>
+            <a:r>
+              <a:rPr lang="en-US" sz="2200" dirty="0"/>
+              <a:t> </a:t>
+            </a:r>
+            <a:r>
+              <a:rPr lang="en-US" sz="2200" dirty="0" err="1" smtClean="0"/>
+              <a:t>SignalR</a:t>
+            </a:r>
+            <a:endParaRPr lang="en-US" sz="2200" dirty="0" smtClean="0"/>
+          </a:p>
+        </p:txBody>
+      </p:sp>
+      <p:sp>
+        <p:nvSpPr>
+          <p:cNvPr id="4" name="Title 1"/>
+          <p:cNvSpPr txBox="1">
+            <a:spLocks/>
+          </p:cNvSpPr>
+          <p:nvPr/>
+        </p:nvSpPr>
+        <p:spPr>
+          <a:xfrm>
+            <a:off x="781050" y="4297946"/>
+            <a:ext cx="7886700" cy="1325700"/>
+          </a:xfrm>
+          <a:prstGeom prst="rect">
+            <a:avLst/>
+          </a:prstGeom>
+          <a:noFill/>
+          <a:ln>
+            <a:noFill/>
+          </a:ln>
+        </p:spPr>
+        <p:txBody>
+          <a:bodyPr lIns="91425" tIns="91425" rIns="91425" bIns="91425" anchor="ctr" anchorCtr="0"/>
+          <a:lstStyle>
+            <a:defPPr marR="0" algn="l" rtl="0">
+              <a:lnSpc>
+                <a:spcPct val="100000"/>
+              </a:lnSpc>
+              <a:spcBef>
+                <a:spcPts val="0"/>
+              </a:spcBef>
+              <a:spcAft>
+                <a:spcPts val="0"/>
+              </a:spcAft>
+            </a:defPPr>
+            <a:lvl1pPr marR="0" algn="l" rtl="0">
+              <a:lnSpc>
+                <a:spcPct val="90000"/>
+              </a:lnSpc>
+              <a:spcBef>
+                <a:spcPts val="0"/>
+              </a:spcBef>
+              <a:spcAft>
+                <a:spcPts val="0"/>
+              </a:spcAft>
+              <a:buClr>
+                <a:schemeClr val="dk1"/>
+              </a:buClr>
+              <a:buSzPct val="100000"/>
+              <a:buFont typeface="Calibri"/>
+              <a:buNone/>
+              <a:defRPr sz="3600" b="1" i="0" u="none" strike="noStrike" cap="none" baseline="0">
+                <a:solidFill>
+                  <a:schemeClr val="lt1"/>
+                </a:solidFill>
+                <a:latin typeface="Arial"/>
+                <a:ea typeface="Arial"/>
+                <a:cs typeface="Arial"/>
+                <a:sym typeface="Arial"/>
+                <a:rtl val="0"/>
+              </a:defRPr>
+            </a:lvl1pPr>
+            <a:lvl2pPr marR="0" algn="l" rtl="0">
+              <a:lnSpc>
+                <a:spcPct val="100000"/>
+              </a:lnSpc>
+              <a:spcBef>
+                <a:spcPts val="0"/>
+              </a:spcBef>
+              <a:spcAft>
+                <a:spcPts val="0"/>
+              </a:spcAft>
+              <a:buClr>
+                <a:schemeClr val="lt1"/>
+              </a:buClr>
+              <a:buSzPct val="100000"/>
+              <a:buNone/>
+              <a:defRPr sz="3600" b="1" i="0" u="none" strike="noStrike" cap="none" baseline="0">
+                <a:solidFill>
+                  <a:schemeClr val="lt1"/>
+                </a:solidFill>
+                <a:latin typeface="Arial"/>
+                <a:ea typeface="Arial"/>
+                <a:cs typeface="Arial"/>
+                <a:sym typeface="Arial"/>
+                <a:rtl val="0"/>
+              </a:defRPr>
+            </a:lvl2pPr>
+            <a:lvl3pPr rtl="0">
+              <a:spcBef>
+                <a:spcPts val="0"/>
+              </a:spcBef>
+              <a:buClr>
+                <a:schemeClr val="lt1"/>
+              </a:buClr>
+              <a:buSzPct val="100000"/>
+              <a:buNone/>
+              <a:defRPr sz="3600" b="1">
+                <a:solidFill>
+                  <a:schemeClr val="lt1"/>
+                </a:solidFill>
+              </a:defRPr>
+            </a:lvl3pPr>
+            <a:lvl4pPr rtl="0">
+              <a:spcBef>
+                <a:spcPts val="0"/>
+              </a:spcBef>
+              <a:buClr>
+                <a:schemeClr val="lt1"/>
+              </a:buClr>
+              <a:buSzPct val="100000"/>
+              <a:buNone/>
+              <a:defRPr sz="3600" b="1">
+                <a:solidFill>
+                  <a:schemeClr val="lt1"/>
+                </a:solidFill>
+              </a:defRPr>
+            </a:lvl4pPr>
+            <a:lvl5pPr rtl="0">
+              <a:spcBef>
+                <a:spcPts val="0"/>
+              </a:spcBef>
+              <a:buClr>
+                <a:schemeClr val="lt1"/>
+              </a:buClr>
+              <a:buSzPct val="100000"/>
+              <a:buNone/>
+              <a:defRPr sz="3600" b="1">
+                <a:solidFill>
+                  <a:schemeClr val="lt1"/>
+                </a:solidFill>
+              </a:defRPr>
+            </a:lvl5pPr>
+            <a:lvl6pPr rtl="0">
+              <a:spcBef>
+                <a:spcPts val="0"/>
+              </a:spcBef>
+              <a:buClr>
+                <a:schemeClr val="lt1"/>
+              </a:buClr>
+              <a:buSzPct val="100000"/>
+              <a:buNone/>
+              <a:defRPr sz="3600" b="1">
+                <a:solidFill>
+                  <a:schemeClr val="lt1"/>
+                </a:solidFill>
+              </a:defRPr>
+            </a:lvl6pPr>
+            <a:lvl7pPr rtl="0">
+              <a:spcBef>
+                <a:spcPts val="0"/>
+              </a:spcBef>
+              <a:buClr>
+                <a:schemeClr val="lt1"/>
+              </a:buClr>
+              <a:buSzPct val="100000"/>
+              <a:buNone/>
+              <a:defRPr sz="3600" b="1">
+                <a:solidFill>
+                  <a:schemeClr val="lt1"/>
+                </a:solidFill>
+              </a:defRPr>
+            </a:lvl7pPr>
+            <a:lvl8pPr rtl="0">
+              <a:spcBef>
+                <a:spcPts val="0"/>
+              </a:spcBef>
+              <a:buClr>
+                <a:schemeClr val="lt1"/>
+              </a:buClr>
+              <a:buSzPct val="100000"/>
+              <a:buNone/>
+              <a:defRPr sz="3600" b="1">
+                <a:solidFill>
+                  <a:schemeClr val="lt1"/>
+                </a:solidFill>
+              </a:defRPr>
+            </a:lvl8pPr>
+            <a:lvl9pPr rtl="0">
+              <a:spcBef>
+                <a:spcPts val="0"/>
+              </a:spcBef>
+              <a:buClr>
+                <a:schemeClr val="lt1"/>
+              </a:buClr>
+              <a:buSzPct val="100000"/>
+              <a:buNone/>
+              <a:defRPr sz="3600" b="1">
+                <a:solidFill>
+                  <a:schemeClr val="lt1"/>
+                </a:solidFill>
+              </a:defRPr>
+            </a:lvl9pPr>
+          </a:lstStyle>
+          <a:p>
+            <a:pPr algn="ctr"/>
+            <a:r>
+              <a:rPr lang="en-US" dirty="0" smtClean="0"/>
+              <a:t>Demo!</a:t>
+            </a:r>
+            <a:endParaRPr lang="en-US" dirty="0"/>
+          </a:p>
+        </p:txBody>
+      </p:sp>
+    </p:spTree>
+    <p:extLst>
+      <p:ext uri="{BB962C8B-B14F-4D97-AF65-F5344CB8AC3E}">
+        <p14:creationId xmlns:p14="http://schemas.microsoft.com/office/powerpoint/2010/main" val="3603234287"/>
+      </p:ext>
+    </p:extLst>
+  </p:cSld>
+  <p:clrMapOvr>
+    <a:masterClrMapping/>
+  </p:clrMapOvr>
+  <p:timing>
+    <p:tnLst>
+      <p:par>
+        <p:cTn xmlns:p14="http://schemas.microsoft.com/office/powerpoint/2010/main" id="1" dur="indefinite" restart="never" nodeType="tmRoot"/>
+      </p:par>
+    </p:tnLst>
+  </p:timing>
+</p:sld>
+</file>
+
+<file path=ppt/slides/slide32.xml><?xml version="1.0" encoding="utf-8"?>
+<p:sld xmlns:a="http://schemas.openxmlformats.org/drawingml/2006/main" xmlns:r="http://schemas.openxmlformats.org/officeDocument/2006/relationships" xmlns:p="http://schemas.openxmlformats.org/presentationml/2006/main">
+  <p:cSld>
+    <p:spTree>
+      <p:nvGrpSpPr>
+        <p:cNvPr id="1" name=""/>
+        <p:cNvGrpSpPr/>
+        <p:nvPr/>
+      </p:nvGrpSpPr>
+      <p:grpSpPr>
+        <a:xfrm>
+          <a:off x="0" y="0"/>
+          <a:ext cx="0" cy="0"/>
+          <a:chOff x="0" y="0"/>
+          <a:chExt cx="0" cy="0"/>
+        </a:xfrm>
+      </p:grpSpPr>
+      <p:sp>
+        <p:nvSpPr>
+          <p:cNvPr id="2" name="Title 1"/>
+          <p:cNvSpPr>
+            <a:spLocks noGrp="1"/>
+          </p:cNvSpPr>
+          <p:nvPr>
+            <p:ph type="title"/>
+          </p:nvPr>
+        </p:nvSpPr>
+        <p:spPr>
+          <a:xfrm>
+            <a:off x="628650" y="229045"/>
+            <a:ext cx="7886700" cy="1325700"/>
+          </a:xfrm>
+        </p:spPr>
+        <p:txBody>
+          <a:bodyPr/>
+          <a:lstStyle/>
+          <a:p>
+            <a:r>
+              <a:rPr lang="en-US" dirty="0" smtClean="0"/>
+              <a:t>Scaffolding and Generators</a:t>
+            </a:r>
+            <a:endParaRPr lang="en-US" dirty="0"/>
+          </a:p>
+        </p:txBody>
+      </p:sp>
+      <p:sp>
+        <p:nvSpPr>
+          <p:cNvPr id="3" name="Text Placeholder 2"/>
+          <p:cNvSpPr>
+            <a:spLocks noGrp="1"/>
+          </p:cNvSpPr>
+          <p:nvPr>
+            <p:ph type="body" idx="1"/>
+          </p:nvPr>
+        </p:nvSpPr>
+        <p:spPr>
+          <a:xfrm>
+            <a:off x="628650" y="1417377"/>
+            <a:ext cx="7886700" cy="4351199"/>
+          </a:xfrm>
+        </p:spPr>
+        <p:txBody>
+          <a:bodyPr/>
+          <a:lstStyle/>
+          <a:p>
+            <a:r>
+              <a:rPr lang="en-US" sz="2200" dirty="0" smtClean="0"/>
+              <a:t> express-</a:t>
+            </a:r>
+            <a:r>
+              <a:rPr lang="en-US" sz="2200" dirty="0" err="1" smtClean="0"/>
+              <a:t>init</a:t>
+            </a:r>
+            <a:endParaRPr lang="en-US" sz="2200" dirty="0" smtClean="0"/>
+          </a:p>
+          <a:p>
+            <a:r>
+              <a:rPr lang="en-US" sz="2200" dirty="0"/>
+              <a:t> </a:t>
+            </a:r>
+            <a:r>
+              <a:rPr lang="en-US" sz="2200" dirty="0" smtClean="0"/>
+              <a:t>Yeoman</a:t>
+            </a:r>
+            <a:endParaRPr lang="en-US" sz="2200" dirty="0" smtClean="0"/>
+          </a:p>
+        </p:txBody>
+      </p:sp>
+      <p:sp>
+        <p:nvSpPr>
+          <p:cNvPr id="4" name="Title 1"/>
+          <p:cNvSpPr txBox="1">
+            <a:spLocks/>
+          </p:cNvSpPr>
+          <p:nvPr/>
+        </p:nvSpPr>
+        <p:spPr>
+          <a:xfrm>
+            <a:off x="781050" y="4297946"/>
+            <a:ext cx="7886700" cy="1325700"/>
+          </a:xfrm>
+          <a:prstGeom prst="rect">
+            <a:avLst/>
+          </a:prstGeom>
+          <a:noFill/>
+          <a:ln>
+            <a:noFill/>
+          </a:ln>
+        </p:spPr>
+        <p:txBody>
+          <a:bodyPr lIns="91425" tIns="91425" rIns="91425" bIns="91425" anchor="ctr" anchorCtr="0"/>
+          <a:lstStyle>
+            <a:defPPr marR="0" algn="l" rtl="0">
+              <a:lnSpc>
+                <a:spcPct val="100000"/>
+              </a:lnSpc>
+              <a:spcBef>
+                <a:spcPts val="0"/>
+              </a:spcBef>
+              <a:spcAft>
+                <a:spcPts val="0"/>
+              </a:spcAft>
+            </a:defPPr>
+            <a:lvl1pPr marR="0" algn="l" rtl="0">
+              <a:lnSpc>
+                <a:spcPct val="90000"/>
+              </a:lnSpc>
+              <a:spcBef>
+                <a:spcPts val="0"/>
+              </a:spcBef>
+              <a:spcAft>
+                <a:spcPts val="0"/>
+              </a:spcAft>
+              <a:buClr>
+                <a:schemeClr val="dk1"/>
+              </a:buClr>
+              <a:buSzPct val="100000"/>
+              <a:buFont typeface="Calibri"/>
+              <a:buNone/>
+              <a:defRPr sz="3600" b="1" i="0" u="none" strike="noStrike" cap="none" baseline="0">
+                <a:solidFill>
+                  <a:schemeClr val="lt1"/>
+                </a:solidFill>
+                <a:latin typeface="Arial"/>
+                <a:ea typeface="Arial"/>
+                <a:cs typeface="Arial"/>
+                <a:sym typeface="Arial"/>
+                <a:rtl val="0"/>
+              </a:defRPr>
+            </a:lvl1pPr>
+            <a:lvl2pPr marR="0" algn="l" rtl="0">
+              <a:lnSpc>
+                <a:spcPct val="100000"/>
+              </a:lnSpc>
+              <a:spcBef>
+                <a:spcPts val="0"/>
+              </a:spcBef>
+              <a:spcAft>
+                <a:spcPts val="0"/>
+              </a:spcAft>
+              <a:buClr>
+                <a:schemeClr val="lt1"/>
+              </a:buClr>
+              <a:buSzPct val="100000"/>
+              <a:buNone/>
+              <a:defRPr sz="3600" b="1" i="0" u="none" strike="noStrike" cap="none" baseline="0">
+                <a:solidFill>
+                  <a:schemeClr val="lt1"/>
+                </a:solidFill>
+                <a:latin typeface="Arial"/>
+                <a:ea typeface="Arial"/>
+                <a:cs typeface="Arial"/>
+                <a:sym typeface="Arial"/>
+                <a:rtl val="0"/>
+              </a:defRPr>
+            </a:lvl2pPr>
+            <a:lvl3pPr rtl="0">
+              <a:spcBef>
+                <a:spcPts val="0"/>
+              </a:spcBef>
+              <a:buClr>
+                <a:schemeClr val="lt1"/>
+              </a:buClr>
+              <a:buSzPct val="100000"/>
+              <a:buNone/>
+              <a:defRPr sz="3600" b="1">
+                <a:solidFill>
+                  <a:schemeClr val="lt1"/>
+                </a:solidFill>
+              </a:defRPr>
+            </a:lvl3pPr>
+            <a:lvl4pPr rtl="0">
+              <a:spcBef>
+                <a:spcPts val="0"/>
+              </a:spcBef>
+              <a:buClr>
+                <a:schemeClr val="lt1"/>
+              </a:buClr>
+              <a:buSzPct val="100000"/>
+              <a:buNone/>
+              <a:defRPr sz="3600" b="1">
+                <a:solidFill>
+                  <a:schemeClr val="lt1"/>
+                </a:solidFill>
+              </a:defRPr>
+            </a:lvl4pPr>
+            <a:lvl5pPr rtl="0">
+              <a:spcBef>
+                <a:spcPts val="0"/>
+              </a:spcBef>
+              <a:buClr>
+                <a:schemeClr val="lt1"/>
+              </a:buClr>
+              <a:buSzPct val="100000"/>
+              <a:buNone/>
+              <a:defRPr sz="3600" b="1">
+                <a:solidFill>
+                  <a:schemeClr val="lt1"/>
+                </a:solidFill>
+              </a:defRPr>
+            </a:lvl5pPr>
+            <a:lvl6pPr rtl="0">
+              <a:spcBef>
+                <a:spcPts val="0"/>
+              </a:spcBef>
+              <a:buClr>
+                <a:schemeClr val="lt1"/>
+              </a:buClr>
+              <a:buSzPct val="100000"/>
+              <a:buNone/>
+              <a:defRPr sz="3600" b="1">
+                <a:solidFill>
+                  <a:schemeClr val="lt1"/>
+                </a:solidFill>
+              </a:defRPr>
+            </a:lvl6pPr>
+            <a:lvl7pPr rtl="0">
+              <a:spcBef>
+                <a:spcPts val="0"/>
+              </a:spcBef>
+              <a:buClr>
+                <a:schemeClr val="lt1"/>
+              </a:buClr>
+              <a:buSzPct val="100000"/>
+              <a:buNone/>
+              <a:defRPr sz="3600" b="1">
+                <a:solidFill>
+                  <a:schemeClr val="lt1"/>
+                </a:solidFill>
+              </a:defRPr>
+            </a:lvl7pPr>
+            <a:lvl8pPr rtl="0">
+              <a:spcBef>
+                <a:spcPts val="0"/>
+              </a:spcBef>
+              <a:buClr>
+                <a:schemeClr val="lt1"/>
+              </a:buClr>
+              <a:buSzPct val="100000"/>
+              <a:buNone/>
+              <a:defRPr sz="3600" b="1">
+                <a:solidFill>
+                  <a:schemeClr val="lt1"/>
+                </a:solidFill>
+              </a:defRPr>
+            </a:lvl8pPr>
+            <a:lvl9pPr rtl="0">
+              <a:spcBef>
+                <a:spcPts val="0"/>
+              </a:spcBef>
+              <a:buClr>
+                <a:schemeClr val="lt1"/>
+              </a:buClr>
+              <a:buSzPct val="100000"/>
+              <a:buNone/>
+              <a:defRPr sz="3600" b="1">
+                <a:solidFill>
+                  <a:schemeClr val="lt1"/>
+                </a:solidFill>
+              </a:defRPr>
+            </a:lvl9pPr>
+          </a:lstStyle>
+          <a:p>
+            <a:pPr algn="ctr"/>
+            <a:r>
+              <a:rPr lang="en-US" dirty="0" smtClean="0"/>
+              <a:t>Demo!</a:t>
+            </a:r>
+            <a:endParaRPr lang="en-US" dirty="0"/>
+          </a:p>
+        </p:txBody>
+      </p:sp>
+    </p:spTree>
+    <p:extLst>
+      <p:ext uri="{BB962C8B-B14F-4D97-AF65-F5344CB8AC3E}">
+        <p14:creationId xmlns:p14="http://schemas.microsoft.com/office/powerpoint/2010/main" val="3962460224"/>
+      </p:ext>
+    </p:extLst>
+  </p:cSld>
+  <p:clrMapOvr>
+    <a:masterClrMapping/>
+  </p:clrMapOvr>
+  <p:timing>
+    <p:tnLst>
+      <p:par>
+        <p:cTn xmlns:p14="http://schemas.microsoft.com/office/powerpoint/2010/main" id="1" dur="indefinite" restart="never" nodeType="tmRoot"/>
+      </p:par>
+    </p:tnLst>
+  </p:timing>
+</p:sld>
+</file>
+
+<file path=ppt/slides/slide33.xml><?xml version="1.0" encoding="utf-8"?>
+<p:sld xmlns:a="http://schemas.openxmlformats.org/drawingml/2006/main" xmlns:r="http://schemas.openxmlformats.org/officeDocument/2006/relationships" xmlns:p="http://schemas.openxmlformats.org/presentationml/2006/main">
+  <p:cSld>
+    <p:spTree>
+      <p:nvGrpSpPr>
+        <p:cNvPr id="1" name=""/>
+        <p:cNvGrpSpPr/>
+        <p:nvPr/>
+      </p:nvGrpSpPr>
+      <p:grpSpPr>
+        <a:xfrm>
+          <a:off x="0" y="0"/>
+          <a:ext cx="0" cy="0"/>
+          <a:chOff x="0" y="0"/>
+          <a:chExt cx="0" cy="0"/>
+        </a:xfrm>
+      </p:grpSpPr>
+      <p:sp>
+        <p:nvSpPr>
+          <p:cNvPr id="2" name="Title 1"/>
+          <p:cNvSpPr>
+            <a:spLocks noGrp="1"/>
+          </p:cNvSpPr>
+          <p:nvPr>
+            <p:ph type="title"/>
+          </p:nvPr>
+        </p:nvSpPr>
+        <p:spPr>
+          <a:xfrm>
+            <a:off x="628650" y="229045"/>
+            <a:ext cx="7886700" cy="1325700"/>
+          </a:xfrm>
+        </p:spPr>
+        <p:txBody>
+          <a:bodyPr/>
+          <a:lstStyle/>
+          <a:p>
+            <a:r>
+              <a:rPr lang="en-US" dirty="0" smtClean="0"/>
+              <a:t>Visual Studio Integration</a:t>
+            </a:r>
+            <a:endParaRPr lang="en-US" dirty="0"/>
+          </a:p>
+        </p:txBody>
+      </p:sp>
+      <p:sp>
+        <p:nvSpPr>
+          <p:cNvPr id="3" name="Text Placeholder 2"/>
+          <p:cNvSpPr>
+            <a:spLocks noGrp="1"/>
+          </p:cNvSpPr>
+          <p:nvPr>
+            <p:ph type="body" idx="1"/>
+          </p:nvPr>
+        </p:nvSpPr>
+        <p:spPr>
+          <a:xfrm>
+            <a:off x="628650" y="1417377"/>
+            <a:ext cx="7886700" cy="4351199"/>
+          </a:xfrm>
+        </p:spPr>
+        <p:txBody>
+          <a:bodyPr/>
+          <a:lstStyle/>
+          <a:p>
+            <a:r>
+              <a:rPr lang="en-US" sz="2200" dirty="0" smtClean="0"/>
+              <a:t> </a:t>
+            </a:r>
+            <a:r>
+              <a:rPr lang="en-US" sz="2200" dirty="0" err="1" smtClean="0"/>
+              <a:t>Websockets</a:t>
+            </a:r>
+            <a:endParaRPr lang="en-US" sz="2200" dirty="0" smtClean="0"/>
+          </a:p>
+          <a:p>
+            <a:r>
+              <a:rPr lang="en-US" sz="2200" dirty="0"/>
+              <a:t> </a:t>
+            </a:r>
+            <a:r>
+              <a:rPr lang="en-US" sz="2200" dirty="0" err="1" smtClean="0"/>
+              <a:t>Socket.io</a:t>
+            </a:r>
+            <a:r>
+              <a:rPr lang="en-US" sz="2200" dirty="0" smtClean="0"/>
+              <a:t> and </a:t>
+            </a:r>
+            <a:r>
+              <a:rPr lang="en-US" sz="2200" dirty="0" err="1" smtClean="0"/>
+              <a:t>express.io</a:t>
+            </a:r>
+            <a:endParaRPr lang="en-US" sz="2200" dirty="0" smtClean="0"/>
+          </a:p>
+          <a:p>
+            <a:r>
+              <a:rPr lang="en-US" sz="2200" dirty="0"/>
+              <a:t> </a:t>
+            </a:r>
+            <a:r>
+              <a:rPr lang="en-US" sz="2200" dirty="0" err="1" smtClean="0"/>
+              <a:t>SignalR</a:t>
+            </a:r>
+            <a:endParaRPr lang="en-US" sz="2200" dirty="0" smtClean="0"/>
+          </a:p>
+        </p:txBody>
+      </p:sp>
+      <p:sp>
+        <p:nvSpPr>
+          <p:cNvPr id="4" name="Title 1"/>
+          <p:cNvSpPr txBox="1">
+            <a:spLocks/>
+          </p:cNvSpPr>
+          <p:nvPr/>
+        </p:nvSpPr>
+        <p:spPr>
+          <a:xfrm>
+            <a:off x="781050" y="4297946"/>
+            <a:ext cx="7886700" cy="1325700"/>
+          </a:xfrm>
+          <a:prstGeom prst="rect">
+            <a:avLst/>
+          </a:prstGeom>
+          <a:noFill/>
+          <a:ln>
+            <a:noFill/>
+          </a:ln>
+        </p:spPr>
+        <p:txBody>
+          <a:bodyPr lIns="91425" tIns="91425" rIns="91425" bIns="91425" anchor="ctr" anchorCtr="0"/>
+          <a:lstStyle>
+            <a:defPPr marR="0" algn="l" rtl="0">
+              <a:lnSpc>
+                <a:spcPct val="100000"/>
+              </a:lnSpc>
+              <a:spcBef>
+                <a:spcPts val="0"/>
+              </a:spcBef>
+              <a:spcAft>
+                <a:spcPts val="0"/>
+              </a:spcAft>
+            </a:defPPr>
+            <a:lvl1pPr marR="0" algn="l" rtl="0">
+              <a:lnSpc>
+                <a:spcPct val="90000"/>
+              </a:lnSpc>
+              <a:spcBef>
+                <a:spcPts val="0"/>
+              </a:spcBef>
+              <a:spcAft>
+                <a:spcPts val="0"/>
+              </a:spcAft>
+              <a:buClr>
+                <a:schemeClr val="dk1"/>
+              </a:buClr>
+              <a:buSzPct val="100000"/>
+              <a:buFont typeface="Calibri"/>
+              <a:buNone/>
+              <a:defRPr sz="3600" b="1" i="0" u="none" strike="noStrike" cap="none" baseline="0">
+                <a:solidFill>
+                  <a:schemeClr val="lt1"/>
+                </a:solidFill>
+                <a:latin typeface="Arial"/>
+                <a:ea typeface="Arial"/>
+                <a:cs typeface="Arial"/>
+                <a:sym typeface="Arial"/>
+                <a:rtl val="0"/>
+              </a:defRPr>
+            </a:lvl1pPr>
+            <a:lvl2pPr marR="0" algn="l" rtl="0">
+              <a:lnSpc>
+                <a:spcPct val="100000"/>
+              </a:lnSpc>
+              <a:spcBef>
+                <a:spcPts val="0"/>
+              </a:spcBef>
+              <a:spcAft>
+                <a:spcPts val="0"/>
+              </a:spcAft>
+              <a:buClr>
+                <a:schemeClr val="lt1"/>
+              </a:buClr>
+              <a:buSzPct val="100000"/>
+              <a:buNone/>
+              <a:defRPr sz="3600" b="1" i="0" u="none" strike="noStrike" cap="none" baseline="0">
+                <a:solidFill>
+                  <a:schemeClr val="lt1"/>
+                </a:solidFill>
+                <a:latin typeface="Arial"/>
+                <a:ea typeface="Arial"/>
+                <a:cs typeface="Arial"/>
+                <a:sym typeface="Arial"/>
+                <a:rtl val="0"/>
+              </a:defRPr>
+            </a:lvl2pPr>
+            <a:lvl3pPr rtl="0">
+              <a:spcBef>
+                <a:spcPts val="0"/>
+              </a:spcBef>
+              <a:buClr>
+                <a:schemeClr val="lt1"/>
+              </a:buClr>
+              <a:buSzPct val="100000"/>
+              <a:buNone/>
+              <a:defRPr sz="3600" b="1">
+                <a:solidFill>
+                  <a:schemeClr val="lt1"/>
+                </a:solidFill>
+              </a:defRPr>
+            </a:lvl3pPr>
+            <a:lvl4pPr rtl="0">
+              <a:spcBef>
+                <a:spcPts val="0"/>
+              </a:spcBef>
+              <a:buClr>
+                <a:schemeClr val="lt1"/>
+              </a:buClr>
+              <a:buSzPct val="100000"/>
+              <a:buNone/>
+              <a:defRPr sz="3600" b="1">
+                <a:solidFill>
+                  <a:schemeClr val="lt1"/>
+                </a:solidFill>
+              </a:defRPr>
+            </a:lvl4pPr>
+            <a:lvl5pPr rtl="0">
+              <a:spcBef>
+                <a:spcPts val="0"/>
+              </a:spcBef>
+              <a:buClr>
+                <a:schemeClr val="lt1"/>
+              </a:buClr>
+              <a:buSzPct val="100000"/>
+              <a:buNone/>
+              <a:defRPr sz="3600" b="1">
+                <a:solidFill>
+                  <a:schemeClr val="lt1"/>
+                </a:solidFill>
+              </a:defRPr>
+            </a:lvl5pPr>
+            <a:lvl6pPr rtl="0">
+              <a:spcBef>
+                <a:spcPts val="0"/>
+              </a:spcBef>
+              <a:buClr>
+                <a:schemeClr val="lt1"/>
+              </a:buClr>
+              <a:buSzPct val="100000"/>
+              <a:buNone/>
+              <a:defRPr sz="3600" b="1">
+                <a:solidFill>
+                  <a:schemeClr val="lt1"/>
+                </a:solidFill>
+              </a:defRPr>
+            </a:lvl6pPr>
+            <a:lvl7pPr rtl="0">
+              <a:spcBef>
+                <a:spcPts val="0"/>
+              </a:spcBef>
+              <a:buClr>
+                <a:schemeClr val="lt1"/>
+              </a:buClr>
+              <a:buSzPct val="100000"/>
+              <a:buNone/>
+              <a:defRPr sz="3600" b="1">
+                <a:solidFill>
+                  <a:schemeClr val="lt1"/>
+                </a:solidFill>
+              </a:defRPr>
+            </a:lvl7pPr>
+            <a:lvl8pPr rtl="0">
+              <a:spcBef>
+                <a:spcPts val="0"/>
+              </a:spcBef>
+              <a:buClr>
+                <a:schemeClr val="lt1"/>
+              </a:buClr>
+              <a:buSzPct val="100000"/>
+              <a:buNone/>
+              <a:defRPr sz="3600" b="1">
+                <a:solidFill>
+                  <a:schemeClr val="lt1"/>
+                </a:solidFill>
+              </a:defRPr>
+            </a:lvl8pPr>
+            <a:lvl9pPr rtl="0">
+              <a:spcBef>
+                <a:spcPts val="0"/>
+              </a:spcBef>
+              <a:buClr>
+                <a:schemeClr val="lt1"/>
+              </a:buClr>
+              <a:buSzPct val="100000"/>
+              <a:buNone/>
+              <a:defRPr sz="3600" b="1">
+                <a:solidFill>
+                  <a:schemeClr val="lt1"/>
+                </a:solidFill>
+              </a:defRPr>
+            </a:lvl9pPr>
+          </a:lstStyle>
+          <a:p>
+            <a:pPr algn="ctr"/>
+            <a:r>
+              <a:rPr lang="en-US" dirty="0" smtClean="0"/>
+              <a:t>Demo!</a:t>
+            </a:r>
+            <a:endParaRPr lang="en-US" dirty="0"/>
+          </a:p>
+        </p:txBody>
+      </p:sp>
+    </p:spTree>
+    <p:extLst>
+      <p:ext uri="{BB962C8B-B14F-4D97-AF65-F5344CB8AC3E}">
+        <p14:creationId xmlns:p14="http://schemas.microsoft.com/office/powerpoint/2010/main" val="3230540451"/>
+      </p:ext>
+    </p:extLst>
+  </p:cSld>
+  <p:clrMapOvr>
+    <a:masterClrMapping/>
+  </p:clrMapOvr>
+  <p:timing>
+    <p:tnLst>
+      <p:par>
+        <p:cTn xmlns:p14="http://schemas.microsoft.com/office/powerpoint/2010/main" id="1" dur="indefinite" restart="never" nodeType="tmRoot"/>
+      </p:par>
+    </p:tnLst>
+  </p:timing>
+</p:sld>
+</file>
+
+<file path=ppt/slides/slide34.xml><?xml version="1.0" encoding="utf-8"?>
+<p:sld xmlns:a="http://schemas.openxmlformats.org/drawingml/2006/main" xmlns:r="http://schemas.openxmlformats.org/officeDocument/2006/relationships" xmlns:p="http://schemas.openxmlformats.org/presentationml/2006/main">
+  <p:cSld>
+    <p:spTree>
+      <p:nvGrpSpPr>
+        <p:cNvPr id="1" name=""/>
+        <p:cNvGrpSpPr/>
+        <p:nvPr/>
+      </p:nvGrpSpPr>
+      <p:grpSpPr>
+        <a:xfrm>
+          <a:off x="0" y="0"/>
+          <a:ext cx="0" cy="0"/>
+          <a:chOff x="0" y="0"/>
+          <a:chExt cx="0" cy="0"/>
+        </a:xfrm>
+      </p:grpSpPr>
+      <p:sp>
+        <p:nvSpPr>
+          <p:cNvPr id="2" name="Title 1"/>
+          <p:cNvSpPr>
+            <a:spLocks noGrp="1"/>
+          </p:cNvSpPr>
+          <p:nvPr>
+            <p:ph type="title"/>
+          </p:nvPr>
+        </p:nvSpPr>
+        <p:spPr>
+          <a:xfrm>
+            <a:off x="628650" y="229045"/>
+            <a:ext cx="7886700" cy="1325700"/>
+          </a:xfrm>
+        </p:spPr>
+        <p:txBody>
+          <a:bodyPr/>
+          <a:lstStyle/>
+          <a:p>
+            <a:r>
+              <a:rPr lang="en-US" dirty="0" smtClean="0"/>
               <a:t>Resources and References</a:t>
             </a:r>
             <a:endParaRPr lang="en-US" dirty="0"/>
@@ -9036,7 +10863,7 @@
           <a:p>
             <a:r>
               <a:rPr lang="en-US" dirty="0" smtClean="0"/>
-              <a:t>Just History</a:t>
+              <a:t>History of JS</a:t>
             </a:r>
             <a:endParaRPr lang="en-US" dirty="0"/>
           </a:p>
@@ -9062,12 +10889,50 @@
           <a:bodyPr/>
           <a:lstStyle/>
           <a:p>
-            <a:pPr marL="177800" indent="0">
-              <a:buNone/>
-            </a:pPr>
             <a:r>
               <a:rPr lang="en-US" sz="2800" dirty="0" smtClean="0"/>
-              <a:t>Some other stuff…</a:t>
+              <a:t> The AJAX revolution Mid-2000s</a:t>
+            </a:r>
+            <a:endParaRPr lang="en-US" sz="2800" dirty="0"/>
+          </a:p>
+          <a:p>
+            <a:r>
+              <a:rPr lang="en-US" sz="2800" dirty="0" smtClean="0"/>
+              <a:t> Ability to build more responsive, real-time UI</a:t>
+            </a:r>
+          </a:p>
+          <a:p>
+            <a:r>
+              <a:rPr lang="en-US" sz="2800" dirty="0" smtClean="0"/>
+              <a:t> Front end Library wars (</a:t>
+            </a:r>
+            <a:r>
+              <a:rPr lang="en-US" sz="2800" dirty="0" err="1" smtClean="0"/>
+              <a:t>jQuery</a:t>
+            </a:r>
+            <a:r>
+              <a:rPr lang="en-US" sz="2800" dirty="0" smtClean="0"/>
+              <a:t> won)</a:t>
+            </a:r>
+          </a:p>
+          <a:p>
+            <a:r>
+              <a:rPr lang="en-US" sz="2800" dirty="0"/>
+              <a:t> </a:t>
+            </a:r>
+            <a:r>
+              <a:rPr lang="en-US" sz="2800" dirty="0" smtClean="0"/>
+              <a:t>Rise of the front end frameworks</a:t>
+            </a:r>
+          </a:p>
+          <a:p>
+            <a:r>
+              <a:rPr lang="en-US" sz="2800" dirty="0" smtClean="0"/>
+              <a:t> SPAs </a:t>
+            </a:r>
+            <a:r>
+              <a:rPr lang="en-US" sz="2800" dirty="0" smtClean="0"/>
+              <a:t>everywhere!</a:t>
             </a:r>
           </a:p>
         </p:txBody>
@@ -9075,7 +10940,7 @@
     </p:spTree>
     <p:extLst>
       <p:ext uri="{BB962C8B-B14F-4D97-AF65-F5344CB8AC3E}">
-        <p14:creationId xmlns:p14="http://schemas.microsoft.com/office/powerpoint/2010/main" val="1633722565"/>
+        <p14:creationId xmlns:p14="http://schemas.microsoft.com/office/powerpoint/2010/main" val="1034075102"/>
       </p:ext>
     </p:extLst>
   </p:cSld>
@@ -9131,7 +10996,7 @@
           <a:p>
             <a:r>
               <a:rPr lang="en-US" dirty="0" smtClean="0"/>
-              <a:t>History of JS</a:t>
+              <a:t>JS: The Language</a:t>
             </a:r>
             <a:endParaRPr lang="en-US" dirty="0"/>
           </a:p>
@@ -9159,28 +11024,7 @@
           <a:p>
             <a:r>
               <a:rPr lang="en-US" sz="2800" dirty="0" smtClean="0"/>
-              <a:t> The AJAX revolution Mid-2000s</a:t>
-            </a:r>
-            <a:endParaRPr lang="en-US" sz="2800" dirty="0"/>
-          </a:p>
-          <a:p>
-            <a:r>
-              <a:rPr lang="en-US" sz="2800" dirty="0" smtClean="0"/>
-              <a:t> Ability to build more responsive, real-time UI</a:t>
-            </a:r>
-          </a:p>
-          <a:p>
-            <a:r>
-              <a:rPr lang="en-US" sz="2800" dirty="0" smtClean="0"/>
-              <a:t> Front end Library wars (</a:t>
-            </a:r>
-            <a:r>
-              <a:rPr lang="en-US" sz="2800" dirty="0" err="1" smtClean="0"/>
-              <a:t>jQuery</a:t>
-            </a:r>
-            <a:r>
-              <a:rPr lang="en-US" sz="2800" dirty="0" smtClean="0"/>
-              <a:t> won)</a:t>
+              <a:t> Dynamically-typed, interpreted</a:t>
             </a:r>
           </a:p>
           <a:p>
@@ -9190,18 +11034,7 @@
             </a:r>
             <a:r>
               <a:rPr lang="en-US" sz="2800" dirty="0" smtClean="0"/>
-              <a:t>Rise of the front end frameworks</a:t>
-            </a:r>
-          </a:p>
-          <a:p>
-            <a:pPr lvl="1"/>
-            <a:r>
-              <a:rPr lang="en-US" sz="2200" dirty="0"/>
-              <a:t> </a:t>
-            </a:r>
-            <a:r>
-              <a:rPr lang="en-US" sz="2200" dirty="0" smtClean="0"/>
-              <a:t>on-going and bloody, but enlightening war</a:t>
+              <a:t>Prototypical inheritance</a:t>
             </a:r>
           </a:p>
           <a:p>
@@ -9211,7 +11044,27 @@
             </a:r>
             <a:r>
               <a:rPr lang="en-US" sz="2800" dirty="0" smtClean="0"/>
-              <a:t>SPAs everywhere!</a:t>
+              <a:t>First class functions</a:t>
+            </a:r>
+          </a:p>
+          <a:p>
+            <a:r>
+              <a:rPr lang="en-US" sz="2800" dirty="0"/>
+              <a:t> </a:t>
+            </a:r>
+            <a:r>
+              <a:rPr lang="en-US" sz="2800" dirty="0" smtClean="0"/>
+              <a:t>Closures</a:t>
+            </a:r>
+          </a:p>
+          <a:p>
+            <a:r>
+              <a:rPr lang="en-US" sz="2800" dirty="0"/>
+              <a:t> </a:t>
+            </a:r>
+            <a:r>
+              <a:rPr lang="en-US" sz="2800" dirty="0" smtClean="0"/>
+              <a:t>Concurrency via event loop.</a:t>
             </a:r>
           </a:p>
         </p:txBody>
@@ -9219,7 +11072,7 @@
     </p:spTree>
     <p:extLst>
       <p:ext uri="{BB962C8B-B14F-4D97-AF65-F5344CB8AC3E}">
-        <p14:creationId xmlns:p14="http://schemas.microsoft.com/office/powerpoint/2010/main" val="1034075102"/>
+        <p14:creationId xmlns:p14="http://schemas.microsoft.com/office/powerpoint/2010/main" val="2696940548"/>
       </p:ext>
     </p:extLst>
   </p:cSld>
@@ -9275,7 +11128,7 @@
           <a:p>
             <a:r>
               <a:rPr lang="en-US" dirty="0" smtClean="0"/>
-              <a:t>JS: The Language</a:t>
+              <a:t>Node</a:t>
             </a:r>
             <a:endParaRPr lang="en-US" dirty="0"/>
           </a:p>
@@ -9303,11 +11156,17 @@
           <a:p>
             <a:r>
               <a:rPr lang="en-US" sz="2800" dirty="0" smtClean="0"/>
-              <a:t> Dynamically</a:t>
+              <a:t> JS </a:t>
             </a:r>
             <a:r>
               <a:rPr lang="en-US" sz="2800" dirty="0" smtClean="0"/>
-              <a:t>-typed, interpreted</a:t>
+              <a:t>platform built on V8</a:t>
+            </a:r>
+          </a:p>
+          <a:p>
+            <a:r>
+              <a:rPr lang="en-US" sz="2800" dirty="0" smtClean="0"/>
+              <a:t> Created by Ryan Dahl (2009)</a:t>
             </a:r>
           </a:p>
           <a:p>
@@ -9317,37 +11176,15 @@
             </a:r>
             <a:r>
               <a:rPr lang="en-US" sz="2800" dirty="0" smtClean="0"/>
-              <a:t>Prototypical inheritance</a:t>
-            </a:r>
-          </a:p>
-          <a:p>
-            <a:r>
-              <a:rPr lang="en-US" sz="2800" dirty="0"/>
-              <a:t> </a:t>
+              <a:t>“</a:t>
+            </a:r>
+            <a:r>
+              <a:rPr lang="en-US" sz="2800" dirty="0" err="1" smtClean="0"/>
+              <a:t>Javascript</a:t>
             </a:r>
             <a:r>
               <a:rPr lang="en-US" sz="2800" dirty="0" smtClean="0"/>
-              <a:t>First class functions</a:t>
-            </a:r>
-          </a:p>
-          <a:p>
-            <a:r>
-              <a:rPr lang="en-US" sz="2800" dirty="0"/>
-              <a:t> </a:t>
-            </a:r>
-            <a:r>
-              <a:rPr lang="en-US" sz="2800" dirty="0" smtClean="0"/>
-              <a:t>Closures</a:t>
-            </a:r>
-          </a:p>
-          <a:p>
-            <a:r>
-              <a:rPr lang="en-US" sz="2800" dirty="0"/>
-              <a:t> </a:t>
-            </a:r>
-            <a:r>
-              <a:rPr lang="en-US" sz="2800" dirty="0" smtClean="0"/>
-              <a:t>Concurrency via event loop.</a:t>
+              <a:t> on the server”</a:t>
             </a:r>
           </a:p>
         </p:txBody>
@@ -9355,7 +11192,7 @@
     </p:spTree>
     <p:extLst>
       <p:ext uri="{BB962C8B-B14F-4D97-AF65-F5344CB8AC3E}">
-        <p14:creationId xmlns:p14="http://schemas.microsoft.com/office/powerpoint/2010/main" val="2696940548"/>
+        <p14:creationId xmlns:p14="http://schemas.microsoft.com/office/powerpoint/2010/main" val="2559346286"/>
       </p:ext>
     </p:extLst>
   </p:cSld>
@@ -9411,7 +11248,7 @@
           <a:p>
             <a:r>
               <a:rPr lang="en-US" dirty="0" smtClean="0"/>
-              <a:t>Node</a:t>
+              <a:t>NPM</a:t>
             </a:r>
             <a:endParaRPr lang="en-US" dirty="0"/>
           </a:p>
@@ -9439,48 +11276,42 @@
           <a:p>
             <a:r>
               <a:rPr lang="en-US" sz="2800" dirty="0"/>
-              <a:t> </a:t>
-            </a:r>
-            <a:r>
-              <a:rPr lang="en-US" sz="2800" dirty="0" smtClean="0"/>
-              <a:t>Node: JS platform built on V8</a:t>
-            </a:r>
-          </a:p>
-          <a:p>
-            <a:r>
-              <a:rPr lang="en-US" sz="2800" dirty="0" smtClean="0"/>
-              <a:t> Created by Ryan Dahl (2009)</a:t>
+              <a:t>  NPM: Node Package Manager</a:t>
+            </a:r>
+          </a:p>
+          <a:p>
+            <a:pPr lvl="1"/>
+            <a:r>
+              <a:rPr lang="en-US" sz="2200" dirty="0"/>
+              <a:t> Create custom modules</a:t>
+            </a:r>
+          </a:p>
+          <a:p>
+            <a:pPr lvl="1"/>
+            <a:r>
+              <a:rPr lang="en-US" sz="2200" dirty="0"/>
+              <a:t> Publish custom modules</a:t>
+            </a:r>
+          </a:p>
+          <a:p>
+            <a:pPr lvl="1"/>
+            <a:r>
+              <a:rPr lang="en-US" sz="2200" dirty="0"/>
+              <a:t> Manage third party dependencies</a:t>
             </a:r>
           </a:p>
           <a:p>
             <a:r>
               <a:rPr lang="en-US" sz="2800" dirty="0"/>
-              <a:t> </a:t>
-            </a:r>
-            <a:r>
-              <a:rPr lang="en-US" sz="2800" dirty="0" smtClean="0"/>
-              <a:t>“</a:t>
-            </a:r>
-            <a:r>
-              <a:rPr lang="en-US" sz="2800" dirty="0" err="1" smtClean="0"/>
-              <a:t>Javascript</a:t>
-            </a:r>
-            <a:r>
-              <a:rPr lang="en-US" sz="2800" dirty="0" smtClean="0"/>
-              <a:t> on the server</a:t>
-            </a:r>
-            <a:r>
-              <a:rPr lang="en-US" sz="2800" dirty="0" smtClean="0"/>
-              <a:t>”</a:t>
-            </a:r>
-            <a:endParaRPr lang="en-US" sz="2800" dirty="0" smtClean="0"/>
+              <a:t> Ruby’s Bundler for Node</a:t>
+            </a:r>
           </a:p>
         </p:txBody>
       </p:sp>
     </p:spTree>
     <p:extLst>
       <p:ext uri="{BB962C8B-B14F-4D97-AF65-F5344CB8AC3E}">
-        <p14:creationId xmlns:p14="http://schemas.microsoft.com/office/powerpoint/2010/main" val="2559346286"/>
+        <p14:creationId xmlns:p14="http://schemas.microsoft.com/office/powerpoint/2010/main" val="2987087734"/>
       </p:ext>
     </p:extLst>
   </p:cSld>
@@ -9536,7 +11367,7 @@
           <a:p>
             <a:r>
               <a:rPr lang="en-US" dirty="0" smtClean="0"/>
-              <a:t>NPM</a:t>
+              <a:t>Bower</a:t>
             </a:r>
             <a:endParaRPr lang="en-US" dirty="0"/>
           </a:p>
@@ -9563,39 +11394,8 @@
           <a:lstStyle/>
           <a:p>
             <a:r>
-              <a:rPr lang="en-US" sz="2800" dirty="0"/>
-              <a:t> </a:t>
-            </a:r>
-            <a:r>
-              <a:rPr lang="en-US" sz="2800" dirty="0"/>
-              <a:t> NPM: Node Package Manager</a:t>
-            </a:r>
-          </a:p>
-          <a:p>
-            <a:pPr lvl="1"/>
-            <a:r>
-              <a:rPr lang="en-US" sz="2200" dirty="0"/>
-              <a:t> Create custom modules</a:t>
-            </a:r>
-          </a:p>
-          <a:p>
-            <a:pPr lvl="1"/>
-            <a:r>
-              <a:rPr lang="en-US" sz="2200" dirty="0"/>
-              <a:t> Publish custom modules</a:t>
-            </a:r>
-          </a:p>
-          <a:p>
-            <a:pPr lvl="1"/>
-            <a:r>
-              <a:rPr lang="en-US" sz="2200" dirty="0"/>
-              <a:t> Manage third party dependencies</a:t>
-            </a:r>
-          </a:p>
-          <a:p>
-            <a:r>
-              <a:rPr lang="en-US" sz="2800" dirty="0"/>
-              <a:t> Ruby’s Bundler for Node</a:t>
+              <a:rPr lang="en-US" sz="2800" dirty="0" smtClean="0"/>
+              <a:t> NPM for the front end</a:t>
             </a:r>
           </a:p>
         </p:txBody>
@@ -9603,7 +11403,7 @@
     </p:spTree>
     <p:extLst>
       <p:ext uri="{BB962C8B-B14F-4D97-AF65-F5344CB8AC3E}">
-        <p14:creationId xmlns:p14="http://schemas.microsoft.com/office/powerpoint/2010/main" val="2987087734"/>
+        <p14:creationId xmlns:p14="http://schemas.microsoft.com/office/powerpoint/2010/main" val="4100531521"/>
       </p:ext>
     </p:extLst>
   </p:cSld>
